--- a/doc/test/LiveCodingLab/LiveCodingLab.pptx
+++ b/doc/test/LiveCodingLab/LiveCodingLab.pptx
@@ -7,14 +7,23 @@
     <p:sldMasterId id="2147483672" r:id="rId3"/>
   </p:sldMasterIdLst>
   <p:notesMasterIdLst>
-    <p:notesMasterId r:id="rId9"/>
+    <p:notesMasterId r:id="rId18"/>
   </p:notesMasterIdLst>
   <p:sldIdLst>
     <p:sldId id="260" r:id="rId4"/>
     <p:sldId id="259" r:id="rId5"/>
     <p:sldId id="256" r:id="rId6"/>
     <p:sldId id="261" r:id="rId7"/>
-    <p:sldId id="266" r:id="rId8"/>
+    <p:sldId id="272" r:id="rId8"/>
+    <p:sldId id="266" r:id="rId9"/>
+    <p:sldId id="267" r:id="rId10"/>
+    <p:sldId id="271" r:id="rId11"/>
+    <p:sldId id="269" r:id="rId12"/>
+    <p:sldId id="270" r:id="rId13"/>
+    <p:sldId id="275" r:id="rId14"/>
+    <p:sldId id="273" r:id="rId15"/>
+    <p:sldId id="274" r:id="rId16"/>
+    <p:sldId id="276" r:id="rId17"/>
   </p:sldIdLst>
   <p:sldSz cx="12192000" cy="6858000"/>
   <p:notesSz cx="6858000" cy="9144000"/>
@@ -126,7 +135,20 @@
             <p14:sldId id="259"/>
             <p14:sldId id="256"/>
             <p14:sldId id="261"/>
+            <p14:sldId id="272"/>
             <p14:sldId id="266"/>
+          </p14:sldIdLst>
+        </p14:section>
+        <p14:section name="Animation" id="{9A227BD3-1ACC-4135-9450-6D97D0AE5C6B}">
+          <p14:sldIdLst>
+            <p14:sldId id="267"/>
+            <p14:sldId id="271"/>
+            <p14:sldId id="269"/>
+            <p14:sldId id="270"/>
+            <p14:sldId id="275"/>
+            <p14:sldId id="273"/>
+            <p14:sldId id="274"/>
+            <p14:sldId id="276"/>
           </p14:sldIdLst>
         </p14:section>
       </p14:sectionLst>
@@ -220,7 +242,7 @@
           <a:p>
             <a:fld id="{57BA524D-DCFF-4255-B868-8E5C9ADD8329}" type="datetimeFigureOut">
               <a:rPr lang="en-US" smtClean="0"/>
-              <a:t>12/17/2020</a:t>
+              <a:t>12/20/2020</a:t>
             </a:fld>
             <a:endParaRPr lang="en-US"/>
           </a:p>
@@ -703,7 +725,7 @@
           <a:p>
             <a:fld id="{8080ADC8-1A58-4C18-893D-23CBEF25DC6B}" type="datetimeFigureOut">
               <a:rPr lang="en-US" smtClean="0"/>
-              <a:t>12/17/2020</a:t>
+              <a:t>12/20/2020</a:t>
             </a:fld>
             <a:endParaRPr lang="en-US"/>
           </a:p>
@@ -871,7 +893,7 @@
           <a:p>
             <a:fld id="{8080ADC8-1A58-4C18-893D-23CBEF25DC6B}" type="datetimeFigureOut">
               <a:rPr lang="en-US" smtClean="0"/>
-              <a:t>12/17/2020</a:t>
+              <a:t>12/20/2020</a:t>
             </a:fld>
             <a:endParaRPr lang="en-US"/>
           </a:p>
@@ -1049,7 +1071,7 @@
           <a:p>
             <a:fld id="{8080ADC8-1A58-4C18-893D-23CBEF25DC6B}" type="datetimeFigureOut">
               <a:rPr lang="en-US" smtClean="0"/>
-              <a:t>12/17/2020</a:t>
+              <a:t>12/20/2020</a:t>
             </a:fld>
             <a:endParaRPr lang="en-US"/>
           </a:p>
@@ -1297,7 +1319,7 @@
           <a:p>
             <a:fld id="{699DC775-C286-4358-8C92-D7E584E969B3}" type="datetimeFigureOut">
               <a:rPr lang="en-US" smtClean="0"/>
-              <a:t>12/17/2020</a:t>
+              <a:t>12/20/2020</a:t>
             </a:fld>
             <a:endParaRPr lang="en-US"/>
           </a:p>
@@ -1473,7 +1495,7 @@
           <a:p>
             <a:fld id="{699DC775-C286-4358-8C92-D7E584E969B3}" type="datetimeFigureOut">
               <a:rPr lang="en-US" smtClean="0"/>
-              <a:t>12/17/2020</a:t>
+              <a:t>12/20/2020</a:t>
             </a:fld>
             <a:endParaRPr lang="en-US"/>
           </a:p>
@@ -1726,7 +1748,7 @@
           <a:p>
             <a:fld id="{699DC775-C286-4358-8C92-D7E584E969B3}" type="datetimeFigureOut">
               <a:rPr lang="en-US" smtClean="0"/>
-              <a:t>12/17/2020</a:t>
+              <a:t>12/20/2020</a:t>
             </a:fld>
             <a:endParaRPr lang="en-US"/>
           </a:p>
@@ -2019,7 +2041,7 @@
           <a:p>
             <a:fld id="{699DC775-C286-4358-8C92-D7E584E969B3}" type="datetimeFigureOut">
               <a:rPr lang="en-US" smtClean="0"/>
-              <a:t>12/17/2020</a:t>
+              <a:t>12/20/2020</a:t>
             </a:fld>
             <a:endParaRPr lang="en-US"/>
           </a:p>
@@ -2446,7 +2468,7 @@
           <a:p>
             <a:fld id="{699DC775-C286-4358-8C92-D7E584E969B3}" type="datetimeFigureOut">
               <a:rPr lang="en-US" smtClean="0"/>
-              <a:t>12/17/2020</a:t>
+              <a:t>12/20/2020</a:t>
             </a:fld>
             <a:endParaRPr lang="en-US"/>
           </a:p>
@@ -2571,7 +2593,7 @@
           <a:p>
             <a:fld id="{699DC775-C286-4358-8C92-D7E584E969B3}" type="datetimeFigureOut">
               <a:rPr lang="en-US" smtClean="0"/>
-              <a:t>12/17/2020</a:t>
+              <a:t>12/20/2020</a:t>
             </a:fld>
             <a:endParaRPr lang="en-US"/>
           </a:p>
@@ -2674,7 +2696,7 @@
           <a:p>
             <a:fld id="{699DC775-C286-4358-8C92-D7E584E969B3}" type="datetimeFigureOut">
               <a:rPr lang="en-US" smtClean="0"/>
-              <a:t>12/17/2020</a:t>
+              <a:t>12/20/2020</a:t>
             </a:fld>
             <a:endParaRPr lang="en-US"/>
           </a:p>
@@ -2957,7 +2979,7 @@
           <a:p>
             <a:fld id="{699DC775-C286-4358-8C92-D7E584E969B3}" type="datetimeFigureOut">
               <a:rPr lang="en-US" smtClean="0"/>
-              <a:t>12/17/2020</a:t>
+              <a:t>12/20/2020</a:t>
             </a:fld>
             <a:endParaRPr lang="en-US"/>
           </a:p>
@@ -3125,7 +3147,7 @@
           <a:p>
             <a:fld id="{8080ADC8-1A58-4C18-893D-23CBEF25DC6B}" type="datetimeFigureOut">
               <a:rPr lang="en-US" smtClean="0"/>
-              <a:t>12/17/2020</a:t>
+              <a:t>12/20/2020</a:t>
             </a:fld>
             <a:endParaRPr lang="en-US"/>
           </a:p>
@@ -3385,7 +3407,7 @@
           <a:p>
             <a:fld id="{699DC775-C286-4358-8C92-D7E584E969B3}" type="datetimeFigureOut">
               <a:rPr lang="en-US" smtClean="0"/>
-              <a:t>12/17/2020</a:t>
+              <a:t>12/20/2020</a:t>
             </a:fld>
             <a:endParaRPr lang="en-US"/>
           </a:p>
@@ -3561,7 +3583,7 @@
           <a:p>
             <a:fld id="{699DC775-C286-4358-8C92-D7E584E969B3}" type="datetimeFigureOut">
               <a:rPr lang="en-US" smtClean="0"/>
-              <a:t>12/17/2020</a:t>
+              <a:t>12/20/2020</a:t>
             </a:fld>
             <a:endParaRPr lang="en-US"/>
           </a:p>
@@ -3747,7 +3769,7 @@
           <a:p>
             <a:fld id="{699DC775-C286-4358-8C92-D7E584E969B3}" type="datetimeFigureOut">
               <a:rPr lang="en-US" smtClean="0"/>
-              <a:t>12/17/2020</a:t>
+              <a:t>12/20/2020</a:t>
             </a:fld>
             <a:endParaRPr lang="en-US"/>
           </a:p>
@@ -3987,7 +4009,7 @@
           <a:p>
             <a:fld id="{699DC775-C286-4358-8C92-D7E584E969B3}" type="datetimeFigureOut">
               <a:rPr lang="en-US" smtClean="0"/>
-              <a:t>12/17/2020</a:t>
+              <a:t>12/20/2020</a:t>
             </a:fld>
             <a:endParaRPr lang="en-US"/>
           </a:p>
@@ -4155,7 +4177,7 @@
           <a:p>
             <a:fld id="{699DC775-C286-4358-8C92-D7E584E969B3}" type="datetimeFigureOut">
               <a:rPr lang="en-US" smtClean="0"/>
-              <a:t>12/17/2020</a:t>
+              <a:t>12/20/2020</a:t>
             </a:fld>
             <a:endParaRPr lang="en-US"/>
           </a:p>
@@ -4400,7 +4422,7 @@
           <a:p>
             <a:fld id="{699DC775-C286-4358-8C92-D7E584E969B3}" type="datetimeFigureOut">
               <a:rPr lang="en-US" smtClean="0"/>
-              <a:t>12/17/2020</a:t>
+              <a:t>12/20/2020</a:t>
             </a:fld>
             <a:endParaRPr lang="en-US"/>
           </a:p>
@@ -4685,7 +4707,7 @@
           <a:p>
             <a:fld id="{699DC775-C286-4358-8C92-D7E584E969B3}" type="datetimeFigureOut">
               <a:rPr lang="en-US" smtClean="0"/>
-              <a:t>12/17/2020</a:t>
+              <a:t>12/20/2020</a:t>
             </a:fld>
             <a:endParaRPr lang="en-US"/>
           </a:p>
@@ -5104,7 +5126,7 @@
           <a:p>
             <a:fld id="{699DC775-C286-4358-8C92-D7E584E969B3}" type="datetimeFigureOut">
               <a:rPr lang="en-US" smtClean="0"/>
-              <a:t>12/17/2020</a:t>
+              <a:t>12/20/2020</a:t>
             </a:fld>
             <a:endParaRPr lang="en-US"/>
           </a:p>
@@ -5221,7 +5243,7 @@
           <a:p>
             <a:fld id="{699DC775-C286-4358-8C92-D7E584E969B3}" type="datetimeFigureOut">
               <a:rPr lang="en-US" smtClean="0"/>
-              <a:t>12/17/2020</a:t>
+              <a:t>12/20/2020</a:t>
             </a:fld>
             <a:endParaRPr lang="en-US"/>
           </a:p>
@@ -5316,7 +5338,7 @@
           <a:p>
             <a:fld id="{699DC775-C286-4358-8C92-D7E584E969B3}" type="datetimeFigureOut">
               <a:rPr lang="en-US" smtClean="0"/>
-              <a:t>12/17/2020</a:t>
+              <a:t>12/20/2020</a:t>
             </a:fld>
             <a:endParaRPr lang="en-US"/>
           </a:p>
@@ -5561,7 +5583,7 @@
           <a:p>
             <a:fld id="{8080ADC8-1A58-4C18-893D-23CBEF25DC6B}" type="datetimeFigureOut">
               <a:rPr lang="en-US" smtClean="0"/>
-              <a:t>12/17/2020</a:t>
+              <a:t>12/20/2020</a:t>
             </a:fld>
             <a:endParaRPr lang="en-US"/>
           </a:p>
@@ -5836,7 +5858,7 @@
           <a:p>
             <a:fld id="{699DC775-C286-4358-8C92-D7E584E969B3}" type="datetimeFigureOut">
               <a:rPr lang="en-US" smtClean="0"/>
-              <a:t>12/17/2020</a:t>
+              <a:t>12/20/2020</a:t>
             </a:fld>
             <a:endParaRPr lang="en-US"/>
           </a:p>
@@ -6088,7 +6110,7 @@
           <a:p>
             <a:fld id="{699DC775-C286-4358-8C92-D7E584E969B3}" type="datetimeFigureOut">
               <a:rPr lang="en-US" smtClean="0"/>
-              <a:t>12/17/2020</a:t>
+              <a:t>12/20/2020</a:t>
             </a:fld>
             <a:endParaRPr lang="en-US"/>
           </a:p>
@@ -6256,7 +6278,7 @@
           <a:p>
             <a:fld id="{699DC775-C286-4358-8C92-D7E584E969B3}" type="datetimeFigureOut">
               <a:rPr lang="en-US" smtClean="0"/>
-              <a:t>12/17/2020</a:t>
+              <a:t>12/20/2020</a:t>
             </a:fld>
             <a:endParaRPr lang="en-US"/>
           </a:p>
@@ -6434,7 +6456,7 @@
           <a:p>
             <a:fld id="{699DC775-C286-4358-8C92-D7E584E969B3}" type="datetimeFigureOut">
               <a:rPr lang="en-US" smtClean="0"/>
-              <a:t>12/17/2020</a:t>
+              <a:t>12/20/2020</a:t>
             </a:fld>
             <a:endParaRPr lang="en-US"/>
           </a:p>
@@ -6663,7 +6685,7 @@
           <a:p>
             <a:fld id="{8080ADC8-1A58-4C18-893D-23CBEF25DC6B}" type="datetimeFigureOut">
               <a:rPr lang="en-US" smtClean="0"/>
-              <a:t>12/17/2020</a:t>
+              <a:t>12/20/2020</a:t>
             </a:fld>
             <a:endParaRPr lang="en-US"/>
           </a:p>
@@ -7027,7 +7049,7 @@
           <a:p>
             <a:fld id="{8080ADC8-1A58-4C18-893D-23CBEF25DC6B}" type="datetimeFigureOut">
               <a:rPr lang="en-US" smtClean="0"/>
-              <a:t>12/17/2020</a:t>
+              <a:t>12/20/2020</a:t>
             </a:fld>
             <a:endParaRPr lang="en-US"/>
           </a:p>
@@ -7144,7 +7166,7 @@
           <a:p>
             <a:fld id="{8080ADC8-1A58-4C18-893D-23CBEF25DC6B}" type="datetimeFigureOut">
               <a:rPr lang="en-US" smtClean="0"/>
-              <a:t>12/17/2020</a:t>
+              <a:t>12/20/2020</a:t>
             </a:fld>
             <a:endParaRPr lang="en-US"/>
           </a:p>
@@ -7239,7 +7261,7 @@
           <a:p>
             <a:fld id="{8080ADC8-1A58-4C18-893D-23CBEF25DC6B}" type="datetimeFigureOut">
               <a:rPr lang="en-US" smtClean="0"/>
-              <a:t>12/17/2020</a:t>
+              <a:t>12/20/2020</a:t>
             </a:fld>
             <a:endParaRPr lang="en-US"/>
           </a:p>
@@ -7514,7 +7536,7 @@
           <a:p>
             <a:fld id="{8080ADC8-1A58-4C18-893D-23CBEF25DC6B}" type="datetimeFigureOut">
               <a:rPr lang="en-US" smtClean="0"/>
-              <a:t>12/17/2020</a:t>
+              <a:t>12/20/2020</a:t>
             </a:fld>
             <a:endParaRPr lang="en-US"/>
           </a:p>
@@ -7766,7 +7788,7 @@
           <a:p>
             <a:fld id="{8080ADC8-1A58-4C18-893D-23CBEF25DC6B}" type="datetimeFigureOut">
               <a:rPr lang="en-US" smtClean="0"/>
-              <a:t>12/17/2020</a:t>
+              <a:t>12/20/2020</a:t>
             </a:fld>
             <a:endParaRPr lang="en-US"/>
           </a:p>
@@ -7977,7 +7999,7 @@
           <a:p>
             <a:fld id="{8080ADC8-1A58-4C18-893D-23CBEF25DC6B}" type="datetimeFigureOut">
               <a:rPr lang="en-US" smtClean="0"/>
-              <a:t>12/17/2020</a:t>
+              <a:t>12/20/2020</a:t>
             </a:fld>
             <a:endParaRPr lang="en-US"/>
           </a:p>
@@ -8518,7 +8540,7 @@
           <a:p>
             <a:fld id="{699DC775-C286-4358-8C92-D7E584E969B3}" type="datetimeFigureOut">
               <a:rPr lang="en-US" smtClean="0"/>
-              <a:t>12/17/2020</a:t>
+              <a:t>12/20/2020</a:t>
             </a:fld>
             <a:endParaRPr lang="en-US"/>
           </a:p>
@@ -9026,7 +9048,7 @@
           <a:p>
             <a:fld id="{699DC775-C286-4358-8C92-D7E584E969B3}" type="datetimeFigureOut">
               <a:rPr lang="en-US" smtClean="0"/>
-              <a:t>12/17/2020</a:t>
+              <a:t>12/20/2020</a:t>
             </a:fld>
             <a:endParaRPr lang="en-US"/>
           </a:p>
@@ -9517,10 +9539,10 @@
       </p:sp>
       <p:sp>
         <p:nvSpPr>
-          <p:cNvPr id="10" name="PPTL_LiveCodingStorage" hidden="1">
+          <p:cNvPr id="5" name="PPTL_LiveCodingStorage" hidden="1">
             <a:extLst>
               <a:ext uri="{FF2B5EF4-FFF2-40B4-BE49-F238E27FC236}">
-                <a16:creationId xmlns:a16="http://schemas.microsoft.com/office/drawing/2014/main" id="{F7054274-F361-4DD0-A5A8-4FEBA8C08933}"/>
+                <a16:creationId xmlns:a16="http://schemas.microsoft.com/office/drawing/2014/main" id="{6FE94B05-7819-45D9-B637-6215ADFF0E89}"/>
               </a:ext>
             </a:extLst>
           </p:cNvPr>
@@ -9530,7 +9552,7 @@
         <p:spPr>
           <a:xfrm>
             <a:off x="0" y="0"/>
-            <a:ext cx="12192000" cy="4154984"/>
+            <a:ext cx="12192000" cy="11541621"/>
           </a:xfrm>
           <a:prstGeom prst="rect">
             <a:avLst/>
@@ -9616,6 +9638,446 @@
                   <a:srgbClr val="000000"/>
                 </a:solidFill>
               </a:rPr>
+              <a:t>    &lt;CodeBoxId&gt;6&lt;/CodeBoxId&gt;</a:t>
+            </a:r>
+          </a:p>
+          <a:p>
+            <a:pPr algn="ctr"/>
+            <a:r>
+              <a:rPr lang="en-SG" sz="1200">
+                <a:solidFill>
+                  <a:srgbClr val="000000"/>
+                </a:solidFill>
+              </a:rPr>
+              <a:t>    &lt;CodeText&gt;D:\Documents\School_Work\CP4101\pptlabs\doc\test\LiveCodingLab\sample_animationblockdiff.diff&lt;/CodeText&gt;</a:t>
+            </a:r>
+          </a:p>
+          <a:p>
+            <a:pPr algn="ctr"/>
+            <a:r>
+              <a:rPr lang="en-SG" sz="1200">
+                <a:solidFill>
+                  <a:srgbClr val="000000"/>
+                </a:solidFill>
+              </a:rPr>
+              <a:t>    &lt;Group&gt;Animate Block Diff Test&lt;/Group&gt;</a:t>
+            </a:r>
+          </a:p>
+          <a:p>
+            <a:pPr algn="ctr"/>
+            <a:r>
+              <a:rPr lang="en-SG" sz="1200">
+                <a:solidFill>
+                  <a:srgbClr val="000000"/>
+                </a:solidFill>
+              </a:rPr>
+              <a:t>    &lt;ShapeName&gt;PPTL_6_CodeBox&lt;/ShapeName&gt;</a:t>
+            </a:r>
+          </a:p>
+          <a:p>
+            <a:pPr algn="ctr"/>
+            <a:r>
+              <a:rPr lang="en-SG" sz="1200">
+                <a:solidFill>
+                  <a:srgbClr val="000000"/>
+                </a:solidFill>
+              </a:rPr>
+              <a:t>    &lt;DiffIndex&gt;1&lt;/DiffIndex&gt;</a:t>
+            </a:r>
+          </a:p>
+          <a:p>
+            <a:pPr algn="ctr"/>
+            <a:r>
+              <a:rPr lang="en-SG" sz="1200">
+                <a:solidFill>
+                  <a:srgbClr val="000000"/>
+                </a:solidFill>
+              </a:rPr>
+              <a:t>  &lt;/Item&gt;</a:t>
+            </a:r>
+          </a:p>
+          <a:p>
+            <a:pPr algn="ctr"/>
+            <a:r>
+              <a:rPr lang="en-SG" sz="1200">
+                <a:solidFill>
+                  <a:srgbClr val="000000"/>
+                </a:solidFill>
+              </a:rPr>
+              <a:t>  &lt;Item&gt;</a:t>
+            </a:r>
+          </a:p>
+          <a:p>
+            <a:pPr algn="ctr"/>
+            <a:r>
+              <a:rPr lang="en-SG" sz="1200">
+                <a:solidFill>
+                  <a:srgbClr val="000000"/>
+                </a:solidFill>
+              </a:rPr>
+              <a:t>    &lt;IsFile&gt;N&lt;/IsFile&gt;</a:t>
+            </a:r>
+          </a:p>
+          <a:p>
+            <a:pPr algn="ctr"/>
+            <a:r>
+              <a:rPr lang="en-SG" sz="1200">
+                <a:solidFill>
+                  <a:srgbClr val="000000"/>
+                </a:solidFill>
+              </a:rPr>
+              <a:t>    &lt;IsText&gt;N&lt;/IsText&gt;</a:t>
+            </a:r>
+          </a:p>
+          <a:p>
+            <a:pPr algn="ctr"/>
+            <a:r>
+              <a:rPr lang="en-SG" sz="1200">
+                <a:solidFill>
+                  <a:srgbClr val="000000"/>
+                </a:solidFill>
+              </a:rPr>
+              <a:t>    &lt;IsDiff&gt;Y&lt;/IsDiff&gt;</a:t>
+            </a:r>
+          </a:p>
+          <a:p>
+            <a:pPr algn="ctr"/>
+            <a:r>
+              <a:rPr lang="en-SG" sz="1200">
+                <a:solidFill>
+                  <a:srgbClr val="000000"/>
+                </a:solidFill>
+              </a:rPr>
+              <a:t>    &lt;CodeBoxId&gt;5&lt;/CodeBoxId&gt;</a:t>
+            </a:r>
+          </a:p>
+          <a:p>
+            <a:pPr algn="ctr"/>
+            <a:r>
+              <a:rPr lang="en-SG" sz="1200">
+                <a:solidFill>
+                  <a:srgbClr val="000000"/>
+                </a:solidFill>
+              </a:rPr>
+              <a:t>    &lt;CodeText&gt;D:\Documents\School_Work\CP4101\pptlabs\doc\test\LiveCodingLab\sample_animationblockdiff.diff&lt;/CodeText&gt;</a:t>
+            </a:r>
+          </a:p>
+          <a:p>
+            <a:pPr algn="ctr"/>
+            <a:r>
+              <a:rPr lang="en-SG" sz="1200">
+                <a:solidFill>
+                  <a:srgbClr val="000000"/>
+                </a:solidFill>
+              </a:rPr>
+              <a:t>    &lt;Group&gt;Animate Block Diff Test&lt;/Group&gt;</a:t>
+            </a:r>
+          </a:p>
+          <a:p>
+            <a:pPr algn="ctr"/>
+            <a:r>
+              <a:rPr lang="en-SG" sz="1200">
+                <a:solidFill>
+                  <a:srgbClr val="000000"/>
+                </a:solidFill>
+              </a:rPr>
+              <a:t>    &lt;ShapeName&gt;PPTL_5_CodeBox&lt;/ShapeName&gt;</a:t>
+            </a:r>
+          </a:p>
+          <a:p>
+            <a:pPr algn="ctr"/>
+            <a:r>
+              <a:rPr lang="en-SG" sz="1200">
+                <a:solidFill>
+                  <a:srgbClr val="000000"/>
+                </a:solidFill>
+              </a:rPr>
+              <a:t>    &lt;DiffIndex&gt;0&lt;/DiffIndex&gt;</a:t>
+            </a:r>
+          </a:p>
+          <a:p>
+            <a:pPr algn="ctr"/>
+            <a:r>
+              <a:rPr lang="en-SG" sz="1200">
+                <a:solidFill>
+                  <a:srgbClr val="000000"/>
+                </a:solidFill>
+              </a:rPr>
+              <a:t>  &lt;/Item&gt;</a:t>
+            </a:r>
+          </a:p>
+          <a:p>
+            <a:pPr algn="ctr"/>
+            <a:r>
+              <a:rPr lang="en-SG" sz="1200">
+                <a:solidFill>
+                  <a:srgbClr val="000000"/>
+                </a:solidFill>
+              </a:rPr>
+              <a:t>  &lt;Item&gt;</a:t>
+            </a:r>
+          </a:p>
+          <a:p>
+            <a:pPr algn="ctr"/>
+            <a:r>
+              <a:rPr lang="en-SG" sz="1200">
+                <a:solidFill>
+                  <a:srgbClr val="000000"/>
+                </a:solidFill>
+              </a:rPr>
+              <a:t>    &lt;IsFile&gt;N&lt;/IsFile&gt;</a:t>
+            </a:r>
+          </a:p>
+          <a:p>
+            <a:pPr algn="ctr"/>
+            <a:r>
+              <a:rPr lang="en-SG" sz="1200">
+                <a:solidFill>
+                  <a:srgbClr val="000000"/>
+                </a:solidFill>
+              </a:rPr>
+              <a:t>    &lt;IsText&gt;N&lt;/IsText&gt;</a:t>
+            </a:r>
+          </a:p>
+          <a:p>
+            <a:pPr algn="ctr"/>
+            <a:r>
+              <a:rPr lang="en-SG" sz="1200">
+                <a:solidFill>
+                  <a:srgbClr val="000000"/>
+                </a:solidFill>
+              </a:rPr>
+              <a:t>    &lt;IsDiff&gt;Y&lt;/IsDiff&gt;</a:t>
+            </a:r>
+          </a:p>
+          <a:p>
+            <a:pPr algn="ctr"/>
+            <a:r>
+              <a:rPr lang="en-SG" sz="1200">
+                <a:solidFill>
+                  <a:srgbClr val="000000"/>
+                </a:solidFill>
+              </a:rPr>
+              <a:t>    &lt;CodeBoxId&gt;4&lt;/CodeBoxId&gt;</a:t>
+            </a:r>
+          </a:p>
+          <a:p>
+            <a:pPr algn="ctr"/>
+            <a:r>
+              <a:rPr lang="en-SG" sz="1200">
+                <a:solidFill>
+                  <a:srgbClr val="000000"/>
+                </a:solidFill>
+              </a:rPr>
+              <a:t>    &lt;CodeText&gt;D:\Documents\School_Work\CP4101\pptlabs\doc\test\LiveCodingLab\sample_animation.diff&lt;/CodeText&gt;</a:t>
+            </a:r>
+          </a:p>
+          <a:p>
+            <a:pPr algn="ctr"/>
+            <a:r>
+              <a:rPr lang="en-SG" sz="1200">
+                <a:solidFill>
+                  <a:srgbClr val="000000"/>
+                </a:solidFill>
+              </a:rPr>
+              <a:t>    &lt;Group&gt;Animation Functional Test&lt;/Group&gt;</a:t>
+            </a:r>
+          </a:p>
+          <a:p>
+            <a:pPr algn="ctr"/>
+            <a:r>
+              <a:rPr lang="en-SG" sz="1200">
+                <a:solidFill>
+                  <a:srgbClr val="000000"/>
+                </a:solidFill>
+              </a:rPr>
+              <a:t>    &lt;ShapeName&gt;PPTL_4_CodeBox&lt;/ShapeName&gt;</a:t>
+            </a:r>
+          </a:p>
+          <a:p>
+            <a:pPr algn="ctr"/>
+            <a:r>
+              <a:rPr lang="en-SG" sz="1200">
+                <a:solidFill>
+                  <a:srgbClr val="000000"/>
+                </a:solidFill>
+              </a:rPr>
+              <a:t>    &lt;DiffIndex&gt;1&lt;/DiffIndex&gt;</a:t>
+            </a:r>
+          </a:p>
+          <a:p>
+            <a:pPr algn="ctr"/>
+            <a:r>
+              <a:rPr lang="en-SG" sz="1200">
+                <a:solidFill>
+                  <a:srgbClr val="000000"/>
+                </a:solidFill>
+              </a:rPr>
+              <a:t>  &lt;/Item&gt;</a:t>
+            </a:r>
+          </a:p>
+          <a:p>
+            <a:pPr algn="ctr"/>
+            <a:r>
+              <a:rPr lang="en-SG" sz="1200">
+                <a:solidFill>
+                  <a:srgbClr val="000000"/>
+                </a:solidFill>
+              </a:rPr>
+              <a:t>  &lt;Item&gt;</a:t>
+            </a:r>
+          </a:p>
+          <a:p>
+            <a:pPr algn="ctr"/>
+            <a:r>
+              <a:rPr lang="en-SG" sz="1200">
+                <a:solidFill>
+                  <a:srgbClr val="000000"/>
+                </a:solidFill>
+              </a:rPr>
+              <a:t>    &lt;IsFile&gt;N&lt;/IsFile&gt;</a:t>
+            </a:r>
+          </a:p>
+          <a:p>
+            <a:pPr algn="ctr"/>
+            <a:r>
+              <a:rPr lang="en-SG" sz="1200">
+                <a:solidFill>
+                  <a:srgbClr val="000000"/>
+                </a:solidFill>
+              </a:rPr>
+              <a:t>    &lt;IsText&gt;N&lt;/IsText&gt;</a:t>
+            </a:r>
+          </a:p>
+          <a:p>
+            <a:pPr algn="ctr"/>
+            <a:r>
+              <a:rPr lang="en-SG" sz="1200">
+                <a:solidFill>
+                  <a:srgbClr val="000000"/>
+                </a:solidFill>
+              </a:rPr>
+              <a:t>    &lt;IsDiff&gt;Y&lt;/IsDiff&gt;</a:t>
+            </a:r>
+          </a:p>
+          <a:p>
+            <a:pPr algn="ctr"/>
+            <a:r>
+              <a:rPr lang="en-SG" sz="1200">
+                <a:solidFill>
+                  <a:srgbClr val="000000"/>
+                </a:solidFill>
+              </a:rPr>
+              <a:t>    &lt;CodeBoxId&gt;1&lt;/CodeBoxId&gt;</a:t>
+            </a:r>
+          </a:p>
+          <a:p>
+            <a:pPr algn="ctr"/>
+            <a:r>
+              <a:rPr lang="en-SG" sz="1200">
+                <a:solidFill>
+                  <a:srgbClr val="000000"/>
+                </a:solidFill>
+              </a:rPr>
+              <a:t>    &lt;CodeText&gt;D:\Documents\School_Work\CP4101\pptlabs\doc\test\LiveCodingLab\sample_animation.diff&lt;/CodeText&gt;</a:t>
+            </a:r>
+          </a:p>
+          <a:p>
+            <a:pPr algn="ctr"/>
+            <a:r>
+              <a:rPr lang="en-SG" sz="1200">
+                <a:solidFill>
+                  <a:srgbClr val="000000"/>
+                </a:solidFill>
+              </a:rPr>
+              <a:t>    &lt;Group&gt;Animation Functional Test&lt;/Group&gt;</a:t>
+            </a:r>
+          </a:p>
+          <a:p>
+            <a:pPr algn="ctr"/>
+            <a:r>
+              <a:rPr lang="en-SG" sz="1200">
+                <a:solidFill>
+                  <a:srgbClr val="000000"/>
+                </a:solidFill>
+              </a:rPr>
+              <a:t>    &lt;ShapeName&gt;PPTL_1_CodeBox&lt;/ShapeName&gt;</a:t>
+            </a:r>
+          </a:p>
+          <a:p>
+            <a:pPr algn="ctr"/>
+            <a:r>
+              <a:rPr lang="en-SG" sz="1200">
+                <a:solidFill>
+                  <a:srgbClr val="000000"/>
+                </a:solidFill>
+              </a:rPr>
+              <a:t>    &lt;DiffIndex&gt;0&lt;/DiffIndex&gt;</a:t>
+            </a:r>
+          </a:p>
+          <a:p>
+            <a:pPr algn="ctr"/>
+            <a:r>
+              <a:rPr lang="en-SG" sz="1200">
+                <a:solidFill>
+                  <a:srgbClr val="000000"/>
+                </a:solidFill>
+              </a:rPr>
+              <a:t>  &lt;/Item&gt;</a:t>
+            </a:r>
+          </a:p>
+          <a:p>
+            <a:pPr algn="ctr"/>
+            <a:r>
+              <a:rPr lang="en-SG" sz="1200">
+                <a:solidFill>
+                  <a:srgbClr val="000000"/>
+                </a:solidFill>
+              </a:rPr>
+              <a:t>  &lt;Item&gt;</a:t>
+            </a:r>
+          </a:p>
+          <a:p>
+            <a:pPr algn="ctr"/>
+            <a:r>
+              <a:rPr lang="en-SG" sz="1200">
+                <a:solidFill>
+                  <a:srgbClr val="000000"/>
+                </a:solidFill>
+              </a:rPr>
+              <a:t>    &lt;IsFile&gt;N&lt;/IsFile&gt;</a:t>
+            </a:r>
+          </a:p>
+          <a:p>
+            <a:pPr algn="ctr"/>
+            <a:r>
+              <a:rPr lang="en-SG" sz="1200">
+                <a:solidFill>
+                  <a:srgbClr val="000000"/>
+                </a:solidFill>
+              </a:rPr>
+              <a:t>    &lt;IsText&gt;N&lt;/IsText&gt;</a:t>
+            </a:r>
+          </a:p>
+          <a:p>
+            <a:pPr algn="ctr"/>
+            <a:r>
+              <a:rPr lang="en-SG" sz="1200">
+                <a:solidFill>
+                  <a:srgbClr val="000000"/>
+                </a:solidFill>
+              </a:rPr>
+              <a:t>    &lt;IsDiff&gt;Y&lt;/IsDiff&gt;</a:t>
+            </a:r>
+          </a:p>
+          <a:p>
+            <a:pPr algn="ctr"/>
+            <a:r>
+              <a:rPr lang="en-SG" sz="1200">
+                <a:solidFill>
+                  <a:srgbClr val="000000"/>
+                </a:solidFill>
+              </a:rPr>
               <a:t>    &lt;CodeBoxId&gt;3&lt;/CodeBoxId&gt;</a:t>
             </a:r>
           </a:p>
@@ -9801,6 +10263,3436 @@
     <p:extLst>
       <p:ext uri="{BB962C8B-B14F-4D97-AF65-F5344CB8AC3E}">
         <p14:creationId xmlns:p14="http://schemas.microsoft.com/office/powerpoint/2010/main" val="3041356355"/>
+      </p:ext>
+    </p:extLst>
+  </p:cSld>
+  <p:clrMapOvr>
+    <a:masterClrMapping/>
+  </p:clrMapOvr>
+</p:sld>
+</file>
+
+<file path=ppt/slides/slide10.xml><?xml version="1.0" encoding="utf-8"?>
+<p:sld xmlns:a="http://schemas.openxmlformats.org/drawingml/2006/main" xmlns:r="http://schemas.openxmlformats.org/officeDocument/2006/relationships" xmlns:p="http://schemas.openxmlformats.org/presentationml/2006/main">
+  <p:cSld>
+    <p:spTree>
+      <p:nvGrpSpPr>
+        <p:cNvPr id="1" name=""/>
+        <p:cNvGrpSpPr/>
+        <p:nvPr/>
+      </p:nvGrpSpPr>
+      <p:grpSpPr>
+        <a:xfrm>
+          <a:off x="0" y="0"/>
+          <a:ext cx="0" cy="0"/>
+          <a:chOff x="0" y="0"/>
+          <a:chExt cx="0" cy="0"/>
+        </a:xfrm>
+      </p:grpSpPr>
+      <p:sp>
+        <p:nvSpPr>
+          <p:cNvPr id="2" name="PPTL_4_CodeBox">
+            <a:extLst>
+              <a:ext uri="{FF2B5EF4-FFF2-40B4-BE49-F238E27FC236}">
+                <a16:creationId xmlns:a16="http://schemas.microsoft.com/office/drawing/2014/main" id="{63B0C232-49E7-4C53-BB8C-AE78193B5AA0}"/>
+              </a:ext>
+            </a:extLst>
+          </p:cNvPr>
+          <p:cNvSpPr txBox="1"/>
+          <p:nvPr/>
+        </p:nvSpPr>
+        <p:spPr>
+          <a:xfrm>
+            <a:off x="2159000" y="1270000"/>
+            <a:ext cx="8890000" cy="3416320"/>
+          </a:xfrm>
+          <a:prstGeom prst="rect">
+            <a:avLst/>
+          </a:prstGeom>
+          <a:noFill/>
+        </p:spPr>
+        <p:txBody>
+          <a:bodyPr vert="horz" wrap="square" rtlCol="0">
+            <a:spAutoFit/>
+          </a:bodyPr>
+          <a:lstStyle/>
+          <a:p>
+            <a:r>
+              <a:rPr lang="en-SG">
+                <a:solidFill>
+                  <a:srgbClr val="000000"/>
+                </a:solidFill>
+                <a:latin typeface="Consolas" panose="020B0609020204030204" pitchFamily="49" charset="0"/>
+              </a:rPr>
+              <a:t>y -= 1;</a:t>
+            </a:r>
+          </a:p>
+          <a:p>
+            <a:r>
+              <a:rPr lang="en-SG">
+                <a:solidFill>
+                  <a:srgbClr val="0000FF"/>
+                </a:solidFill>
+                <a:latin typeface="Consolas" panose="020B0609020204030204" pitchFamily="49" charset="0"/>
+              </a:rPr>
+              <a:t>if</a:t>
+            </a:r>
+            <a:r>
+              <a:rPr lang="en-SG">
+                <a:solidFill>
+                  <a:srgbClr val="000000"/>
+                </a:solidFill>
+                <a:latin typeface="Consolas" panose="020B0609020204030204" pitchFamily="49" charset="0"/>
+              </a:rPr>
+              <a:t> (!animateDiff) {</a:t>
+            </a:r>
+          </a:p>
+          <a:p>
+            <a:r>
+              <a:rPr lang="en-SG">
+                <a:solidFill>
+                  <a:srgbClr val="000000"/>
+                </a:solidFill>
+                <a:latin typeface="Consolas" panose="020B0609020204030204" pitchFamily="49" charset="0"/>
+              </a:rPr>
+              <a:t>    someFunction(someNewParam);</a:t>
+            </a:r>
+          </a:p>
+          <a:p>
+            <a:r>
+              <a:rPr lang="en-SG">
+                <a:solidFill>
+                  <a:srgbClr val="000000"/>
+                </a:solidFill>
+                <a:latin typeface="Consolas" panose="020B0609020204030204" pitchFamily="49" charset="0"/>
+              </a:rPr>
+              <a:t>    anotherFunction(y);</a:t>
+            </a:r>
+          </a:p>
+          <a:p>
+            <a:r>
+              <a:rPr lang="en-SG">
+                <a:solidFill>
+                  <a:srgbClr val="000000"/>
+                </a:solidFill>
+                <a:latin typeface="Consolas" panose="020B0609020204030204" pitchFamily="49" charset="0"/>
+              </a:rPr>
+              <a:t>    x -= 1;</a:t>
+            </a:r>
+          </a:p>
+          <a:p>
+            <a:r>
+              <a:rPr lang="en-SG">
+                <a:solidFill>
+                  <a:srgbClr val="000000"/>
+                </a:solidFill>
+                <a:latin typeface="Consolas" panose="020B0609020204030204" pitchFamily="49" charset="0"/>
+              </a:rPr>
+              <a:t>}</a:t>
+            </a:r>
+          </a:p>
+          <a:p>
+            <a:endParaRPr lang="en-SG">
+              <a:solidFill>
+                <a:srgbClr val="000000"/>
+              </a:solidFill>
+              <a:latin typeface="Consolas" panose="020B0609020204030204" pitchFamily="49" charset="0"/>
+            </a:endParaRPr>
+          </a:p>
+          <a:p>
+            <a:r>
+              <a:rPr lang="en-SG">
+                <a:solidFill>
+                  <a:srgbClr val="0000FF"/>
+                </a:solidFill>
+                <a:latin typeface="Consolas" panose="020B0609020204030204" pitchFamily="49" charset="0"/>
+              </a:rPr>
+              <a:t>while</a:t>
+            </a:r>
+            <a:r>
+              <a:rPr lang="en-SG">
+                <a:solidFill>
+                  <a:srgbClr val="000000"/>
+                </a:solidFill>
+                <a:latin typeface="Consolas" panose="020B0609020204030204" pitchFamily="49" charset="0"/>
+              </a:rPr>
+              <a:t> (someCondition) {</a:t>
+            </a:r>
+          </a:p>
+          <a:p>
+            <a:r>
+              <a:rPr lang="en-SG">
+                <a:solidFill>
+                  <a:srgbClr val="000000"/>
+                </a:solidFill>
+                <a:latin typeface="Consolas" panose="020B0609020204030204" pitchFamily="49" charset="0"/>
+              </a:rPr>
+              <a:t>    someLogic++;</a:t>
+            </a:r>
+          </a:p>
+          <a:p>
+            <a:r>
+              <a:rPr lang="en-SG">
+                <a:solidFill>
+                  <a:srgbClr val="000000"/>
+                </a:solidFill>
+                <a:latin typeface="Consolas" panose="020B0609020204030204" pitchFamily="49" charset="0"/>
+              </a:rPr>
+              <a:t>}</a:t>
+            </a:r>
+          </a:p>
+          <a:p>
+            <a:r>
+              <a:rPr lang="en-SG">
+                <a:solidFill>
+                  <a:srgbClr val="000000"/>
+                </a:solidFill>
+                <a:latin typeface="Consolas" panose="020B0609020204030204" pitchFamily="49" charset="0"/>
+              </a:rPr>
+              <a:t>...</a:t>
+            </a:r>
+          </a:p>
+          <a:p>
+            <a:endParaRPr lang="en-SG">
+              <a:solidFill>
+                <a:srgbClr val="000000"/>
+              </a:solidFill>
+              <a:latin typeface="Consolas" panose="020B0609020204030204" pitchFamily="49" charset="0"/>
+            </a:endParaRPr>
+          </a:p>
+        </p:txBody>
+      </p:sp>
+    </p:spTree>
+    <p:extLst>
+      <p:ext uri="{BB962C8B-B14F-4D97-AF65-F5344CB8AC3E}">
+        <p14:creationId xmlns:p14="http://schemas.microsoft.com/office/powerpoint/2010/main" val="182923135"/>
+      </p:ext>
+    </p:extLst>
+  </p:cSld>
+  <p:clrMapOvr>
+    <a:masterClrMapping/>
+  </p:clrMapOvr>
+</p:sld>
+</file>
+
+<file path=ppt/slides/slide11.xml><?xml version="1.0" encoding="utf-8"?>
+<p:sld xmlns:a="http://schemas.openxmlformats.org/drawingml/2006/main" xmlns:r="http://schemas.openxmlformats.org/officeDocument/2006/relationships" xmlns:p="http://schemas.openxmlformats.org/presentationml/2006/main">
+  <p:cSld name="PPTL_LiveCodingTransitionSlide202012201706321250">
+    <p:spTree>
+      <p:nvGrpSpPr>
+        <p:cNvPr id="1" name=""/>
+        <p:cNvGrpSpPr/>
+        <p:nvPr/>
+      </p:nvGrpSpPr>
+      <p:grpSpPr>
+        <a:xfrm>
+          <a:off x="0" y="0"/>
+          <a:ext cx="0" cy="0"/>
+          <a:chOff x="0" y="0"/>
+          <a:chExt cx="0" cy="0"/>
+        </a:xfrm>
+      </p:grpSpPr>
+      <p:sp>
+        <p:nvSpPr>
+          <p:cNvPr id="5" name="PPTL_6_CodeBox">
+            <a:extLst>
+              <a:ext uri="{FF2B5EF4-FFF2-40B4-BE49-F238E27FC236}">
+                <a16:creationId xmlns:a16="http://schemas.microsoft.com/office/drawing/2014/main" id="{07A31DDA-3770-4F3F-942C-B6ED40B25E54}"/>
+              </a:ext>
+            </a:extLst>
+          </p:cNvPr>
+          <p:cNvSpPr txBox="1"/>
+          <p:nvPr/>
+        </p:nvSpPr>
+        <p:spPr>
+          <a:xfrm>
+            <a:off x="2159000" y="1270001"/>
+            <a:ext cx="8890000" cy="3693319"/>
+          </a:xfrm>
+          <a:prstGeom prst="rect">
+            <a:avLst/>
+          </a:prstGeom>
+          <a:noFill/>
+        </p:spPr>
+        <p:txBody>
+          <a:bodyPr vert="horz" wrap="square" rtlCol="0">
+            <a:spAutoFit/>
+          </a:bodyPr>
+          <a:lstStyle/>
+          <a:p>
+            <a:r>
+              <a:rPr lang="en-SG">
+                <a:solidFill>
+                  <a:srgbClr val="0000FF"/>
+                </a:solidFill>
+                <a:latin typeface="Consolas" panose="020B0609020204030204" pitchFamily="49" charset="0"/>
+              </a:rPr>
+              <a:t>if</a:t>
+            </a:r>
+            <a:r>
+              <a:rPr lang="en-SG">
+                <a:solidFill>
+                  <a:srgbClr val="000000"/>
+                </a:solidFill>
+                <a:latin typeface="Consolas" panose="020B0609020204030204" pitchFamily="49" charset="0"/>
+              </a:rPr>
+              <a:t> (!animateDiff) {</a:t>
+            </a:r>
+          </a:p>
+          <a:p>
+            <a:r>
+              <a:rPr lang="en-SG">
+                <a:solidFill>
+                  <a:srgbClr val="000000"/>
+                </a:solidFill>
+                <a:latin typeface="Consolas" panose="020B0609020204030204" pitchFamily="49" charset="0"/>
+              </a:rPr>
+              <a:t>    someFunction(someNewParam);</a:t>
+            </a:r>
+          </a:p>
+          <a:p>
+            <a:r>
+              <a:rPr lang="en-SG">
+                <a:solidFill>
+                  <a:srgbClr val="000000"/>
+                </a:solidFill>
+                <a:latin typeface="Consolas" panose="020B0609020204030204" pitchFamily="49" charset="0"/>
+              </a:rPr>
+              <a:t>    anotherFunction(y);</a:t>
+            </a:r>
+          </a:p>
+          <a:p>
+            <a:r>
+              <a:rPr lang="en-SG">
+                <a:solidFill>
+                  <a:srgbClr val="000000"/>
+                </a:solidFill>
+                <a:latin typeface="Consolas" panose="020B0609020204030204" pitchFamily="49" charset="0"/>
+              </a:rPr>
+              <a:t>    x -= 1;</a:t>
+            </a:r>
+          </a:p>
+          <a:p>
+            <a:r>
+              <a:rPr lang="en-SG">
+                <a:solidFill>
+                  <a:srgbClr val="000000"/>
+                </a:solidFill>
+                <a:latin typeface="Consolas" panose="020B0609020204030204" pitchFamily="49" charset="0"/>
+              </a:rPr>
+              <a:t>}</a:t>
+            </a:r>
+          </a:p>
+          <a:p>
+            <a:r>
+              <a:rPr lang="en-SG">
+                <a:solidFill>
+                  <a:srgbClr val="0000FF"/>
+                </a:solidFill>
+                <a:latin typeface="Consolas" panose="020B0609020204030204" pitchFamily="49" charset="0"/>
+              </a:rPr>
+              <a:t>while</a:t>
+            </a:r>
+            <a:r>
+              <a:rPr lang="en-SG">
+                <a:solidFill>
+                  <a:srgbClr val="000000"/>
+                </a:solidFill>
+                <a:latin typeface="Consolas" panose="020B0609020204030204" pitchFamily="49" charset="0"/>
+              </a:rPr>
+              <a:t> (someCondition) {</a:t>
+            </a:r>
+          </a:p>
+          <a:p>
+            <a:r>
+              <a:rPr lang="en-SG">
+                <a:solidFill>
+                  <a:srgbClr val="000000"/>
+                </a:solidFill>
+                <a:latin typeface="Consolas" panose="020B0609020204030204" pitchFamily="49" charset="0"/>
+              </a:rPr>
+              <a:t>    someLogic++;</a:t>
+            </a:r>
+          </a:p>
+          <a:p>
+            <a:r>
+              <a:rPr lang="en-SG">
+                <a:solidFill>
+                  <a:srgbClr val="000000"/>
+                </a:solidFill>
+                <a:latin typeface="Consolas" panose="020B0609020204030204" pitchFamily="49" charset="0"/>
+              </a:rPr>
+              <a:t>}</a:t>
+            </a:r>
+          </a:p>
+          <a:p>
+            <a:r>
+              <a:rPr lang="en-SG">
+                <a:solidFill>
+                  <a:srgbClr val="000000"/>
+                </a:solidFill>
+                <a:latin typeface="Consolas" panose="020B0609020204030204" pitchFamily="49" charset="0"/>
+              </a:rPr>
+              <a:t>...</a:t>
+            </a:r>
+          </a:p>
+          <a:p>
+            <a:r>
+              <a:rPr lang="en-SG">
+                <a:solidFill>
+                  <a:srgbClr val="0000FF"/>
+                </a:solidFill>
+                <a:latin typeface="Consolas" panose="020B0609020204030204" pitchFamily="49" charset="0"/>
+              </a:rPr>
+              <a:t>for</a:t>
+            </a:r>
+            <a:r>
+              <a:rPr lang="en-SG">
+                <a:solidFill>
+                  <a:srgbClr val="000000"/>
+                </a:solidFill>
+                <a:latin typeface="Consolas" panose="020B0609020204030204" pitchFamily="49" charset="0"/>
+              </a:rPr>
+              <a:t> (</a:t>
+            </a:r>
+            <a:r>
+              <a:rPr lang="en-SG">
+                <a:solidFill>
+                  <a:srgbClr val="0000FF"/>
+                </a:solidFill>
+                <a:latin typeface="Consolas" panose="020B0609020204030204" pitchFamily="49" charset="0"/>
+              </a:rPr>
+              <a:t>int</a:t>
+            </a:r>
+            <a:r>
+              <a:rPr lang="en-SG">
+                <a:solidFill>
+                  <a:srgbClr val="000000"/>
+                </a:solidFill>
+                <a:latin typeface="Consolas" panose="020B0609020204030204" pitchFamily="49" charset="0"/>
+              </a:rPr>
+              <a:t> i = 0; i &lt; someCondition; i++) {</a:t>
+            </a:r>
+          </a:p>
+          <a:p>
+            <a:r>
+              <a:rPr lang="en-SG">
+                <a:solidFill>
+                  <a:srgbClr val="000000"/>
+                </a:solidFill>
+                <a:latin typeface="Consolas" panose="020B0609020204030204" pitchFamily="49" charset="0"/>
+              </a:rPr>
+              <a:t>    doSomeLogic(x);</a:t>
+            </a:r>
+          </a:p>
+          <a:p>
+            <a:r>
+              <a:rPr lang="en-SG">
+                <a:solidFill>
+                  <a:srgbClr val="000000"/>
+                </a:solidFill>
+                <a:latin typeface="Consolas" panose="020B0609020204030204" pitchFamily="49" charset="0"/>
+              </a:rPr>
+              <a:t>}</a:t>
+            </a:r>
+          </a:p>
+          <a:p>
+            <a:r>
+              <a:rPr lang="en-SG">
+                <a:solidFill>
+                  <a:srgbClr val="0000FF"/>
+                </a:solidFill>
+                <a:latin typeface="Consolas" panose="020B0609020204030204" pitchFamily="49" charset="0"/>
+              </a:rPr>
+              <a:t>while</a:t>
+            </a:r>
+            <a:r>
+              <a:rPr lang="en-SG">
+                <a:solidFill>
+                  <a:srgbClr val="000000"/>
+                </a:solidFill>
+                <a:latin typeface="Consolas" panose="020B0609020204030204" pitchFamily="49" charset="0"/>
+              </a:rPr>
+              <a:t> (anotherCondition) {</a:t>
+            </a:r>
+          </a:p>
+          <a:p>
+            <a:r>
+              <a:rPr lang="en-SG">
+                <a:solidFill>
+                  <a:srgbClr val="000000"/>
+                </a:solidFill>
+                <a:latin typeface="Consolas" panose="020B0609020204030204" pitchFamily="49" charset="0"/>
+              </a:rPr>
+              <a:t>    doOtherLogic(y);</a:t>
+            </a:r>
+          </a:p>
+          <a:p>
+            <a:r>
+              <a:rPr lang="en-SG">
+                <a:solidFill>
+                  <a:srgbClr val="000000"/>
+                </a:solidFill>
+                <a:latin typeface="Consolas" panose="020B0609020204030204" pitchFamily="49" charset="0"/>
+              </a:rPr>
+              <a:t>}</a:t>
+            </a:r>
+          </a:p>
+          <a:p>
+            <a:r>
+              <a:rPr lang="en-SG">
+                <a:solidFill>
+                  <a:srgbClr val="000000"/>
+                </a:solidFill>
+                <a:latin typeface="Consolas" panose="020B0609020204030204" pitchFamily="49" charset="0"/>
+              </a:rPr>
+              <a:t>...</a:t>
+            </a:r>
+          </a:p>
+          <a:p>
+            <a:endParaRPr lang="en-SG">
+              <a:solidFill>
+                <a:srgbClr val="000000"/>
+              </a:solidFill>
+              <a:latin typeface="Consolas" panose="020B0609020204030204" pitchFamily="49" charset="0"/>
+            </a:endParaRPr>
+          </a:p>
+        </p:txBody>
+      </p:sp>
+      <p:sp>
+        <p:nvSpPr>
+          <p:cNvPr id="4" name="PPTL_5_CodeBox">
+            <a:extLst>
+              <a:ext uri="{FF2B5EF4-FFF2-40B4-BE49-F238E27FC236}">
+                <a16:creationId xmlns:a16="http://schemas.microsoft.com/office/drawing/2014/main" id="{C7044DA9-403E-4BD9-984A-AE91F08E46DF}"/>
+              </a:ext>
+            </a:extLst>
+          </p:cNvPr>
+          <p:cNvSpPr txBox="1"/>
+          <p:nvPr/>
+        </p:nvSpPr>
+        <p:spPr>
+          <a:xfrm>
+            <a:off x="2159000" y="1270000"/>
+            <a:ext cx="8890000" cy="3693319"/>
+          </a:xfrm>
+          <a:prstGeom prst="rect">
+            <a:avLst/>
+          </a:prstGeom>
+          <a:noFill/>
+        </p:spPr>
+        <p:txBody>
+          <a:bodyPr vert="horz" wrap="square" rtlCol="0">
+            <a:spAutoFit/>
+          </a:bodyPr>
+          <a:lstStyle/>
+          <a:p>
+            <a:r>
+              <a:rPr lang="en-SG">
+                <a:solidFill>
+                  <a:srgbClr val="0000FF"/>
+                </a:solidFill>
+                <a:latin typeface="Consolas" panose="020B0609020204030204" pitchFamily="49" charset="0"/>
+              </a:rPr>
+              <a:t>if</a:t>
+            </a:r>
+            <a:r>
+              <a:rPr lang="en-SG">
+                <a:solidFill>
+                  <a:srgbClr val="000000"/>
+                </a:solidFill>
+                <a:latin typeface="Consolas" panose="020B0609020204030204" pitchFamily="49" charset="0"/>
+              </a:rPr>
+              <a:t> (animateDiff) {</a:t>
+            </a:r>
+          </a:p>
+          <a:p>
+            <a:r>
+              <a:rPr lang="en-SG">
+                <a:solidFill>
+                  <a:srgbClr val="000000"/>
+                </a:solidFill>
+                <a:latin typeface="Consolas" panose="020B0609020204030204" pitchFamily="49" charset="0"/>
+              </a:rPr>
+              <a:t>    myFunction(x);</a:t>
+            </a:r>
+          </a:p>
+          <a:p>
+            <a:r>
+              <a:rPr lang="en-SG">
+                <a:solidFill>
+                  <a:srgbClr val="000000"/>
+                </a:solidFill>
+                <a:latin typeface="Consolas" panose="020B0609020204030204" pitchFamily="49" charset="0"/>
+              </a:rPr>
+              <a:t>    anotherFunction(y);</a:t>
+            </a:r>
+          </a:p>
+          <a:p>
+            <a:r>
+              <a:rPr lang="en-SG">
+                <a:solidFill>
+                  <a:srgbClr val="000000"/>
+                </a:solidFill>
+                <a:latin typeface="Consolas" panose="020B0609020204030204" pitchFamily="49" charset="0"/>
+              </a:rPr>
+              <a:t>    x += 1;</a:t>
+            </a:r>
+          </a:p>
+          <a:p>
+            <a:r>
+              <a:rPr lang="en-SG">
+                <a:solidFill>
+                  <a:srgbClr val="0000FF"/>
+                </a:solidFill>
+                <a:latin typeface="Consolas" panose="020B0609020204030204" pitchFamily="49" charset="0"/>
+              </a:rPr>
+              <a:t>while</a:t>
+            </a:r>
+            <a:r>
+              <a:rPr lang="en-SG">
+                <a:solidFill>
+                  <a:srgbClr val="000000"/>
+                </a:solidFill>
+                <a:latin typeface="Consolas" panose="020B0609020204030204" pitchFamily="49" charset="0"/>
+              </a:rPr>
+              <a:t> (someCondition) {</a:t>
+            </a:r>
+          </a:p>
+          <a:p>
+            <a:r>
+              <a:rPr lang="en-SG">
+                <a:solidFill>
+                  <a:srgbClr val="000000"/>
+                </a:solidFill>
+                <a:latin typeface="Consolas" panose="020B0609020204030204" pitchFamily="49" charset="0"/>
+              </a:rPr>
+              <a:t>    someLogic++;</a:t>
+            </a:r>
+          </a:p>
+          <a:p>
+            <a:r>
+              <a:rPr lang="en-SG">
+                <a:solidFill>
+                  <a:srgbClr val="000000"/>
+                </a:solidFill>
+                <a:latin typeface="Consolas" panose="020B0609020204030204" pitchFamily="49" charset="0"/>
+              </a:rPr>
+              <a:t>}</a:t>
+            </a:r>
+          </a:p>
+          <a:p>
+            <a:r>
+              <a:rPr lang="en-SG">
+                <a:solidFill>
+                  <a:srgbClr val="000000"/>
+                </a:solidFill>
+                <a:latin typeface="Consolas" panose="020B0609020204030204" pitchFamily="49" charset="0"/>
+              </a:rPr>
+              <a:t>...</a:t>
+            </a:r>
+          </a:p>
+          <a:p>
+            <a:r>
+              <a:rPr lang="en-SG">
+                <a:solidFill>
+                  <a:srgbClr val="0000FF"/>
+                </a:solidFill>
+                <a:latin typeface="Consolas" panose="020B0609020204030204" pitchFamily="49" charset="0"/>
+              </a:rPr>
+              <a:t>for</a:t>
+            </a:r>
+            <a:r>
+              <a:rPr lang="en-SG">
+                <a:solidFill>
+                  <a:srgbClr val="000000"/>
+                </a:solidFill>
+                <a:latin typeface="Consolas" panose="020B0609020204030204" pitchFamily="49" charset="0"/>
+              </a:rPr>
+              <a:t> (</a:t>
+            </a:r>
+            <a:r>
+              <a:rPr lang="en-SG">
+                <a:solidFill>
+                  <a:srgbClr val="0000FF"/>
+                </a:solidFill>
+                <a:latin typeface="Consolas" panose="020B0609020204030204" pitchFamily="49" charset="0"/>
+              </a:rPr>
+              <a:t>int</a:t>
+            </a:r>
+            <a:r>
+              <a:rPr lang="en-SG">
+                <a:solidFill>
+                  <a:srgbClr val="000000"/>
+                </a:solidFill>
+                <a:latin typeface="Consolas" panose="020B0609020204030204" pitchFamily="49" charset="0"/>
+              </a:rPr>
+              <a:t> i = 0; i &lt; someCondition; i++) {</a:t>
+            </a:r>
+          </a:p>
+          <a:p>
+            <a:r>
+              <a:rPr lang="en-SG">
+                <a:solidFill>
+                  <a:srgbClr val="000000"/>
+                </a:solidFill>
+                <a:latin typeface="Consolas" panose="020B0609020204030204" pitchFamily="49" charset="0"/>
+              </a:rPr>
+              <a:t>    doSomeLogic(x);</a:t>
+            </a:r>
+          </a:p>
+          <a:p>
+            <a:r>
+              <a:rPr lang="en-SG">
+                <a:solidFill>
+                  <a:srgbClr val="000000"/>
+                </a:solidFill>
+                <a:latin typeface="Consolas" panose="020B0609020204030204" pitchFamily="49" charset="0"/>
+              </a:rPr>
+              <a:t>}</a:t>
+            </a:r>
+          </a:p>
+          <a:p>
+            <a:r>
+              <a:rPr lang="en-SG">
+                <a:solidFill>
+                  <a:srgbClr val="000000"/>
+                </a:solidFill>
+                <a:latin typeface="Consolas" panose="020B0609020204030204" pitchFamily="49" charset="0"/>
+              </a:rPr>
+              <a:t>...</a:t>
+            </a:r>
+          </a:p>
+          <a:p>
+            <a:endParaRPr lang="en-SG">
+              <a:solidFill>
+                <a:srgbClr val="000000"/>
+              </a:solidFill>
+              <a:latin typeface="Consolas" panose="020B0609020204030204" pitchFamily="49" charset="0"/>
+            </a:endParaRPr>
+          </a:p>
+        </p:txBody>
+      </p:sp>
+      <p:pic>
+        <p:nvPicPr>
+          <p:cNvPr id="3" name="PPTIndicator202012201706321360">
+            <a:extLst>
+              <a:ext uri="{FF2B5EF4-FFF2-40B4-BE49-F238E27FC236}">
+                <a16:creationId xmlns:a16="http://schemas.microsoft.com/office/drawing/2014/main" id="{16D006EC-BEA6-4336-8DE7-0FD09519C0DE}"/>
+              </a:ext>
+            </a:extLst>
+          </p:cNvPr>
+          <p:cNvPicPr>
+            <a:picLocks/>
+          </p:cNvPicPr>
+          <p:nvPr/>
+        </p:nvPicPr>
+        <p:blipFill>
+          <a:blip r:embed="rId2" cstate="print">
+            <a:extLst>
+              <a:ext uri="{28A0092B-C50C-407E-A947-70E740481C1C}">
+                <a14:useLocalDpi xmlns:a14="http://schemas.microsoft.com/office/drawing/2010/main" val="0"/>
+              </a:ext>
+            </a:extLst>
+          </a:blip>
+          <a:stretch>
+            <a:fillRect/>
+          </a:stretch>
+        </p:blipFill>
+        <p:spPr>
+          <a:xfrm>
+            <a:off x="10668000" y="0"/>
+            <a:ext cx="1524000" cy="1066800"/>
+          </a:xfrm>
+          <a:prstGeom prst="rect">
+            <a:avLst/>
+          </a:prstGeom>
+        </p:spPr>
+      </p:pic>
+    </p:spTree>
+    <p:extLst>
+      <p:ext uri="{BB962C8B-B14F-4D97-AF65-F5344CB8AC3E}">
+        <p14:creationId xmlns:p14="http://schemas.microsoft.com/office/powerpoint/2010/main" val="3171877777"/>
+      </p:ext>
+    </p:extLst>
+  </p:cSld>
+  <p:clrMapOvr>
+    <a:masterClrMapping/>
+  </p:clrMapOvr>
+  <p:timing>
+    <p:tnLst>
+      <p:par>
+        <p:cTn id="1" dur="indefinite" restart="never" nodeType="tmRoot">
+          <p:childTnLst>
+            <p:seq concurrent="1" nextAc="seek">
+              <p:cTn id="2" dur="indefinite" nodeType="mainSeq">
+                <p:childTnLst>
+                  <p:par>
+                    <p:cTn id="3" fill="hold">
+                      <p:stCondLst>
+                        <p:cond delay="indefinite"/>
+                        <p:cond evt="onBegin" delay="0">
+                          <p:tn val="2"/>
+                        </p:cond>
+                      </p:stCondLst>
+                      <p:childTnLst>
+                        <p:par>
+                          <p:cTn id="4" fill="hold">
+                            <p:stCondLst>
+                              <p:cond delay="0"/>
+                            </p:stCondLst>
+                            <p:childTnLst>
+                              <p:par>
+                                <p:cTn id="5" presetID="1" presetClass="entr" presetSubtype="0" fill="hold" nodeType="withEffect">
+                                  <p:stCondLst>
+                                    <p:cond delay="0"/>
+                                  </p:stCondLst>
+                                  <p:childTnLst>
+                                    <p:set>
+                                      <p:cBhvr>
+                                        <p:cTn id="6" dur="1" fill="hold">
+                                          <p:stCondLst>
+                                            <p:cond delay="0"/>
+                                          </p:stCondLst>
+                                        </p:cTn>
+                                        <p:tgtEl>
+                                          <p:spTgt spid="3"/>
+                                        </p:tgtEl>
+                                        <p:attrNameLst>
+                                          <p:attrName>style.visibility</p:attrName>
+                                        </p:attrNameLst>
+                                      </p:cBhvr>
+                                      <p:to>
+                                        <p:strVal val="visible"/>
+                                      </p:to>
+                                    </p:set>
+                                  </p:childTnLst>
+                                </p:cTn>
+                              </p:par>
+                              <p:par>
+                                <p:cTn id="7" presetID="1" presetClass="exit" presetSubtype="0" fill="hold" nodeType="withEffect">
+                                  <p:stCondLst>
+                                    <p:cond delay="0"/>
+                                  </p:stCondLst>
+                                  <p:childTnLst>
+                                    <p:set>
+                                      <p:cBhvr>
+                                        <p:cTn id="8" dur="1" fill="hold">
+                                          <p:stCondLst>
+                                            <p:cond delay="0"/>
+                                          </p:stCondLst>
+                                        </p:cTn>
+                                        <p:tgtEl>
+                                          <p:spTgt spid="3"/>
+                                        </p:tgtEl>
+                                        <p:attrNameLst>
+                                          <p:attrName>style.visibility</p:attrName>
+                                        </p:attrNameLst>
+                                      </p:cBhvr>
+                                      <p:to>
+                                        <p:strVal val="hidden"/>
+                                      </p:to>
+                                    </p:set>
+                                  </p:childTnLst>
+                                </p:cTn>
+                              </p:par>
+                              <p:par>
+                                <p:cTn id="9" presetID="10" presetClass="exit" presetSubtype="0" fill="hold" grpId="0" nodeType="withEffect">
+                                  <p:stCondLst>
+                                    <p:cond delay="0"/>
+                                  </p:stCondLst>
+                                  <p:childTnLst>
+                                    <p:animEffect transition="out" filter="fade">
+                                      <p:cBhvr>
+                                        <p:cTn id="10" dur="1"/>
+                                        <p:tgtEl>
+                                          <p:spTgt spid="5">
+                                            <p:txEl>
+                                              <p:pRg st="0" end="0"/>
+                                            </p:txEl>
+                                          </p:spTgt>
+                                        </p:tgtEl>
+                                      </p:cBhvr>
+                                    </p:animEffect>
+                                    <p:set>
+                                      <p:cBhvr>
+                                        <p:cTn id="11" dur="1" fill="hold">
+                                          <p:stCondLst>
+                                            <p:cond delay="0"/>
+                                          </p:stCondLst>
+                                        </p:cTn>
+                                        <p:tgtEl>
+                                          <p:spTgt spid="5">
+                                            <p:txEl>
+                                              <p:pRg st="0" end="0"/>
+                                            </p:txEl>
+                                          </p:spTgt>
+                                        </p:tgtEl>
+                                        <p:attrNameLst>
+                                          <p:attrName>style.visibility</p:attrName>
+                                        </p:attrNameLst>
+                                      </p:cBhvr>
+                                      <p:to>
+                                        <p:strVal val="hidden"/>
+                                      </p:to>
+                                    </p:set>
+                                  </p:childTnLst>
+                                </p:cTn>
+                              </p:par>
+                              <p:par>
+                                <p:cTn id="12" presetID="10" presetClass="exit" presetSubtype="0" fill="hold" grpId="0" nodeType="withEffect">
+                                  <p:stCondLst>
+                                    <p:cond delay="0"/>
+                                  </p:stCondLst>
+                                  <p:childTnLst>
+                                    <p:animEffect transition="out" filter="fade">
+                                      <p:cBhvr>
+                                        <p:cTn id="13" dur="1"/>
+                                        <p:tgtEl>
+                                          <p:spTgt spid="5">
+                                            <p:txEl>
+                                              <p:pRg st="1" end="1"/>
+                                            </p:txEl>
+                                          </p:spTgt>
+                                        </p:tgtEl>
+                                      </p:cBhvr>
+                                    </p:animEffect>
+                                    <p:set>
+                                      <p:cBhvr>
+                                        <p:cTn id="14" dur="1" fill="hold">
+                                          <p:stCondLst>
+                                            <p:cond delay="0"/>
+                                          </p:stCondLst>
+                                        </p:cTn>
+                                        <p:tgtEl>
+                                          <p:spTgt spid="5">
+                                            <p:txEl>
+                                              <p:pRg st="1" end="1"/>
+                                            </p:txEl>
+                                          </p:spTgt>
+                                        </p:tgtEl>
+                                        <p:attrNameLst>
+                                          <p:attrName>style.visibility</p:attrName>
+                                        </p:attrNameLst>
+                                      </p:cBhvr>
+                                      <p:to>
+                                        <p:strVal val="hidden"/>
+                                      </p:to>
+                                    </p:set>
+                                  </p:childTnLst>
+                                </p:cTn>
+                              </p:par>
+                              <p:par>
+                                <p:cTn id="15" presetID="10" presetClass="exit" presetSubtype="0" fill="hold" grpId="0" nodeType="withEffect">
+                                  <p:stCondLst>
+                                    <p:cond delay="0"/>
+                                  </p:stCondLst>
+                                  <p:childTnLst>
+                                    <p:animEffect transition="out" filter="fade">
+                                      <p:cBhvr>
+                                        <p:cTn id="16" dur="1"/>
+                                        <p:tgtEl>
+                                          <p:spTgt spid="5">
+                                            <p:txEl>
+                                              <p:pRg st="2" end="2"/>
+                                            </p:txEl>
+                                          </p:spTgt>
+                                        </p:tgtEl>
+                                      </p:cBhvr>
+                                    </p:animEffect>
+                                    <p:set>
+                                      <p:cBhvr>
+                                        <p:cTn id="17" dur="1" fill="hold">
+                                          <p:stCondLst>
+                                            <p:cond delay="0"/>
+                                          </p:stCondLst>
+                                        </p:cTn>
+                                        <p:tgtEl>
+                                          <p:spTgt spid="5">
+                                            <p:txEl>
+                                              <p:pRg st="2" end="2"/>
+                                            </p:txEl>
+                                          </p:spTgt>
+                                        </p:tgtEl>
+                                        <p:attrNameLst>
+                                          <p:attrName>style.visibility</p:attrName>
+                                        </p:attrNameLst>
+                                      </p:cBhvr>
+                                      <p:to>
+                                        <p:strVal val="hidden"/>
+                                      </p:to>
+                                    </p:set>
+                                  </p:childTnLst>
+                                </p:cTn>
+                              </p:par>
+                              <p:par>
+                                <p:cTn id="18" presetID="10" presetClass="exit" presetSubtype="0" fill="hold" grpId="0" nodeType="withEffect">
+                                  <p:stCondLst>
+                                    <p:cond delay="0"/>
+                                  </p:stCondLst>
+                                  <p:childTnLst>
+                                    <p:animEffect transition="out" filter="fade">
+                                      <p:cBhvr>
+                                        <p:cTn id="19" dur="1"/>
+                                        <p:tgtEl>
+                                          <p:spTgt spid="5">
+                                            <p:txEl>
+                                              <p:pRg st="3" end="3"/>
+                                            </p:txEl>
+                                          </p:spTgt>
+                                        </p:tgtEl>
+                                      </p:cBhvr>
+                                    </p:animEffect>
+                                    <p:set>
+                                      <p:cBhvr>
+                                        <p:cTn id="20" dur="1" fill="hold">
+                                          <p:stCondLst>
+                                            <p:cond delay="0"/>
+                                          </p:stCondLst>
+                                        </p:cTn>
+                                        <p:tgtEl>
+                                          <p:spTgt spid="5">
+                                            <p:txEl>
+                                              <p:pRg st="3" end="3"/>
+                                            </p:txEl>
+                                          </p:spTgt>
+                                        </p:tgtEl>
+                                        <p:attrNameLst>
+                                          <p:attrName>style.visibility</p:attrName>
+                                        </p:attrNameLst>
+                                      </p:cBhvr>
+                                      <p:to>
+                                        <p:strVal val="hidden"/>
+                                      </p:to>
+                                    </p:set>
+                                  </p:childTnLst>
+                                </p:cTn>
+                              </p:par>
+                              <p:par>
+                                <p:cTn id="21" presetID="10" presetClass="exit" presetSubtype="0" fill="hold" grpId="0" nodeType="withEffect">
+                                  <p:stCondLst>
+                                    <p:cond delay="0"/>
+                                  </p:stCondLst>
+                                  <p:childTnLst>
+                                    <p:animEffect transition="out" filter="fade">
+                                      <p:cBhvr>
+                                        <p:cTn id="22" dur="1"/>
+                                        <p:tgtEl>
+                                          <p:spTgt spid="5">
+                                            <p:txEl>
+                                              <p:pRg st="4" end="4"/>
+                                            </p:txEl>
+                                          </p:spTgt>
+                                        </p:tgtEl>
+                                      </p:cBhvr>
+                                    </p:animEffect>
+                                    <p:set>
+                                      <p:cBhvr>
+                                        <p:cTn id="23" dur="1" fill="hold">
+                                          <p:stCondLst>
+                                            <p:cond delay="0"/>
+                                          </p:stCondLst>
+                                        </p:cTn>
+                                        <p:tgtEl>
+                                          <p:spTgt spid="5">
+                                            <p:txEl>
+                                              <p:pRg st="4" end="4"/>
+                                            </p:txEl>
+                                          </p:spTgt>
+                                        </p:tgtEl>
+                                        <p:attrNameLst>
+                                          <p:attrName>style.visibility</p:attrName>
+                                        </p:attrNameLst>
+                                      </p:cBhvr>
+                                      <p:to>
+                                        <p:strVal val="hidden"/>
+                                      </p:to>
+                                    </p:set>
+                                  </p:childTnLst>
+                                </p:cTn>
+                              </p:par>
+                              <p:par>
+                                <p:cTn id="24" presetID="10" presetClass="exit" presetSubtype="0" fill="hold" grpId="0" nodeType="withEffect">
+                                  <p:stCondLst>
+                                    <p:cond delay="0"/>
+                                  </p:stCondLst>
+                                  <p:childTnLst>
+                                    <p:animEffect transition="out" filter="fade">
+                                      <p:cBhvr>
+                                        <p:cTn id="25" dur="1"/>
+                                        <p:tgtEl>
+                                          <p:spTgt spid="5">
+                                            <p:txEl>
+                                              <p:pRg st="5" end="5"/>
+                                            </p:txEl>
+                                          </p:spTgt>
+                                        </p:tgtEl>
+                                      </p:cBhvr>
+                                    </p:animEffect>
+                                    <p:set>
+                                      <p:cBhvr>
+                                        <p:cTn id="26" dur="1" fill="hold">
+                                          <p:stCondLst>
+                                            <p:cond delay="0"/>
+                                          </p:stCondLst>
+                                        </p:cTn>
+                                        <p:tgtEl>
+                                          <p:spTgt spid="5">
+                                            <p:txEl>
+                                              <p:pRg st="5" end="5"/>
+                                            </p:txEl>
+                                          </p:spTgt>
+                                        </p:tgtEl>
+                                        <p:attrNameLst>
+                                          <p:attrName>style.visibility</p:attrName>
+                                        </p:attrNameLst>
+                                      </p:cBhvr>
+                                      <p:to>
+                                        <p:strVal val="hidden"/>
+                                      </p:to>
+                                    </p:set>
+                                  </p:childTnLst>
+                                </p:cTn>
+                              </p:par>
+                              <p:par>
+                                <p:cTn id="27" presetID="10" presetClass="exit" presetSubtype="0" fill="hold" grpId="0" nodeType="withEffect">
+                                  <p:stCondLst>
+                                    <p:cond delay="0"/>
+                                  </p:stCondLst>
+                                  <p:childTnLst>
+                                    <p:animEffect transition="out" filter="fade">
+                                      <p:cBhvr>
+                                        <p:cTn id="28" dur="1"/>
+                                        <p:tgtEl>
+                                          <p:spTgt spid="5">
+                                            <p:txEl>
+                                              <p:pRg st="6" end="6"/>
+                                            </p:txEl>
+                                          </p:spTgt>
+                                        </p:tgtEl>
+                                      </p:cBhvr>
+                                    </p:animEffect>
+                                    <p:set>
+                                      <p:cBhvr>
+                                        <p:cTn id="29" dur="1" fill="hold">
+                                          <p:stCondLst>
+                                            <p:cond delay="0"/>
+                                          </p:stCondLst>
+                                        </p:cTn>
+                                        <p:tgtEl>
+                                          <p:spTgt spid="5">
+                                            <p:txEl>
+                                              <p:pRg st="6" end="6"/>
+                                            </p:txEl>
+                                          </p:spTgt>
+                                        </p:tgtEl>
+                                        <p:attrNameLst>
+                                          <p:attrName>style.visibility</p:attrName>
+                                        </p:attrNameLst>
+                                      </p:cBhvr>
+                                      <p:to>
+                                        <p:strVal val="hidden"/>
+                                      </p:to>
+                                    </p:set>
+                                  </p:childTnLst>
+                                </p:cTn>
+                              </p:par>
+                              <p:par>
+                                <p:cTn id="30" presetID="10" presetClass="exit" presetSubtype="0" fill="hold" grpId="0" nodeType="withEffect">
+                                  <p:stCondLst>
+                                    <p:cond delay="0"/>
+                                  </p:stCondLst>
+                                  <p:childTnLst>
+                                    <p:animEffect transition="out" filter="fade">
+                                      <p:cBhvr>
+                                        <p:cTn id="31" dur="1"/>
+                                        <p:tgtEl>
+                                          <p:spTgt spid="5">
+                                            <p:txEl>
+                                              <p:pRg st="7" end="7"/>
+                                            </p:txEl>
+                                          </p:spTgt>
+                                        </p:tgtEl>
+                                      </p:cBhvr>
+                                    </p:animEffect>
+                                    <p:set>
+                                      <p:cBhvr>
+                                        <p:cTn id="32" dur="1" fill="hold">
+                                          <p:stCondLst>
+                                            <p:cond delay="0"/>
+                                          </p:stCondLst>
+                                        </p:cTn>
+                                        <p:tgtEl>
+                                          <p:spTgt spid="5">
+                                            <p:txEl>
+                                              <p:pRg st="7" end="7"/>
+                                            </p:txEl>
+                                          </p:spTgt>
+                                        </p:tgtEl>
+                                        <p:attrNameLst>
+                                          <p:attrName>style.visibility</p:attrName>
+                                        </p:attrNameLst>
+                                      </p:cBhvr>
+                                      <p:to>
+                                        <p:strVal val="hidden"/>
+                                      </p:to>
+                                    </p:set>
+                                  </p:childTnLst>
+                                </p:cTn>
+                              </p:par>
+                              <p:par>
+                                <p:cTn id="33" presetID="10" presetClass="exit" presetSubtype="0" fill="hold" grpId="0" nodeType="withEffect">
+                                  <p:stCondLst>
+                                    <p:cond delay="0"/>
+                                  </p:stCondLst>
+                                  <p:childTnLst>
+                                    <p:animEffect transition="out" filter="fade">
+                                      <p:cBhvr>
+                                        <p:cTn id="34" dur="1"/>
+                                        <p:tgtEl>
+                                          <p:spTgt spid="5">
+                                            <p:txEl>
+                                              <p:pRg st="8" end="8"/>
+                                            </p:txEl>
+                                          </p:spTgt>
+                                        </p:tgtEl>
+                                      </p:cBhvr>
+                                    </p:animEffect>
+                                    <p:set>
+                                      <p:cBhvr>
+                                        <p:cTn id="35" dur="1" fill="hold">
+                                          <p:stCondLst>
+                                            <p:cond delay="0"/>
+                                          </p:stCondLst>
+                                        </p:cTn>
+                                        <p:tgtEl>
+                                          <p:spTgt spid="5">
+                                            <p:txEl>
+                                              <p:pRg st="8" end="8"/>
+                                            </p:txEl>
+                                          </p:spTgt>
+                                        </p:tgtEl>
+                                        <p:attrNameLst>
+                                          <p:attrName>style.visibility</p:attrName>
+                                        </p:attrNameLst>
+                                      </p:cBhvr>
+                                      <p:to>
+                                        <p:strVal val="hidden"/>
+                                      </p:to>
+                                    </p:set>
+                                  </p:childTnLst>
+                                </p:cTn>
+                              </p:par>
+                              <p:par>
+                                <p:cTn id="36" presetID="10" presetClass="exit" presetSubtype="0" fill="hold" grpId="0" nodeType="withEffect">
+                                  <p:stCondLst>
+                                    <p:cond delay="0"/>
+                                  </p:stCondLst>
+                                  <p:childTnLst>
+                                    <p:animEffect transition="out" filter="fade">
+                                      <p:cBhvr>
+                                        <p:cTn id="37" dur="1"/>
+                                        <p:tgtEl>
+                                          <p:spTgt spid="5">
+                                            <p:txEl>
+                                              <p:pRg st="9" end="9"/>
+                                            </p:txEl>
+                                          </p:spTgt>
+                                        </p:tgtEl>
+                                      </p:cBhvr>
+                                    </p:animEffect>
+                                    <p:set>
+                                      <p:cBhvr>
+                                        <p:cTn id="38" dur="1" fill="hold">
+                                          <p:stCondLst>
+                                            <p:cond delay="0"/>
+                                          </p:stCondLst>
+                                        </p:cTn>
+                                        <p:tgtEl>
+                                          <p:spTgt spid="5">
+                                            <p:txEl>
+                                              <p:pRg st="9" end="9"/>
+                                            </p:txEl>
+                                          </p:spTgt>
+                                        </p:tgtEl>
+                                        <p:attrNameLst>
+                                          <p:attrName>style.visibility</p:attrName>
+                                        </p:attrNameLst>
+                                      </p:cBhvr>
+                                      <p:to>
+                                        <p:strVal val="hidden"/>
+                                      </p:to>
+                                    </p:set>
+                                  </p:childTnLst>
+                                </p:cTn>
+                              </p:par>
+                              <p:par>
+                                <p:cTn id="39" presetID="10" presetClass="exit" presetSubtype="0" fill="hold" grpId="0" nodeType="withEffect">
+                                  <p:stCondLst>
+                                    <p:cond delay="0"/>
+                                  </p:stCondLst>
+                                  <p:childTnLst>
+                                    <p:animEffect transition="out" filter="fade">
+                                      <p:cBhvr>
+                                        <p:cTn id="40" dur="1"/>
+                                        <p:tgtEl>
+                                          <p:spTgt spid="5">
+                                            <p:txEl>
+                                              <p:pRg st="10" end="10"/>
+                                            </p:txEl>
+                                          </p:spTgt>
+                                        </p:tgtEl>
+                                      </p:cBhvr>
+                                    </p:animEffect>
+                                    <p:set>
+                                      <p:cBhvr>
+                                        <p:cTn id="41" dur="1" fill="hold">
+                                          <p:stCondLst>
+                                            <p:cond delay="0"/>
+                                          </p:stCondLst>
+                                        </p:cTn>
+                                        <p:tgtEl>
+                                          <p:spTgt spid="5">
+                                            <p:txEl>
+                                              <p:pRg st="10" end="10"/>
+                                            </p:txEl>
+                                          </p:spTgt>
+                                        </p:tgtEl>
+                                        <p:attrNameLst>
+                                          <p:attrName>style.visibility</p:attrName>
+                                        </p:attrNameLst>
+                                      </p:cBhvr>
+                                      <p:to>
+                                        <p:strVal val="hidden"/>
+                                      </p:to>
+                                    </p:set>
+                                  </p:childTnLst>
+                                </p:cTn>
+                              </p:par>
+                              <p:par>
+                                <p:cTn id="42" presetID="10" presetClass="exit" presetSubtype="0" fill="hold" grpId="0" nodeType="withEffect">
+                                  <p:stCondLst>
+                                    <p:cond delay="0"/>
+                                  </p:stCondLst>
+                                  <p:childTnLst>
+                                    <p:animEffect transition="out" filter="fade">
+                                      <p:cBhvr>
+                                        <p:cTn id="43" dur="1"/>
+                                        <p:tgtEl>
+                                          <p:spTgt spid="5">
+                                            <p:txEl>
+                                              <p:pRg st="11" end="11"/>
+                                            </p:txEl>
+                                          </p:spTgt>
+                                        </p:tgtEl>
+                                      </p:cBhvr>
+                                    </p:animEffect>
+                                    <p:set>
+                                      <p:cBhvr>
+                                        <p:cTn id="44" dur="1" fill="hold">
+                                          <p:stCondLst>
+                                            <p:cond delay="0"/>
+                                          </p:stCondLst>
+                                        </p:cTn>
+                                        <p:tgtEl>
+                                          <p:spTgt spid="5">
+                                            <p:txEl>
+                                              <p:pRg st="11" end="11"/>
+                                            </p:txEl>
+                                          </p:spTgt>
+                                        </p:tgtEl>
+                                        <p:attrNameLst>
+                                          <p:attrName>style.visibility</p:attrName>
+                                        </p:attrNameLst>
+                                      </p:cBhvr>
+                                      <p:to>
+                                        <p:strVal val="hidden"/>
+                                      </p:to>
+                                    </p:set>
+                                  </p:childTnLst>
+                                </p:cTn>
+                              </p:par>
+                              <p:par>
+                                <p:cTn id="45" presetID="10" presetClass="exit" presetSubtype="0" fill="hold" grpId="0" nodeType="withEffect">
+                                  <p:stCondLst>
+                                    <p:cond delay="0"/>
+                                  </p:stCondLst>
+                                  <p:childTnLst>
+                                    <p:animEffect transition="out" filter="fade">
+                                      <p:cBhvr>
+                                        <p:cTn id="46" dur="1"/>
+                                        <p:tgtEl>
+                                          <p:spTgt spid="5">
+                                            <p:txEl>
+                                              <p:pRg st="12" end="12"/>
+                                            </p:txEl>
+                                          </p:spTgt>
+                                        </p:tgtEl>
+                                      </p:cBhvr>
+                                    </p:animEffect>
+                                    <p:set>
+                                      <p:cBhvr>
+                                        <p:cTn id="47" dur="1" fill="hold">
+                                          <p:stCondLst>
+                                            <p:cond delay="0"/>
+                                          </p:stCondLst>
+                                        </p:cTn>
+                                        <p:tgtEl>
+                                          <p:spTgt spid="5">
+                                            <p:txEl>
+                                              <p:pRg st="12" end="12"/>
+                                            </p:txEl>
+                                          </p:spTgt>
+                                        </p:tgtEl>
+                                        <p:attrNameLst>
+                                          <p:attrName>style.visibility</p:attrName>
+                                        </p:attrNameLst>
+                                      </p:cBhvr>
+                                      <p:to>
+                                        <p:strVal val="hidden"/>
+                                      </p:to>
+                                    </p:set>
+                                  </p:childTnLst>
+                                </p:cTn>
+                              </p:par>
+                              <p:par>
+                                <p:cTn id="48" presetID="10" presetClass="exit" presetSubtype="0" fill="hold" grpId="0" nodeType="withEffect">
+                                  <p:stCondLst>
+                                    <p:cond delay="0"/>
+                                  </p:stCondLst>
+                                  <p:childTnLst>
+                                    <p:animEffect transition="out" filter="fade">
+                                      <p:cBhvr>
+                                        <p:cTn id="49" dur="1"/>
+                                        <p:tgtEl>
+                                          <p:spTgt spid="5">
+                                            <p:txEl>
+                                              <p:pRg st="13" end="13"/>
+                                            </p:txEl>
+                                          </p:spTgt>
+                                        </p:tgtEl>
+                                      </p:cBhvr>
+                                    </p:animEffect>
+                                    <p:set>
+                                      <p:cBhvr>
+                                        <p:cTn id="50" dur="1" fill="hold">
+                                          <p:stCondLst>
+                                            <p:cond delay="0"/>
+                                          </p:stCondLst>
+                                        </p:cTn>
+                                        <p:tgtEl>
+                                          <p:spTgt spid="5">
+                                            <p:txEl>
+                                              <p:pRg st="13" end="13"/>
+                                            </p:txEl>
+                                          </p:spTgt>
+                                        </p:tgtEl>
+                                        <p:attrNameLst>
+                                          <p:attrName>style.visibility</p:attrName>
+                                        </p:attrNameLst>
+                                      </p:cBhvr>
+                                      <p:to>
+                                        <p:strVal val="hidden"/>
+                                      </p:to>
+                                    </p:set>
+                                  </p:childTnLst>
+                                </p:cTn>
+                              </p:par>
+                              <p:par>
+                                <p:cTn id="51" presetID="10" presetClass="exit" presetSubtype="0" fill="hold" grpId="0" nodeType="withEffect">
+                                  <p:stCondLst>
+                                    <p:cond delay="0"/>
+                                  </p:stCondLst>
+                                  <p:childTnLst>
+                                    <p:animEffect transition="out" filter="fade">
+                                      <p:cBhvr>
+                                        <p:cTn id="52" dur="1"/>
+                                        <p:tgtEl>
+                                          <p:spTgt spid="5">
+                                            <p:txEl>
+                                              <p:pRg st="14" end="14"/>
+                                            </p:txEl>
+                                          </p:spTgt>
+                                        </p:tgtEl>
+                                      </p:cBhvr>
+                                    </p:animEffect>
+                                    <p:set>
+                                      <p:cBhvr>
+                                        <p:cTn id="53" dur="1" fill="hold">
+                                          <p:stCondLst>
+                                            <p:cond delay="0"/>
+                                          </p:stCondLst>
+                                        </p:cTn>
+                                        <p:tgtEl>
+                                          <p:spTgt spid="5">
+                                            <p:txEl>
+                                              <p:pRg st="14" end="14"/>
+                                            </p:txEl>
+                                          </p:spTgt>
+                                        </p:tgtEl>
+                                        <p:attrNameLst>
+                                          <p:attrName>style.visibility</p:attrName>
+                                        </p:attrNameLst>
+                                      </p:cBhvr>
+                                      <p:to>
+                                        <p:strVal val="hidden"/>
+                                      </p:to>
+                                    </p:set>
+                                  </p:childTnLst>
+                                </p:cTn>
+                              </p:par>
+                              <p:par>
+                                <p:cTn id="54" presetID="10" presetClass="exit" presetSubtype="0" fill="hold" grpId="0" nodeType="withEffect">
+                                  <p:stCondLst>
+                                    <p:cond delay="0"/>
+                                  </p:stCondLst>
+                                  <p:childTnLst>
+                                    <p:animEffect transition="out" filter="fade">
+                                      <p:cBhvr>
+                                        <p:cTn id="55" dur="1"/>
+                                        <p:tgtEl>
+                                          <p:spTgt spid="5">
+                                            <p:txEl>
+                                              <p:pRg st="15" end="15"/>
+                                            </p:txEl>
+                                          </p:spTgt>
+                                        </p:tgtEl>
+                                      </p:cBhvr>
+                                    </p:animEffect>
+                                    <p:set>
+                                      <p:cBhvr>
+                                        <p:cTn id="56" dur="1" fill="hold">
+                                          <p:stCondLst>
+                                            <p:cond delay="0"/>
+                                          </p:stCondLst>
+                                        </p:cTn>
+                                        <p:tgtEl>
+                                          <p:spTgt spid="5">
+                                            <p:txEl>
+                                              <p:pRg st="15" end="15"/>
+                                            </p:txEl>
+                                          </p:spTgt>
+                                        </p:tgtEl>
+                                        <p:attrNameLst>
+                                          <p:attrName>style.visibility</p:attrName>
+                                        </p:attrNameLst>
+                                      </p:cBhvr>
+                                      <p:to>
+                                        <p:strVal val="hidden"/>
+                                      </p:to>
+                                    </p:set>
+                                  </p:childTnLst>
+                                </p:cTn>
+                              </p:par>
+                            </p:childTnLst>
+                          </p:cTn>
+                        </p:par>
+                      </p:childTnLst>
+                    </p:cTn>
+                  </p:par>
+                  <p:par>
+                    <p:cTn id="57" fill="hold">
+                      <p:stCondLst>
+                        <p:cond delay="indefinite"/>
+                      </p:stCondLst>
+                      <p:childTnLst>
+                        <p:par>
+                          <p:cTn id="58" fill="hold">
+                            <p:stCondLst>
+                              <p:cond delay="0"/>
+                            </p:stCondLst>
+                            <p:childTnLst>
+                              <p:par>
+                                <p:cTn id="59" presetID="3" presetClass="emph" presetSubtype="2" fill="hold" grpId="0" nodeType="clickEffect">
+                                  <p:stCondLst>
+                                    <p:cond delay="0"/>
+                                  </p:stCondLst>
+                                  <p:childTnLst>
+                                    <p:animClr clrSpc="rgb" dir="cw">
+                                      <p:cBhvr override="childStyle">
+                                        <p:cTn id="60" dur="500" fill="hold"/>
+                                        <p:tgtEl>
+                                          <p:spTgt spid="4">
+                                            <p:txEl>
+                                              <p:pRg st="0" end="0"/>
+                                            </p:txEl>
+                                          </p:spTgt>
+                                        </p:tgtEl>
+                                        <p:attrNameLst>
+                                          <p:attrName>style.color</p:attrName>
+                                        </p:attrNameLst>
+                                      </p:cBhvr>
+                                      <p:to>
+                                        <a:srgbClr val="F2290A"/>
+                                      </p:to>
+                                    </p:animClr>
+                                  </p:childTnLst>
+                                </p:cTn>
+                              </p:par>
+                              <p:par>
+                                <p:cTn id="61" presetID="3" presetClass="emph" presetSubtype="2" fill="hold" grpId="2" nodeType="withEffect">
+                                  <p:stCondLst>
+                                    <p:cond delay="0"/>
+                                  </p:stCondLst>
+                                  <p:childTnLst>
+                                    <p:animClr clrSpc="rgb" dir="cw">
+                                      <p:cBhvr override="childStyle">
+                                        <p:cTn id="62" dur="500" fill="hold"/>
+                                        <p:tgtEl>
+                                          <p:spTgt spid="4">
+                                            <p:txEl>
+                                              <p:pRg st="1" end="1"/>
+                                            </p:txEl>
+                                          </p:spTgt>
+                                        </p:tgtEl>
+                                        <p:attrNameLst>
+                                          <p:attrName>style.color</p:attrName>
+                                        </p:attrNameLst>
+                                      </p:cBhvr>
+                                      <p:to>
+                                        <a:srgbClr val="F2290A"/>
+                                      </p:to>
+                                    </p:animClr>
+                                  </p:childTnLst>
+                                </p:cTn>
+                              </p:par>
+                              <p:par>
+                                <p:cTn id="63" presetID="3" presetClass="emph" presetSubtype="2" fill="hold" grpId="4" nodeType="withEffect">
+                                  <p:stCondLst>
+                                    <p:cond delay="0"/>
+                                  </p:stCondLst>
+                                  <p:childTnLst>
+                                    <p:animClr clrSpc="rgb" dir="cw">
+                                      <p:cBhvr override="childStyle">
+                                        <p:cTn id="64" dur="500" fill="hold"/>
+                                        <p:tgtEl>
+                                          <p:spTgt spid="4">
+                                            <p:txEl>
+                                              <p:pRg st="3" end="3"/>
+                                            </p:txEl>
+                                          </p:spTgt>
+                                        </p:tgtEl>
+                                        <p:attrNameLst>
+                                          <p:attrName>style.color</p:attrName>
+                                        </p:attrNameLst>
+                                      </p:cBhvr>
+                                      <p:to>
+                                        <a:srgbClr val="F2290A"/>
+                                      </p:to>
+                                    </p:animClr>
+                                  </p:childTnLst>
+                                </p:cTn>
+                              </p:par>
+                            </p:childTnLst>
+                          </p:cTn>
+                        </p:par>
+                        <p:par>
+                          <p:cTn id="65" fill="hold">
+                            <p:stCondLst>
+                              <p:cond delay="500"/>
+                            </p:stCondLst>
+                            <p:childTnLst>
+                              <p:par>
+                                <p:cTn id="66" presetID="22" presetClass="exit" presetSubtype="2" fill="hold" grpId="1" nodeType="afterEffect">
+                                  <p:stCondLst>
+                                    <p:cond delay="0"/>
+                                  </p:stCondLst>
+                                  <p:childTnLst>
+                                    <p:animEffect transition="out" filter="wipe(right)">
+                                      <p:cBhvr>
+                                        <p:cTn id="67" dur="700"/>
+                                        <p:tgtEl>
+                                          <p:spTgt spid="4">
+                                            <p:txEl>
+                                              <p:pRg st="0" end="0"/>
+                                            </p:txEl>
+                                          </p:spTgt>
+                                        </p:tgtEl>
+                                      </p:cBhvr>
+                                    </p:animEffect>
+                                    <p:set>
+                                      <p:cBhvr>
+                                        <p:cTn id="68" dur="1" fill="hold">
+                                          <p:stCondLst>
+                                            <p:cond delay="699"/>
+                                          </p:stCondLst>
+                                        </p:cTn>
+                                        <p:tgtEl>
+                                          <p:spTgt spid="4">
+                                            <p:txEl>
+                                              <p:pRg st="0" end="0"/>
+                                            </p:txEl>
+                                          </p:spTgt>
+                                        </p:tgtEl>
+                                        <p:attrNameLst>
+                                          <p:attrName>style.visibility</p:attrName>
+                                        </p:attrNameLst>
+                                      </p:cBhvr>
+                                      <p:to>
+                                        <p:strVal val="hidden"/>
+                                      </p:to>
+                                    </p:set>
+                                  </p:childTnLst>
+                                </p:cTn>
+                              </p:par>
+                              <p:par>
+                                <p:cTn id="69" presetID="22" presetClass="exit" presetSubtype="2" fill="hold" grpId="3" nodeType="withEffect">
+                                  <p:stCondLst>
+                                    <p:cond delay="0"/>
+                                  </p:stCondLst>
+                                  <p:childTnLst>
+                                    <p:animEffect transition="out" filter="wipe(right)">
+                                      <p:cBhvr>
+                                        <p:cTn id="70" dur="700"/>
+                                        <p:tgtEl>
+                                          <p:spTgt spid="4">
+                                            <p:txEl>
+                                              <p:pRg st="1" end="1"/>
+                                            </p:txEl>
+                                          </p:spTgt>
+                                        </p:tgtEl>
+                                      </p:cBhvr>
+                                    </p:animEffect>
+                                    <p:set>
+                                      <p:cBhvr>
+                                        <p:cTn id="71" dur="1" fill="hold">
+                                          <p:stCondLst>
+                                            <p:cond delay="699"/>
+                                          </p:stCondLst>
+                                        </p:cTn>
+                                        <p:tgtEl>
+                                          <p:spTgt spid="4">
+                                            <p:txEl>
+                                              <p:pRg st="1" end="1"/>
+                                            </p:txEl>
+                                          </p:spTgt>
+                                        </p:tgtEl>
+                                        <p:attrNameLst>
+                                          <p:attrName>style.visibility</p:attrName>
+                                        </p:attrNameLst>
+                                      </p:cBhvr>
+                                      <p:to>
+                                        <p:strVal val="hidden"/>
+                                      </p:to>
+                                    </p:set>
+                                  </p:childTnLst>
+                                </p:cTn>
+                              </p:par>
+                              <p:par>
+                                <p:cTn id="72" presetID="22" presetClass="exit" presetSubtype="2" fill="hold" grpId="5" nodeType="withEffect">
+                                  <p:stCondLst>
+                                    <p:cond delay="0"/>
+                                  </p:stCondLst>
+                                  <p:childTnLst>
+                                    <p:animEffect transition="out" filter="wipe(right)">
+                                      <p:cBhvr>
+                                        <p:cTn id="73" dur="700"/>
+                                        <p:tgtEl>
+                                          <p:spTgt spid="4">
+                                            <p:txEl>
+                                              <p:pRg st="3" end="3"/>
+                                            </p:txEl>
+                                          </p:spTgt>
+                                        </p:tgtEl>
+                                      </p:cBhvr>
+                                    </p:animEffect>
+                                    <p:set>
+                                      <p:cBhvr>
+                                        <p:cTn id="74" dur="1" fill="hold">
+                                          <p:stCondLst>
+                                            <p:cond delay="699"/>
+                                          </p:stCondLst>
+                                        </p:cTn>
+                                        <p:tgtEl>
+                                          <p:spTgt spid="4">
+                                            <p:txEl>
+                                              <p:pRg st="3" end="3"/>
+                                            </p:txEl>
+                                          </p:spTgt>
+                                        </p:tgtEl>
+                                        <p:attrNameLst>
+                                          <p:attrName>style.visibility</p:attrName>
+                                        </p:attrNameLst>
+                                      </p:cBhvr>
+                                      <p:to>
+                                        <p:strVal val="hidden"/>
+                                      </p:to>
+                                    </p:set>
+                                  </p:childTnLst>
+                                </p:cTn>
+                              </p:par>
+                            </p:childTnLst>
+                          </p:cTn>
+                        </p:par>
+                        <p:par>
+                          <p:cTn id="75" fill="hold">
+                            <p:stCondLst>
+                              <p:cond delay="1200"/>
+                            </p:stCondLst>
+                            <p:childTnLst>
+                              <p:par>
+                                <p:cTn id="76" presetID="22" presetClass="entr" presetSubtype="8" fill="hold" grpId="1" nodeType="afterEffect">
+                                  <p:stCondLst>
+                                    <p:cond delay="0"/>
+                                  </p:stCondLst>
+                                  <p:childTnLst>
+                                    <p:set>
+                                      <p:cBhvr>
+                                        <p:cTn id="77" dur="1" fill="hold">
+                                          <p:stCondLst>
+                                            <p:cond delay="0"/>
+                                          </p:stCondLst>
+                                        </p:cTn>
+                                        <p:tgtEl>
+                                          <p:spTgt spid="5">
+                                            <p:txEl>
+                                              <p:pRg st="0" end="0"/>
+                                            </p:txEl>
+                                          </p:spTgt>
+                                        </p:tgtEl>
+                                        <p:attrNameLst>
+                                          <p:attrName>style.visibility</p:attrName>
+                                        </p:attrNameLst>
+                                      </p:cBhvr>
+                                      <p:to>
+                                        <p:strVal val="visible"/>
+                                      </p:to>
+                                    </p:set>
+                                    <p:animEffect transition="in" filter="wipe(left)">
+                                      <p:cBhvr>
+                                        <p:cTn id="78" dur="700"/>
+                                        <p:tgtEl>
+                                          <p:spTgt spid="5">
+                                            <p:txEl>
+                                              <p:pRg st="0" end="0"/>
+                                            </p:txEl>
+                                          </p:spTgt>
+                                        </p:tgtEl>
+                                      </p:cBhvr>
+                                    </p:animEffect>
+                                  </p:childTnLst>
+                                </p:cTn>
+                              </p:par>
+                              <p:par>
+                                <p:cTn id="79" presetID="22" presetClass="entr" presetSubtype="8" fill="hold" grpId="3" nodeType="withEffect">
+                                  <p:stCondLst>
+                                    <p:cond delay="0"/>
+                                  </p:stCondLst>
+                                  <p:childTnLst>
+                                    <p:set>
+                                      <p:cBhvr>
+                                        <p:cTn id="80" dur="1" fill="hold">
+                                          <p:stCondLst>
+                                            <p:cond delay="0"/>
+                                          </p:stCondLst>
+                                        </p:cTn>
+                                        <p:tgtEl>
+                                          <p:spTgt spid="5">
+                                            <p:txEl>
+                                              <p:pRg st="1" end="1"/>
+                                            </p:txEl>
+                                          </p:spTgt>
+                                        </p:tgtEl>
+                                        <p:attrNameLst>
+                                          <p:attrName>style.visibility</p:attrName>
+                                        </p:attrNameLst>
+                                      </p:cBhvr>
+                                      <p:to>
+                                        <p:strVal val="visible"/>
+                                      </p:to>
+                                    </p:set>
+                                    <p:animEffect transition="in" filter="wipe(left)">
+                                      <p:cBhvr>
+                                        <p:cTn id="81" dur="700"/>
+                                        <p:tgtEl>
+                                          <p:spTgt spid="5">
+                                            <p:txEl>
+                                              <p:pRg st="1" end="1"/>
+                                            </p:txEl>
+                                          </p:spTgt>
+                                        </p:tgtEl>
+                                      </p:cBhvr>
+                                    </p:animEffect>
+                                  </p:childTnLst>
+                                </p:cTn>
+                              </p:par>
+                              <p:par>
+                                <p:cTn id="82" presetID="22" presetClass="entr" presetSubtype="8" fill="hold" grpId="5" nodeType="withEffect">
+                                  <p:stCondLst>
+                                    <p:cond delay="0"/>
+                                  </p:stCondLst>
+                                  <p:childTnLst>
+                                    <p:set>
+                                      <p:cBhvr>
+                                        <p:cTn id="83" dur="1" fill="hold">
+                                          <p:stCondLst>
+                                            <p:cond delay="0"/>
+                                          </p:stCondLst>
+                                        </p:cTn>
+                                        <p:tgtEl>
+                                          <p:spTgt spid="5">
+                                            <p:txEl>
+                                              <p:pRg st="3" end="3"/>
+                                            </p:txEl>
+                                          </p:spTgt>
+                                        </p:tgtEl>
+                                        <p:attrNameLst>
+                                          <p:attrName>style.visibility</p:attrName>
+                                        </p:attrNameLst>
+                                      </p:cBhvr>
+                                      <p:to>
+                                        <p:strVal val="visible"/>
+                                      </p:to>
+                                    </p:set>
+                                    <p:animEffect transition="in" filter="wipe(left)">
+                                      <p:cBhvr>
+                                        <p:cTn id="84" dur="700"/>
+                                        <p:tgtEl>
+                                          <p:spTgt spid="5">
+                                            <p:txEl>
+                                              <p:pRg st="3" end="3"/>
+                                            </p:txEl>
+                                          </p:spTgt>
+                                        </p:tgtEl>
+                                      </p:cBhvr>
+                                    </p:animEffect>
+                                  </p:childTnLst>
+                                </p:cTn>
+                              </p:par>
+                              <p:par>
+                                <p:cTn id="85" presetID="42" presetClass="path" presetSubtype="0" accel="50000" decel="50000" fill="hold" grpId="6" nodeType="withEffect">
+                                  <p:stCondLst>
+                                    <p:cond delay="0"/>
+                                  </p:stCondLst>
+                                  <p:childTnLst>
+                                    <p:animMotion origin="layout" path="M 0 0 L 0 0.25 E" pathEditMode="relative" ptsTypes="">
+                                      <p:cBhvr>
+                                        <p:cTn id="86" dur="500" fill="hold"/>
+                                        <p:tgtEl>
+                                          <p:spTgt spid="4">
+                                            <p:txEl>
+                                              <p:pRg st="4" end="4"/>
+                                            </p:txEl>
+                                          </p:spTgt>
+                                        </p:tgtEl>
+                                        <p:attrNameLst>
+                                          <p:attrName>ppt_x</p:attrName>
+                                          <p:attrName>ppt_y</p:attrName>
+                                        </p:attrNameLst>
+                                      </p:cBhvr>
+                                    </p:animMotion>
+                                    <p:animMotion origin="layout" pathEditMode="relative">
+                                      <p:cBhvr from="" to="">
+                                        <p:cTn id="87" dur="500" fill="hold">
+                                          <p:stCondLst>
+                                            <p:cond delay="0"/>
+                                          </p:stCondLst>
+                                        </p:cTn>
+                                        <p:tgtEl>
+                                          <p:spTgt spid="4">
+                                            <p:txEl>
+                                              <p:pRg st="4" end="4"/>
+                                            </p:txEl>
+                                          </p:spTgt>
+                                        </p:tgtEl>
+                                        <p:attrNameLst>
+                                          <p:attrName>ppt_x</p:attrName>
+                                          <p:attrName>ppt_y</p:attrName>
+                                        </p:attrNameLst>
+                                      </p:cBhvr>
+                                      <p:from x="0" y="0"/>
+                                      <p:to x="0" y="4000"/>
+                                    </p:animMotion>
+                                  </p:childTnLst>
+                                </p:cTn>
+                              </p:par>
+                              <p:par>
+                                <p:cTn id="88" presetID="42" presetClass="path" presetSubtype="0" accel="50000" decel="50000" fill="hold" grpId="6" nodeType="withEffect">
+                                  <p:stCondLst>
+                                    <p:cond delay="0"/>
+                                  </p:stCondLst>
+                                  <p:childTnLst>
+                                    <p:animMotion origin="layout" path="M 0 0 L 0 0.25 E" pathEditMode="relative" ptsTypes="">
+                                      <p:cBhvr>
+                                        <p:cTn id="89" dur="500" fill="hold"/>
+                                        <p:tgtEl>
+                                          <p:spTgt spid="4">
+                                            <p:txEl>
+                                              <p:pRg st="5" end="5"/>
+                                            </p:txEl>
+                                          </p:spTgt>
+                                        </p:tgtEl>
+                                        <p:attrNameLst>
+                                          <p:attrName>ppt_x</p:attrName>
+                                          <p:attrName>ppt_y</p:attrName>
+                                        </p:attrNameLst>
+                                      </p:cBhvr>
+                                    </p:animMotion>
+                                    <p:animMotion origin="layout" pathEditMode="relative">
+                                      <p:cBhvr from="" to="">
+                                        <p:cTn id="90" dur="500" fill="hold">
+                                          <p:stCondLst>
+                                            <p:cond delay="0"/>
+                                          </p:stCondLst>
+                                        </p:cTn>
+                                        <p:tgtEl>
+                                          <p:spTgt spid="4">
+                                            <p:txEl>
+                                              <p:pRg st="5" end="5"/>
+                                            </p:txEl>
+                                          </p:spTgt>
+                                        </p:tgtEl>
+                                        <p:attrNameLst>
+                                          <p:attrName>ppt_x</p:attrName>
+                                          <p:attrName>ppt_y</p:attrName>
+                                        </p:attrNameLst>
+                                      </p:cBhvr>
+                                      <p:from x="0" y="0"/>
+                                      <p:to x="0" y="4000"/>
+                                    </p:animMotion>
+                                  </p:childTnLst>
+                                </p:cTn>
+                              </p:par>
+                              <p:par>
+                                <p:cTn id="91" presetID="42" presetClass="path" presetSubtype="0" accel="50000" decel="50000" fill="hold" grpId="6" nodeType="withEffect">
+                                  <p:stCondLst>
+                                    <p:cond delay="0"/>
+                                  </p:stCondLst>
+                                  <p:childTnLst>
+                                    <p:animMotion origin="layout" path="M 0 0 L 0 0.25 E" pathEditMode="relative" ptsTypes="">
+                                      <p:cBhvr>
+                                        <p:cTn id="92" dur="500" fill="hold"/>
+                                        <p:tgtEl>
+                                          <p:spTgt spid="4">
+                                            <p:txEl>
+                                              <p:pRg st="6" end="6"/>
+                                            </p:txEl>
+                                          </p:spTgt>
+                                        </p:tgtEl>
+                                        <p:attrNameLst>
+                                          <p:attrName>ppt_x</p:attrName>
+                                          <p:attrName>ppt_y</p:attrName>
+                                        </p:attrNameLst>
+                                      </p:cBhvr>
+                                    </p:animMotion>
+                                    <p:animMotion origin="layout" pathEditMode="relative">
+                                      <p:cBhvr from="" to="">
+                                        <p:cTn id="93" dur="500" fill="hold">
+                                          <p:stCondLst>
+                                            <p:cond delay="0"/>
+                                          </p:stCondLst>
+                                        </p:cTn>
+                                        <p:tgtEl>
+                                          <p:spTgt spid="4">
+                                            <p:txEl>
+                                              <p:pRg st="6" end="6"/>
+                                            </p:txEl>
+                                          </p:spTgt>
+                                        </p:tgtEl>
+                                        <p:attrNameLst>
+                                          <p:attrName>ppt_x</p:attrName>
+                                          <p:attrName>ppt_y</p:attrName>
+                                        </p:attrNameLst>
+                                      </p:cBhvr>
+                                      <p:from x="0" y="0"/>
+                                      <p:to x="0" y="4000"/>
+                                    </p:animMotion>
+                                  </p:childTnLst>
+                                </p:cTn>
+                              </p:par>
+                              <p:par>
+                                <p:cTn id="94" presetID="42" presetClass="path" presetSubtype="0" accel="50000" decel="50000" fill="hold" grpId="6" nodeType="withEffect">
+                                  <p:stCondLst>
+                                    <p:cond delay="0"/>
+                                  </p:stCondLst>
+                                  <p:childTnLst>
+                                    <p:animMotion origin="layout" path="M 0 0 L 0 0.25 E" pathEditMode="relative" ptsTypes="">
+                                      <p:cBhvr>
+                                        <p:cTn id="95" dur="500" fill="hold"/>
+                                        <p:tgtEl>
+                                          <p:spTgt spid="4">
+                                            <p:txEl>
+                                              <p:pRg st="7" end="7"/>
+                                            </p:txEl>
+                                          </p:spTgt>
+                                        </p:tgtEl>
+                                        <p:attrNameLst>
+                                          <p:attrName>ppt_x</p:attrName>
+                                          <p:attrName>ppt_y</p:attrName>
+                                        </p:attrNameLst>
+                                      </p:cBhvr>
+                                    </p:animMotion>
+                                    <p:animMotion origin="layout" pathEditMode="relative">
+                                      <p:cBhvr from="" to="">
+                                        <p:cTn id="96" dur="500" fill="hold">
+                                          <p:stCondLst>
+                                            <p:cond delay="0"/>
+                                          </p:stCondLst>
+                                        </p:cTn>
+                                        <p:tgtEl>
+                                          <p:spTgt spid="4">
+                                            <p:txEl>
+                                              <p:pRg st="7" end="7"/>
+                                            </p:txEl>
+                                          </p:spTgt>
+                                        </p:tgtEl>
+                                        <p:attrNameLst>
+                                          <p:attrName>ppt_x</p:attrName>
+                                          <p:attrName>ppt_y</p:attrName>
+                                        </p:attrNameLst>
+                                      </p:cBhvr>
+                                      <p:from x="0" y="0"/>
+                                      <p:to x="0" y="4000"/>
+                                    </p:animMotion>
+                                  </p:childTnLst>
+                                </p:cTn>
+                              </p:par>
+                              <p:par>
+                                <p:cTn id="97" presetID="42" presetClass="path" presetSubtype="0" accel="50000" decel="50000" fill="hold" grpId="6" nodeType="withEffect">
+                                  <p:stCondLst>
+                                    <p:cond delay="0"/>
+                                  </p:stCondLst>
+                                  <p:childTnLst>
+                                    <p:animMotion origin="layout" path="M 0 0 L 0 0.25 E" pathEditMode="relative" ptsTypes="">
+                                      <p:cBhvr>
+                                        <p:cTn id="98" dur="500" fill="hold"/>
+                                        <p:tgtEl>
+                                          <p:spTgt spid="4">
+                                            <p:txEl>
+                                              <p:pRg st="8" end="8"/>
+                                            </p:txEl>
+                                          </p:spTgt>
+                                        </p:tgtEl>
+                                        <p:attrNameLst>
+                                          <p:attrName>ppt_x</p:attrName>
+                                          <p:attrName>ppt_y</p:attrName>
+                                        </p:attrNameLst>
+                                      </p:cBhvr>
+                                    </p:animMotion>
+                                    <p:animMotion origin="layout" pathEditMode="relative">
+                                      <p:cBhvr from="" to="">
+                                        <p:cTn id="99" dur="500" fill="hold">
+                                          <p:stCondLst>
+                                            <p:cond delay="0"/>
+                                          </p:stCondLst>
+                                        </p:cTn>
+                                        <p:tgtEl>
+                                          <p:spTgt spid="4">
+                                            <p:txEl>
+                                              <p:pRg st="8" end="8"/>
+                                            </p:txEl>
+                                          </p:spTgt>
+                                        </p:tgtEl>
+                                        <p:attrNameLst>
+                                          <p:attrName>ppt_x</p:attrName>
+                                          <p:attrName>ppt_y</p:attrName>
+                                        </p:attrNameLst>
+                                      </p:cBhvr>
+                                      <p:from x="0" y="0"/>
+                                      <p:to x="0" y="4000"/>
+                                    </p:animMotion>
+                                  </p:childTnLst>
+                                </p:cTn>
+                              </p:par>
+                              <p:par>
+                                <p:cTn id="100" presetID="42" presetClass="path" presetSubtype="0" accel="50000" decel="50000" fill="hold" grpId="6" nodeType="withEffect">
+                                  <p:stCondLst>
+                                    <p:cond delay="0"/>
+                                  </p:stCondLst>
+                                  <p:childTnLst>
+                                    <p:animMotion origin="layout" path="M 0 0 L 0 0.25 E" pathEditMode="relative" ptsTypes="">
+                                      <p:cBhvr>
+                                        <p:cTn id="101" dur="500" fill="hold"/>
+                                        <p:tgtEl>
+                                          <p:spTgt spid="4">
+                                            <p:txEl>
+                                              <p:pRg st="9" end="9"/>
+                                            </p:txEl>
+                                          </p:spTgt>
+                                        </p:tgtEl>
+                                        <p:attrNameLst>
+                                          <p:attrName>ppt_x</p:attrName>
+                                          <p:attrName>ppt_y</p:attrName>
+                                        </p:attrNameLst>
+                                      </p:cBhvr>
+                                    </p:animMotion>
+                                    <p:animMotion origin="layout" pathEditMode="relative">
+                                      <p:cBhvr from="" to="">
+                                        <p:cTn id="102" dur="500" fill="hold">
+                                          <p:stCondLst>
+                                            <p:cond delay="0"/>
+                                          </p:stCondLst>
+                                        </p:cTn>
+                                        <p:tgtEl>
+                                          <p:spTgt spid="4">
+                                            <p:txEl>
+                                              <p:pRg st="9" end="9"/>
+                                            </p:txEl>
+                                          </p:spTgt>
+                                        </p:tgtEl>
+                                        <p:attrNameLst>
+                                          <p:attrName>ppt_x</p:attrName>
+                                          <p:attrName>ppt_y</p:attrName>
+                                        </p:attrNameLst>
+                                      </p:cBhvr>
+                                      <p:from x="0" y="0"/>
+                                      <p:to x="0" y="4000"/>
+                                    </p:animMotion>
+                                  </p:childTnLst>
+                                </p:cTn>
+                              </p:par>
+                              <p:par>
+                                <p:cTn id="103" presetID="42" presetClass="path" presetSubtype="0" accel="50000" decel="50000" fill="hold" grpId="6" nodeType="withEffect">
+                                  <p:stCondLst>
+                                    <p:cond delay="0"/>
+                                  </p:stCondLst>
+                                  <p:childTnLst>
+                                    <p:animMotion origin="layout" path="M 0 0 L 0 0.25 E" pathEditMode="relative" ptsTypes="">
+                                      <p:cBhvr>
+                                        <p:cTn id="104" dur="500" fill="hold"/>
+                                        <p:tgtEl>
+                                          <p:spTgt spid="4">
+                                            <p:txEl>
+                                              <p:pRg st="10" end="10"/>
+                                            </p:txEl>
+                                          </p:spTgt>
+                                        </p:tgtEl>
+                                        <p:attrNameLst>
+                                          <p:attrName>ppt_x</p:attrName>
+                                          <p:attrName>ppt_y</p:attrName>
+                                        </p:attrNameLst>
+                                      </p:cBhvr>
+                                    </p:animMotion>
+                                    <p:animMotion origin="layout" pathEditMode="relative">
+                                      <p:cBhvr from="" to="">
+                                        <p:cTn id="105" dur="500" fill="hold">
+                                          <p:stCondLst>
+                                            <p:cond delay="0"/>
+                                          </p:stCondLst>
+                                        </p:cTn>
+                                        <p:tgtEl>
+                                          <p:spTgt spid="4">
+                                            <p:txEl>
+                                              <p:pRg st="10" end="10"/>
+                                            </p:txEl>
+                                          </p:spTgt>
+                                        </p:tgtEl>
+                                        <p:attrNameLst>
+                                          <p:attrName>ppt_x</p:attrName>
+                                          <p:attrName>ppt_y</p:attrName>
+                                        </p:attrNameLst>
+                                      </p:cBhvr>
+                                      <p:from x="0" y="0"/>
+                                      <p:to x="0" y="4000"/>
+                                    </p:animMotion>
+                                  </p:childTnLst>
+                                </p:cTn>
+                              </p:par>
+                              <p:par>
+                                <p:cTn id="106" presetID="42" presetClass="path" presetSubtype="0" accel="50000" decel="50000" fill="hold" grpId="6" nodeType="withEffect">
+                                  <p:stCondLst>
+                                    <p:cond delay="0"/>
+                                  </p:stCondLst>
+                                  <p:childTnLst>
+                                    <p:animMotion origin="layout" path="M 0 0 L 0 0.25 E" pathEditMode="relative" ptsTypes="">
+                                      <p:cBhvr>
+                                        <p:cTn id="107" dur="500" fill="hold"/>
+                                        <p:tgtEl>
+                                          <p:spTgt spid="4">
+                                            <p:txEl>
+                                              <p:pRg st="11" end="11"/>
+                                            </p:txEl>
+                                          </p:spTgt>
+                                        </p:tgtEl>
+                                        <p:attrNameLst>
+                                          <p:attrName>ppt_x</p:attrName>
+                                          <p:attrName>ppt_y</p:attrName>
+                                        </p:attrNameLst>
+                                      </p:cBhvr>
+                                    </p:animMotion>
+                                    <p:animMotion origin="layout" pathEditMode="relative">
+                                      <p:cBhvr from="" to="">
+                                        <p:cTn id="108" dur="500" fill="hold">
+                                          <p:stCondLst>
+                                            <p:cond delay="0"/>
+                                          </p:stCondLst>
+                                        </p:cTn>
+                                        <p:tgtEl>
+                                          <p:spTgt spid="4">
+                                            <p:txEl>
+                                              <p:pRg st="11" end="11"/>
+                                            </p:txEl>
+                                          </p:spTgt>
+                                        </p:tgtEl>
+                                        <p:attrNameLst>
+                                          <p:attrName>ppt_x</p:attrName>
+                                          <p:attrName>ppt_y</p:attrName>
+                                        </p:attrNameLst>
+                                      </p:cBhvr>
+                                      <p:from x="0" y="0"/>
+                                      <p:to x="0" y="4000"/>
+                                    </p:animMotion>
+                                  </p:childTnLst>
+                                </p:cTn>
+                              </p:par>
+                              <p:par>
+                                <p:cTn id="109" presetID="22" presetClass="entr" presetSubtype="8" fill="hold" grpId="7" nodeType="withEffect">
+                                  <p:stCondLst>
+                                    <p:cond delay="0"/>
+                                  </p:stCondLst>
+                                  <p:childTnLst>
+                                    <p:set>
+                                      <p:cBhvr>
+                                        <p:cTn id="110" dur="1" fill="hold">
+                                          <p:stCondLst>
+                                            <p:cond delay="0"/>
+                                          </p:stCondLst>
+                                        </p:cTn>
+                                        <p:tgtEl>
+                                          <p:spTgt spid="5">
+                                            <p:txEl>
+                                              <p:pRg st="4" end="4"/>
+                                            </p:txEl>
+                                          </p:spTgt>
+                                        </p:tgtEl>
+                                        <p:attrNameLst>
+                                          <p:attrName>style.visibility</p:attrName>
+                                        </p:attrNameLst>
+                                      </p:cBhvr>
+                                      <p:to>
+                                        <p:strVal val="visible"/>
+                                      </p:to>
+                                    </p:set>
+                                    <p:animEffect transition="in" filter="wipe(left)">
+                                      <p:cBhvr>
+                                        <p:cTn id="111" dur="700"/>
+                                        <p:tgtEl>
+                                          <p:spTgt spid="5">
+                                            <p:txEl>
+                                              <p:pRg st="4" end="4"/>
+                                            </p:txEl>
+                                          </p:spTgt>
+                                        </p:tgtEl>
+                                      </p:cBhvr>
+                                    </p:animEffect>
+                                  </p:childTnLst>
+                                </p:cTn>
+                              </p:par>
+                              <p:par>
+                                <p:cTn id="112" presetID="42" presetClass="path" presetSubtype="0" accel="50000" decel="50000" fill="hold" grpId="7" nodeType="withEffect">
+                                  <p:stCondLst>
+                                    <p:cond delay="0"/>
+                                  </p:stCondLst>
+                                  <p:childTnLst>
+                                    <p:animMotion origin="layout" path="M 0 0 L 0 0.25 E" pathEditMode="relative" ptsTypes="">
+                                      <p:cBhvr>
+                                        <p:cTn id="113" dur="500" fill="hold"/>
+                                        <p:tgtEl>
+                                          <p:spTgt spid="4">
+                                            <p:txEl>
+                                              <p:pRg st="11" end="11"/>
+                                            </p:txEl>
+                                          </p:spTgt>
+                                        </p:tgtEl>
+                                        <p:attrNameLst>
+                                          <p:attrName>ppt_x</p:attrName>
+                                          <p:attrName>ppt_y</p:attrName>
+                                        </p:attrNameLst>
+                                      </p:cBhvr>
+                                    </p:animMotion>
+                                    <p:animMotion origin="layout" pathEditMode="relative">
+                                      <p:cBhvr from="" to="">
+                                        <p:cTn id="114" dur="500" fill="hold">
+                                          <p:stCondLst>
+                                            <p:cond delay="0"/>
+                                          </p:stCondLst>
+                                        </p:cTn>
+                                        <p:tgtEl>
+                                          <p:spTgt spid="4">
+                                            <p:txEl>
+                                              <p:pRg st="11" end="11"/>
+                                            </p:txEl>
+                                          </p:spTgt>
+                                        </p:tgtEl>
+                                        <p:attrNameLst>
+                                          <p:attrName>ppt_x</p:attrName>
+                                          <p:attrName>ppt_y</p:attrName>
+                                        </p:attrNameLst>
+                                      </p:cBhvr>
+                                      <p:from x="0" y="4000"/>
+                                      <p:to x="0" y="8000"/>
+                                    </p:animMotion>
+                                  </p:childTnLst>
+                                </p:cTn>
+                              </p:par>
+                              <p:par>
+                                <p:cTn id="115" presetID="22" presetClass="entr" presetSubtype="8" fill="hold" grpId="9" nodeType="withEffect">
+                                  <p:stCondLst>
+                                    <p:cond delay="0"/>
+                                  </p:stCondLst>
+                                  <p:childTnLst>
+                                    <p:set>
+                                      <p:cBhvr>
+                                        <p:cTn id="116" dur="1" fill="hold">
+                                          <p:stCondLst>
+                                            <p:cond delay="0"/>
+                                          </p:stCondLst>
+                                        </p:cTn>
+                                        <p:tgtEl>
+                                          <p:spTgt spid="5">
+                                            <p:txEl>
+                                              <p:pRg st="12" end="12"/>
+                                            </p:txEl>
+                                          </p:spTgt>
+                                        </p:tgtEl>
+                                        <p:attrNameLst>
+                                          <p:attrName>style.visibility</p:attrName>
+                                        </p:attrNameLst>
+                                      </p:cBhvr>
+                                      <p:to>
+                                        <p:strVal val="visible"/>
+                                      </p:to>
+                                    </p:set>
+                                    <p:animEffect transition="in" filter="wipe(left)">
+                                      <p:cBhvr>
+                                        <p:cTn id="117" dur="700"/>
+                                        <p:tgtEl>
+                                          <p:spTgt spid="5">
+                                            <p:txEl>
+                                              <p:pRg st="12" end="12"/>
+                                            </p:txEl>
+                                          </p:spTgt>
+                                        </p:tgtEl>
+                                      </p:cBhvr>
+                                    </p:animEffect>
+                                  </p:childTnLst>
+                                </p:cTn>
+                              </p:par>
+                              <p:par>
+                                <p:cTn id="118" presetID="42" presetClass="path" presetSubtype="0" accel="50000" decel="50000" fill="hold" grpId="8" nodeType="withEffect">
+                                  <p:stCondLst>
+                                    <p:cond delay="0"/>
+                                  </p:stCondLst>
+                                  <p:childTnLst>
+                                    <p:animMotion origin="layout" path="M 0 0 L 0 0.25 E" pathEditMode="relative" ptsTypes="">
+                                      <p:cBhvr>
+                                        <p:cTn id="119" dur="500" fill="hold"/>
+                                        <p:tgtEl>
+                                          <p:spTgt spid="4">
+                                            <p:txEl>
+                                              <p:pRg st="11" end="11"/>
+                                            </p:txEl>
+                                          </p:spTgt>
+                                        </p:tgtEl>
+                                        <p:attrNameLst>
+                                          <p:attrName>ppt_x</p:attrName>
+                                          <p:attrName>ppt_y</p:attrName>
+                                        </p:attrNameLst>
+                                      </p:cBhvr>
+                                    </p:animMotion>
+                                    <p:animMotion origin="layout" pathEditMode="relative">
+                                      <p:cBhvr from="" to="">
+                                        <p:cTn id="120" dur="500" fill="hold">
+                                          <p:stCondLst>
+                                            <p:cond delay="0"/>
+                                          </p:stCondLst>
+                                        </p:cTn>
+                                        <p:tgtEl>
+                                          <p:spTgt spid="4">
+                                            <p:txEl>
+                                              <p:pRg st="11" end="11"/>
+                                            </p:txEl>
+                                          </p:spTgt>
+                                        </p:tgtEl>
+                                        <p:attrNameLst>
+                                          <p:attrName>ppt_x</p:attrName>
+                                          <p:attrName>ppt_y</p:attrName>
+                                        </p:attrNameLst>
+                                      </p:cBhvr>
+                                      <p:from x="0" y="8000"/>
+                                      <p:to x="0" y="12000"/>
+                                    </p:animMotion>
+                                  </p:childTnLst>
+                                </p:cTn>
+                              </p:par>
+                              <p:par>
+                                <p:cTn id="121" presetID="22" presetClass="entr" presetSubtype="8" fill="hold" grpId="11" nodeType="withEffect">
+                                  <p:stCondLst>
+                                    <p:cond delay="0"/>
+                                  </p:stCondLst>
+                                  <p:childTnLst>
+                                    <p:set>
+                                      <p:cBhvr>
+                                        <p:cTn id="122" dur="1" fill="hold">
+                                          <p:stCondLst>
+                                            <p:cond delay="0"/>
+                                          </p:stCondLst>
+                                        </p:cTn>
+                                        <p:tgtEl>
+                                          <p:spTgt spid="5">
+                                            <p:txEl>
+                                              <p:pRg st="13" end="13"/>
+                                            </p:txEl>
+                                          </p:spTgt>
+                                        </p:tgtEl>
+                                        <p:attrNameLst>
+                                          <p:attrName>style.visibility</p:attrName>
+                                        </p:attrNameLst>
+                                      </p:cBhvr>
+                                      <p:to>
+                                        <p:strVal val="visible"/>
+                                      </p:to>
+                                    </p:set>
+                                    <p:animEffect transition="in" filter="wipe(left)">
+                                      <p:cBhvr>
+                                        <p:cTn id="123" dur="700"/>
+                                        <p:tgtEl>
+                                          <p:spTgt spid="5">
+                                            <p:txEl>
+                                              <p:pRg st="13" end="13"/>
+                                            </p:txEl>
+                                          </p:spTgt>
+                                        </p:tgtEl>
+                                      </p:cBhvr>
+                                    </p:animEffect>
+                                  </p:childTnLst>
+                                </p:cTn>
+                              </p:par>
+                              <p:par>
+                                <p:cTn id="124" presetID="42" presetClass="path" presetSubtype="0" accel="50000" decel="50000" fill="hold" grpId="9" nodeType="withEffect">
+                                  <p:stCondLst>
+                                    <p:cond delay="0"/>
+                                  </p:stCondLst>
+                                  <p:childTnLst>
+                                    <p:animMotion origin="layout" path="M 0 0 L 0 0.25 E" pathEditMode="relative" ptsTypes="">
+                                      <p:cBhvr>
+                                        <p:cTn id="125" dur="500" fill="hold"/>
+                                        <p:tgtEl>
+                                          <p:spTgt spid="4">
+                                            <p:txEl>
+                                              <p:pRg st="11" end="11"/>
+                                            </p:txEl>
+                                          </p:spTgt>
+                                        </p:tgtEl>
+                                        <p:attrNameLst>
+                                          <p:attrName>ppt_x</p:attrName>
+                                          <p:attrName>ppt_y</p:attrName>
+                                        </p:attrNameLst>
+                                      </p:cBhvr>
+                                    </p:animMotion>
+                                    <p:animMotion origin="layout" pathEditMode="relative">
+                                      <p:cBhvr from="" to="">
+                                        <p:cTn id="126" dur="500" fill="hold">
+                                          <p:stCondLst>
+                                            <p:cond delay="0"/>
+                                          </p:stCondLst>
+                                        </p:cTn>
+                                        <p:tgtEl>
+                                          <p:spTgt spid="4">
+                                            <p:txEl>
+                                              <p:pRg st="11" end="11"/>
+                                            </p:txEl>
+                                          </p:spTgt>
+                                        </p:tgtEl>
+                                        <p:attrNameLst>
+                                          <p:attrName>ppt_x</p:attrName>
+                                          <p:attrName>ppt_y</p:attrName>
+                                        </p:attrNameLst>
+                                      </p:cBhvr>
+                                      <p:from x="0" y="12000"/>
+                                      <p:to x="0" y="16000"/>
+                                    </p:animMotion>
+                                  </p:childTnLst>
+                                </p:cTn>
+                              </p:par>
+                              <p:par>
+                                <p:cTn id="127" presetID="22" presetClass="entr" presetSubtype="8" fill="hold" grpId="13" nodeType="withEffect">
+                                  <p:stCondLst>
+                                    <p:cond delay="0"/>
+                                  </p:stCondLst>
+                                  <p:childTnLst>
+                                    <p:set>
+                                      <p:cBhvr>
+                                        <p:cTn id="128" dur="1" fill="hold">
+                                          <p:stCondLst>
+                                            <p:cond delay="0"/>
+                                          </p:stCondLst>
+                                        </p:cTn>
+                                        <p:tgtEl>
+                                          <p:spTgt spid="5">
+                                            <p:txEl>
+                                              <p:pRg st="14" end="14"/>
+                                            </p:txEl>
+                                          </p:spTgt>
+                                        </p:tgtEl>
+                                        <p:attrNameLst>
+                                          <p:attrName>style.visibility</p:attrName>
+                                        </p:attrNameLst>
+                                      </p:cBhvr>
+                                      <p:to>
+                                        <p:strVal val="visible"/>
+                                      </p:to>
+                                    </p:set>
+                                    <p:animEffect transition="in" filter="wipe(left)">
+                                      <p:cBhvr>
+                                        <p:cTn id="129" dur="700"/>
+                                        <p:tgtEl>
+                                          <p:spTgt spid="5">
+                                            <p:txEl>
+                                              <p:pRg st="14" end="14"/>
+                                            </p:txEl>
+                                          </p:spTgt>
+                                        </p:tgtEl>
+                                      </p:cBhvr>
+                                    </p:animEffect>
+                                  </p:childTnLst>
+                                </p:cTn>
+                              </p:par>
+                              <p:par>
+                                <p:cTn id="130" presetID="3" presetClass="emph" presetSubtype="2" fill="hold" grpId="2" nodeType="withEffect">
+                                  <p:stCondLst>
+                                    <p:cond delay="0"/>
+                                  </p:stCondLst>
+                                  <p:childTnLst>
+                                    <p:animClr clrSpc="rgb" dir="cw">
+                                      <p:cBhvr override="childStyle">
+                                        <p:cTn id="131" dur="100" fill="hold"/>
+                                        <p:tgtEl>
+                                          <p:spTgt spid="5">
+                                            <p:txEl>
+                                              <p:pRg st="0" end="0"/>
+                                            </p:txEl>
+                                          </p:spTgt>
+                                        </p:tgtEl>
+                                        <p:attrNameLst>
+                                          <p:attrName>style.color</p:attrName>
+                                        </p:attrNameLst>
+                                      </p:cBhvr>
+                                      <p:to>
+                                        <a:srgbClr val="F2290A"/>
+                                      </p:to>
+                                    </p:animClr>
+                                  </p:childTnLst>
+                                </p:cTn>
+                              </p:par>
+                              <p:par>
+                                <p:cTn id="132" presetID="3" presetClass="emph" presetSubtype="2" fill="hold" grpId="4" nodeType="withEffect">
+                                  <p:stCondLst>
+                                    <p:cond delay="0"/>
+                                  </p:stCondLst>
+                                  <p:childTnLst>
+                                    <p:animClr clrSpc="rgb" dir="cw">
+                                      <p:cBhvr override="childStyle">
+                                        <p:cTn id="133" dur="100" fill="hold"/>
+                                        <p:tgtEl>
+                                          <p:spTgt spid="5">
+                                            <p:txEl>
+                                              <p:pRg st="1" end="1"/>
+                                            </p:txEl>
+                                          </p:spTgt>
+                                        </p:tgtEl>
+                                        <p:attrNameLst>
+                                          <p:attrName>style.color</p:attrName>
+                                        </p:attrNameLst>
+                                      </p:cBhvr>
+                                      <p:to>
+                                        <a:srgbClr val="F2290A"/>
+                                      </p:to>
+                                    </p:animClr>
+                                  </p:childTnLst>
+                                </p:cTn>
+                              </p:par>
+                              <p:par>
+                                <p:cTn id="134" presetID="3" presetClass="emph" presetSubtype="2" fill="hold" grpId="6" nodeType="withEffect">
+                                  <p:stCondLst>
+                                    <p:cond delay="0"/>
+                                  </p:stCondLst>
+                                  <p:childTnLst>
+                                    <p:animClr clrSpc="rgb" dir="cw">
+                                      <p:cBhvr override="childStyle">
+                                        <p:cTn id="135" dur="100" fill="hold"/>
+                                        <p:tgtEl>
+                                          <p:spTgt spid="5">
+                                            <p:txEl>
+                                              <p:pRg st="3" end="3"/>
+                                            </p:txEl>
+                                          </p:spTgt>
+                                        </p:tgtEl>
+                                        <p:attrNameLst>
+                                          <p:attrName>style.color</p:attrName>
+                                        </p:attrNameLst>
+                                      </p:cBhvr>
+                                      <p:to>
+                                        <a:srgbClr val="F2290A"/>
+                                      </p:to>
+                                    </p:animClr>
+                                  </p:childTnLst>
+                                </p:cTn>
+                              </p:par>
+                              <p:par>
+                                <p:cTn id="136" presetID="3" presetClass="emph" presetSubtype="2" fill="hold" grpId="8" nodeType="withEffect">
+                                  <p:stCondLst>
+                                    <p:cond delay="0"/>
+                                  </p:stCondLst>
+                                  <p:childTnLst>
+                                    <p:animClr clrSpc="rgb" dir="cw">
+                                      <p:cBhvr override="childStyle">
+                                        <p:cTn id="137" dur="100" fill="hold"/>
+                                        <p:tgtEl>
+                                          <p:spTgt spid="5">
+                                            <p:txEl>
+                                              <p:pRg st="4" end="4"/>
+                                            </p:txEl>
+                                          </p:spTgt>
+                                        </p:tgtEl>
+                                        <p:attrNameLst>
+                                          <p:attrName>style.color</p:attrName>
+                                        </p:attrNameLst>
+                                      </p:cBhvr>
+                                      <p:to>
+                                        <a:srgbClr val="F2290A"/>
+                                      </p:to>
+                                    </p:animClr>
+                                  </p:childTnLst>
+                                </p:cTn>
+                              </p:par>
+                              <p:par>
+                                <p:cTn id="138" presetID="3" presetClass="emph" presetSubtype="2" fill="hold" grpId="10" nodeType="withEffect">
+                                  <p:stCondLst>
+                                    <p:cond delay="0"/>
+                                  </p:stCondLst>
+                                  <p:childTnLst>
+                                    <p:animClr clrSpc="rgb" dir="cw">
+                                      <p:cBhvr override="childStyle">
+                                        <p:cTn id="139" dur="100" fill="hold"/>
+                                        <p:tgtEl>
+                                          <p:spTgt spid="5">
+                                            <p:txEl>
+                                              <p:pRg st="12" end="12"/>
+                                            </p:txEl>
+                                          </p:spTgt>
+                                        </p:tgtEl>
+                                        <p:attrNameLst>
+                                          <p:attrName>style.color</p:attrName>
+                                        </p:attrNameLst>
+                                      </p:cBhvr>
+                                      <p:to>
+                                        <a:srgbClr val="F2290A"/>
+                                      </p:to>
+                                    </p:animClr>
+                                  </p:childTnLst>
+                                </p:cTn>
+                              </p:par>
+                              <p:par>
+                                <p:cTn id="140" presetID="3" presetClass="emph" presetSubtype="2" fill="hold" grpId="12" nodeType="withEffect">
+                                  <p:stCondLst>
+                                    <p:cond delay="0"/>
+                                  </p:stCondLst>
+                                  <p:childTnLst>
+                                    <p:animClr clrSpc="rgb" dir="cw">
+                                      <p:cBhvr override="childStyle">
+                                        <p:cTn id="141" dur="100" fill="hold"/>
+                                        <p:tgtEl>
+                                          <p:spTgt spid="5">
+                                            <p:txEl>
+                                              <p:pRg st="13" end="13"/>
+                                            </p:txEl>
+                                          </p:spTgt>
+                                        </p:tgtEl>
+                                        <p:attrNameLst>
+                                          <p:attrName>style.color</p:attrName>
+                                        </p:attrNameLst>
+                                      </p:cBhvr>
+                                      <p:to>
+                                        <a:srgbClr val="F2290A"/>
+                                      </p:to>
+                                    </p:animClr>
+                                  </p:childTnLst>
+                                </p:cTn>
+                              </p:par>
+                              <p:par>
+                                <p:cTn id="142" presetID="3" presetClass="emph" presetSubtype="2" fill="hold" grpId="14" nodeType="withEffect">
+                                  <p:stCondLst>
+                                    <p:cond delay="0"/>
+                                  </p:stCondLst>
+                                  <p:childTnLst>
+                                    <p:animClr clrSpc="rgb" dir="cw">
+                                      <p:cBhvr override="childStyle">
+                                        <p:cTn id="143" dur="100" fill="hold"/>
+                                        <p:tgtEl>
+                                          <p:spTgt spid="5">
+                                            <p:txEl>
+                                              <p:pRg st="14" end="14"/>
+                                            </p:txEl>
+                                          </p:spTgt>
+                                        </p:tgtEl>
+                                        <p:attrNameLst>
+                                          <p:attrName>style.color</p:attrName>
+                                        </p:attrNameLst>
+                                      </p:cBhvr>
+                                      <p:to>
+                                        <a:srgbClr val="F2290A"/>
+                                      </p:to>
+                                    </p:animClr>
+                                  </p:childTnLst>
+                                </p:cTn>
+                              </p:par>
+                            </p:childTnLst>
+                          </p:cTn>
+                        </p:par>
+                      </p:childTnLst>
+                    </p:cTn>
+                  </p:par>
+                </p:childTnLst>
+              </p:cTn>
+              <p:prevCondLst>
+                <p:cond evt="onPrev" delay="0">
+                  <p:tgtEl>
+                    <p:sldTgt/>
+                  </p:tgtEl>
+                </p:cond>
+              </p:prevCondLst>
+              <p:nextCondLst>
+                <p:cond evt="onNext" delay="0">
+                  <p:tgtEl>
+                    <p:sldTgt/>
+                  </p:tgtEl>
+                </p:cond>
+              </p:nextCondLst>
+            </p:seq>
+          </p:childTnLst>
+        </p:cTn>
+      </p:par>
+    </p:tnLst>
+    <p:bldLst>
+      <p:bldP spid="5" grpId="0" build="p" bldLvl="5"/>
+      <p:bldP spid="5" grpId="1" build="p" bldLvl="5"/>
+      <p:bldP spid="5" grpId="2" build="p" bldLvl="5"/>
+      <p:bldP spid="5" grpId="3" build="p" bldLvl="5"/>
+      <p:bldP spid="5" grpId="4" build="p" bldLvl="5"/>
+      <p:bldP spid="5" grpId="5" build="p" bldLvl="5"/>
+      <p:bldP spid="5" grpId="6" build="p" bldLvl="5"/>
+      <p:bldP spid="5" grpId="7" build="p" bldLvl="5"/>
+      <p:bldP spid="5" grpId="8" build="p" bldLvl="5"/>
+      <p:bldP spid="5" grpId="9" build="p" bldLvl="5"/>
+      <p:bldP spid="5" grpId="10" build="p" bldLvl="5"/>
+      <p:bldP spid="5" grpId="11" build="p" bldLvl="5"/>
+      <p:bldP spid="5" grpId="12" build="p" bldLvl="5"/>
+      <p:bldP spid="5" grpId="13" build="p" bldLvl="5"/>
+      <p:bldP spid="5" grpId="14" build="p" bldLvl="5"/>
+      <p:bldP spid="4" grpId="0" build="p" bldLvl="5"/>
+      <p:bldP spid="4" grpId="1" build="p" bldLvl="5"/>
+      <p:bldP spid="4" grpId="2" build="p" bldLvl="5"/>
+      <p:bldP spid="4" grpId="3" build="p" bldLvl="5"/>
+      <p:bldP spid="4" grpId="4" build="p" bldLvl="5"/>
+      <p:bldP spid="4" grpId="5" build="p" bldLvl="5"/>
+      <p:bldP spid="4" grpId="6" build="p" bldLvl="5"/>
+      <p:bldP spid="4" grpId="7" build="p" bldLvl="5"/>
+      <p:bldP spid="4" grpId="8" build="p" bldLvl="5"/>
+      <p:bldP spid="4" grpId="9" build="p" bldLvl="5"/>
+    </p:bldLst>
+  </p:timing>
+</p:sld>
+</file>
+
+<file path=ppt/slides/slide12.xml><?xml version="1.0" encoding="utf-8"?>
+<p:sld xmlns:a="http://schemas.openxmlformats.org/drawingml/2006/main" xmlns:r="http://schemas.openxmlformats.org/officeDocument/2006/relationships" xmlns:p="http://schemas.openxmlformats.org/presentationml/2006/main">
+  <p:cSld>
+    <p:spTree>
+      <p:nvGrpSpPr>
+        <p:cNvPr id="1" name=""/>
+        <p:cNvGrpSpPr/>
+        <p:nvPr/>
+      </p:nvGrpSpPr>
+      <p:grpSpPr>
+        <a:xfrm>
+          <a:off x="0" y="0"/>
+          <a:ext cx="0" cy="0"/>
+          <a:chOff x="0" y="0"/>
+          <a:chExt cx="0" cy="0"/>
+        </a:xfrm>
+      </p:grpSpPr>
+      <p:sp>
+        <p:nvSpPr>
+          <p:cNvPr id="2" name="PPTL_5_CodeBox">
+            <a:extLst>
+              <a:ext uri="{FF2B5EF4-FFF2-40B4-BE49-F238E27FC236}">
+                <a16:creationId xmlns:a16="http://schemas.microsoft.com/office/drawing/2014/main" id="{326B167C-EBC4-4B81-9606-0B80178FAB6D}"/>
+              </a:ext>
+            </a:extLst>
+          </p:cNvPr>
+          <p:cNvSpPr txBox="1"/>
+          <p:nvPr/>
+        </p:nvSpPr>
+        <p:spPr>
+          <a:xfrm>
+            <a:off x="2159000" y="1270000"/>
+            <a:ext cx="8890000" cy="3693319"/>
+          </a:xfrm>
+          <a:prstGeom prst="rect">
+            <a:avLst/>
+          </a:prstGeom>
+          <a:noFill/>
+        </p:spPr>
+        <p:txBody>
+          <a:bodyPr vert="horz" wrap="square" rtlCol="0">
+            <a:spAutoFit/>
+          </a:bodyPr>
+          <a:lstStyle/>
+          <a:p>
+            <a:r>
+              <a:rPr lang="en-SG">
+                <a:solidFill>
+                  <a:srgbClr val="0000FF"/>
+                </a:solidFill>
+                <a:latin typeface="Consolas" panose="020B0609020204030204" pitchFamily="49" charset="0"/>
+              </a:rPr>
+              <a:t>if</a:t>
+            </a:r>
+            <a:r>
+              <a:rPr lang="en-SG">
+                <a:solidFill>
+                  <a:srgbClr val="000000"/>
+                </a:solidFill>
+                <a:latin typeface="Consolas" panose="020B0609020204030204" pitchFamily="49" charset="0"/>
+              </a:rPr>
+              <a:t> (animateDiff) {</a:t>
+            </a:r>
+          </a:p>
+          <a:p>
+            <a:r>
+              <a:rPr lang="en-SG">
+                <a:solidFill>
+                  <a:srgbClr val="000000"/>
+                </a:solidFill>
+                <a:latin typeface="Consolas" panose="020B0609020204030204" pitchFamily="49" charset="0"/>
+              </a:rPr>
+              <a:t>    myFunction(x);</a:t>
+            </a:r>
+          </a:p>
+          <a:p>
+            <a:r>
+              <a:rPr lang="en-SG">
+                <a:solidFill>
+                  <a:srgbClr val="000000"/>
+                </a:solidFill>
+                <a:latin typeface="Consolas" panose="020B0609020204030204" pitchFamily="49" charset="0"/>
+              </a:rPr>
+              <a:t>    anotherFunction(y);</a:t>
+            </a:r>
+          </a:p>
+          <a:p>
+            <a:r>
+              <a:rPr lang="en-SG">
+                <a:solidFill>
+                  <a:srgbClr val="000000"/>
+                </a:solidFill>
+                <a:latin typeface="Consolas" panose="020B0609020204030204" pitchFamily="49" charset="0"/>
+              </a:rPr>
+              <a:t>    x += 1;</a:t>
+            </a:r>
+          </a:p>
+          <a:p>
+            <a:r>
+              <a:rPr lang="en-SG">
+                <a:solidFill>
+                  <a:srgbClr val="0000FF"/>
+                </a:solidFill>
+                <a:latin typeface="Consolas" panose="020B0609020204030204" pitchFamily="49" charset="0"/>
+              </a:rPr>
+              <a:t>while</a:t>
+            </a:r>
+            <a:r>
+              <a:rPr lang="en-SG">
+                <a:solidFill>
+                  <a:srgbClr val="000000"/>
+                </a:solidFill>
+                <a:latin typeface="Consolas" panose="020B0609020204030204" pitchFamily="49" charset="0"/>
+              </a:rPr>
+              <a:t> (someCondition) {</a:t>
+            </a:r>
+          </a:p>
+          <a:p>
+            <a:r>
+              <a:rPr lang="en-SG">
+                <a:solidFill>
+                  <a:srgbClr val="000000"/>
+                </a:solidFill>
+                <a:latin typeface="Consolas" panose="020B0609020204030204" pitchFamily="49" charset="0"/>
+              </a:rPr>
+              <a:t>    someLogic++;</a:t>
+            </a:r>
+          </a:p>
+          <a:p>
+            <a:r>
+              <a:rPr lang="en-SG">
+                <a:solidFill>
+                  <a:srgbClr val="000000"/>
+                </a:solidFill>
+                <a:latin typeface="Consolas" panose="020B0609020204030204" pitchFamily="49" charset="0"/>
+              </a:rPr>
+              <a:t>}</a:t>
+            </a:r>
+          </a:p>
+          <a:p>
+            <a:r>
+              <a:rPr lang="en-SG">
+                <a:solidFill>
+                  <a:srgbClr val="000000"/>
+                </a:solidFill>
+                <a:latin typeface="Consolas" panose="020B0609020204030204" pitchFamily="49" charset="0"/>
+              </a:rPr>
+              <a:t>...</a:t>
+            </a:r>
+          </a:p>
+          <a:p>
+            <a:r>
+              <a:rPr lang="en-SG">
+                <a:solidFill>
+                  <a:srgbClr val="0000FF"/>
+                </a:solidFill>
+                <a:latin typeface="Consolas" panose="020B0609020204030204" pitchFamily="49" charset="0"/>
+              </a:rPr>
+              <a:t>for</a:t>
+            </a:r>
+            <a:r>
+              <a:rPr lang="en-SG">
+                <a:solidFill>
+                  <a:srgbClr val="000000"/>
+                </a:solidFill>
+                <a:latin typeface="Consolas" panose="020B0609020204030204" pitchFamily="49" charset="0"/>
+              </a:rPr>
+              <a:t> (</a:t>
+            </a:r>
+            <a:r>
+              <a:rPr lang="en-SG">
+                <a:solidFill>
+                  <a:srgbClr val="0000FF"/>
+                </a:solidFill>
+                <a:latin typeface="Consolas" panose="020B0609020204030204" pitchFamily="49" charset="0"/>
+              </a:rPr>
+              <a:t>int</a:t>
+            </a:r>
+            <a:r>
+              <a:rPr lang="en-SG">
+                <a:solidFill>
+                  <a:srgbClr val="000000"/>
+                </a:solidFill>
+                <a:latin typeface="Consolas" panose="020B0609020204030204" pitchFamily="49" charset="0"/>
+              </a:rPr>
+              <a:t> i = 0; i &lt; someCondition; i++) {</a:t>
+            </a:r>
+          </a:p>
+          <a:p>
+            <a:r>
+              <a:rPr lang="en-SG">
+                <a:solidFill>
+                  <a:srgbClr val="000000"/>
+                </a:solidFill>
+                <a:latin typeface="Consolas" panose="020B0609020204030204" pitchFamily="49" charset="0"/>
+              </a:rPr>
+              <a:t>    doSomeLogic(x);</a:t>
+            </a:r>
+          </a:p>
+          <a:p>
+            <a:r>
+              <a:rPr lang="en-SG">
+                <a:solidFill>
+                  <a:srgbClr val="000000"/>
+                </a:solidFill>
+                <a:latin typeface="Consolas" panose="020B0609020204030204" pitchFamily="49" charset="0"/>
+              </a:rPr>
+              <a:t>}</a:t>
+            </a:r>
+          </a:p>
+          <a:p>
+            <a:r>
+              <a:rPr lang="en-SG">
+                <a:solidFill>
+                  <a:srgbClr val="000000"/>
+                </a:solidFill>
+                <a:latin typeface="Consolas" panose="020B0609020204030204" pitchFamily="49" charset="0"/>
+              </a:rPr>
+              <a:t>...</a:t>
+            </a:r>
+          </a:p>
+          <a:p>
+            <a:endParaRPr lang="en-SG">
+              <a:solidFill>
+                <a:srgbClr val="000000"/>
+              </a:solidFill>
+              <a:latin typeface="Consolas" panose="020B0609020204030204" pitchFamily="49" charset="0"/>
+            </a:endParaRPr>
+          </a:p>
+        </p:txBody>
+      </p:sp>
+    </p:spTree>
+    <p:extLst>
+      <p:ext uri="{BB962C8B-B14F-4D97-AF65-F5344CB8AC3E}">
+        <p14:creationId xmlns:p14="http://schemas.microsoft.com/office/powerpoint/2010/main" val="2919759476"/>
+      </p:ext>
+    </p:extLst>
+  </p:cSld>
+  <p:clrMapOvr>
+    <a:masterClrMapping/>
+  </p:clrMapOvr>
+</p:sld>
+</file>
+
+<file path=ppt/slides/slide13.xml><?xml version="1.0" encoding="utf-8"?>
+<p:sld xmlns:a="http://schemas.openxmlformats.org/drawingml/2006/main" xmlns:r="http://schemas.openxmlformats.org/officeDocument/2006/relationships" xmlns:p="http://schemas.openxmlformats.org/presentationml/2006/main">
+  <p:cSld>
+    <p:spTree>
+      <p:nvGrpSpPr>
+        <p:cNvPr id="1" name=""/>
+        <p:cNvGrpSpPr/>
+        <p:nvPr/>
+      </p:nvGrpSpPr>
+      <p:grpSpPr>
+        <a:xfrm>
+          <a:off x="0" y="0"/>
+          <a:ext cx="0" cy="0"/>
+          <a:chOff x="0" y="0"/>
+          <a:chExt cx="0" cy="0"/>
+        </a:xfrm>
+      </p:grpSpPr>
+      <p:sp>
+        <p:nvSpPr>
+          <p:cNvPr id="2" name="PPTL_6_CodeBox">
+            <a:extLst>
+              <a:ext uri="{FF2B5EF4-FFF2-40B4-BE49-F238E27FC236}">
+                <a16:creationId xmlns:a16="http://schemas.microsoft.com/office/drawing/2014/main" id="{DF2101CF-80F4-493A-976D-8764F06C676F}"/>
+              </a:ext>
+            </a:extLst>
+          </p:cNvPr>
+          <p:cNvSpPr txBox="1"/>
+          <p:nvPr/>
+        </p:nvSpPr>
+        <p:spPr>
+          <a:xfrm>
+            <a:off x="2159000" y="1270000"/>
+            <a:ext cx="8890000" cy="4801314"/>
+          </a:xfrm>
+          <a:prstGeom prst="rect">
+            <a:avLst/>
+          </a:prstGeom>
+          <a:noFill/>
+        </p:spPr>
+        <p:txBody>
+          <a:bodyPr vert="horz" wrap="square" rtlCol="0">
+            <a:spAutoFit/>
+          </a:bodyPr>
+          <a:lstStyle/>
+          <a:p>
+            <a:r>
+              <a:rPr lang="en-SG">
+                <a:solidFill>
+                  <a:srgbClr val="0000FF"/>
+                </a:solidFill>
+                <a:latin typeface="Consolas" panose="020B0609020204030204" pitchFamily="49" charset="0"/>
+              </a:rPr>
+              <a:t>if</a:t>
+            </a:r>
+            <a:r>
+              <a:rPr lang="en-SG">
+                <a:solidFill>
+                  <a:srgbClr val="000000"/>
+                </a:solidFill>
+                <a:latin typeface="Consolas" panose="020B0609020204030204" pitchFamily="49" charset="0"/>
+              </a:rPr>
+              <a:t> (!animateDiff) {</a:t>
+            </a:r>
+          </a:p>
+          <a:p>
+            <a:r>
+              <a:rPr lang="en-SG">
+                <a:solidFill>
+                  <a:srgbClr val="000000"/>
+                </a:solidFill>
+                <a:latin typeface="Consolas" panose="020B0609020204030204" pitchFamily="49" charset="0"/>
+              </a:rPr>
+              <a:t>    someFunction(someNewParam);</a:t>
+            </a:r>
+          </a:p>
+          <a:p>
+            <a:r>
+              <a:rPr lang="en-SG">
+                <a:solidFill>
+                  <a:srgbClr val="000000"/>
+                </a:solidFill>
+                <a:latin typeface="Consolas" panose="020B0609020204030204" pitchFamily="49" charset="0"/>
+              </a:rPr>
+              <a:t>    anotherFunction(y);</a:t>
+            </a:r>
+          </a:p>
+          <a:p>
+            <a:r>
+              <a:rPr lang="en-SG">
+                <a:solidFill>
+                  <a:srgbClr val="000000"/>
+                </a:solidFill>
+                <a:latin typeface="Consolas" panose="020B0609020204030204" pitchFamily="49" charset="0"/>
+              </a:rPr>
+              <a:t>    x -= 1;</a:t>
+            </a:r>
+          </a:p>
+          <a:p>
+            <a:r>
+              <a:rPr lang="en-SG">
+                <a:solidFill>
+                  <a:srgbClr val="000000"/>
+                </a:solidFill>
+                <a:latin typeface="Consolas" panose="020B0609020204030204" pitchFamily="49" charset="0"/>
+              </a:rPr>
+              <a:t>}</a:t>
+            </a:r>
+          </a:p>
+          <a:p>
+            <a:r>
+              <a:rPr lang="en-SG">
+                <a:solidFill>
+                  <a:srgbClr val="0000FF"/>
+                </a:solidFill>
+                <a:latin typeface="Consolas" panose="020B0609020204030204" pitchFamily="49" charset="0"/>
+              </a:rPr>
+              <a:t>while</a:t>
+            </a:r>
+            <a:r>
+              <a:rPr lang="en-SG">
+                <a:solidFill>
+                  <a:srgbClr val="000000"/>
+                </a:solidFill>
+                <a:latin typeface="Consolas" panose="020B0609020204030204" pitchFamily="49" charset="0"/>
+              </a:rPr>
+              <a:t> (someCondition) {</a:t>
+            </a:r>
+          </a:p>
+          <a:p>
+            <a:r>
+              <a:rPr lang="en-SG">
+                <a:solidFill>
+                  <a:srgbClr val="000000"/>
+                </a:solidFill>
+                <a:latin typeface="Consolas" panose="020B0609020204030204" pitchFamily="49" charset="0"/>
+              </a:rPr>
+              <a:t>    someLogic++;</a:t>
+            </a:r>
+          </a:p>
+          <a:p>
+            <a:r>
+              <a:rPr lang="en-SG">
+                <a:solidFill>
+                  <a:srgbClr val="000000"/>
+                </a:solidFill>
+                <a:latin typeface="Consolas" panose="020B0609020204030204" pitchFamily="49" charset="0"/>
+              </a:rPr>
+              <a:t>}</a:t>
+            </a:r>
+          </a:p>
+          <a:p>
+            <a:r>
+              <a:rPr lang="en-SG">
+                <a:solidFill>
+                  <a:srgbClr val="000000"/>
+                </a:solidFill>
+                <a:latin typeface="Consolas" panose="020B0609020204030204" pitchFamily="49" charset="0"/>
+              </a:rPr>
+              <a:t>...</a:t>
+            </a:r>
+          </a:p>
+          <a:p>
+            <a:r>
+              <a:rPr lang="en-SG">
+                <a:solidFill>
+                  <a:srgbClr val="0000FF"/>
+                </a:solidFill>
+                <a:latin typeface="Consolas" panose="020B0609020204030204" pitchFamily="49" charset="0"/>
+              </a:rPr>
+              <a:t>for</a:t>
+            </a:r>
+            <a:r>
+              <a:rPr lang="en-SG">
+                <a:solidFill>
+                  <a:srgbClr val="000000"/>
+                </a:solidFill>
+                <a:latin typeface="Consolas" panose="020B0609020204030204" pitchFamily="49" charset="0"/>
+              </a:rPr>
+              <a:t> (</a:t>
+            </a:r>
+            <a:r>
+              <a:rPr lang="en-SG">
+                <a:solidFill>
+                  <a:srgbClr val="0000FF"/>
+                </a:solidFill>
+                <a:latin typeface="Consolas" panose="020B0609020204030204" pitchFamily="49" charset="0"/>
+              </a:rPr>
+              <a:t>int</a:t>
+            </a:r>
+            <a:r>
+              <a:rPr lang="en-SG">
+                <a:solidFill>
+                  <a:srgbClr val="000000"/>
+                </a:solidFill>
+                <a:latin typeface="Consolas" panose="020B0609020204030204" pitchFamily="49" charset="0"/>
+              </a:rPr>
+              <a:t> i = 0; i &lt; someCondition; i++) {</a:t>
+            </a:r>
+          </a:p>
+          <a:p>
+            <a:r>
+              <a:rPr lang="en-SG">
+                <a:solidFill>
+                  <a:srgbClr val="000000"/>
+                </a:solidFill>
+                <a:latin typeface="Consolas" panose="020B0609020204030204" pitchFamily="49" charset="0"/>
+              </a:rPr>
+              <a:t>    doSomeLogic(x);</a:t>
+            </a:r>
+          </a:p>
+          <a:p>
+            <a:r>
+              <a:rPr lang="en-SG">
+                <a:solidFill>
+                  <a:srgbClr val="000000"/>
+                </a:solidFill>
+                <a:latin typeface="Consolas" panose="020B0609020204030204" pitchFamily="49" charset="0"/>
+              </a:rPr>
+              <a:t>}</a:t>
+            </a:r>
+          </a:p>
+          <a:p>
+            <a:r>
+              <a:rPr lang="en-SG">
+                <a:solidFill>
+                  <a:srgbClr val="0000FF"/>
+                </a:solidFill>
+                <a:latin typeface="Consolas" panose="020B0609020204030204" pitchFamily="49" charset="0"/>
+              </a:rPr>
+              <a:t>while</a:t>
+            </a:r>
+            <a:r>
+              <a:rPr lang="en-SG">
+                <a:solidFill>
+                  <a:srgbClr val="000000"/>
+                </a:solidFill>
+                <a:latin typeface="Consolas" panose="020B0609020204030204" pitchFamily="49" charset="0"/>
+              </a:rPr>
+              <a:t> (anotherCondition) {</a:t>
+            </a:r>
+          </a:p>
+          <a:p>
+            <a:r>
+              <a:rPr lang="en-SG">
+                <a:solidFill>
+                  <a:srgbClr val="000000"/>
+                </a:solidFill>
+                <a:latin typeface="Consolas" panose="020B0609020204030204" pitchFamily="49" charset="0"/>
+              </a:rPr>
+              <a:t>    doOtherLogic(y);</a:t>
+            </a:r>
+          </a:p>
+          <a:p>
+            <a:r>
+              <a:rPr lang="en-SG">
+                <a:solidFill>
+                  <a:srgbClr val="000000"/>
+                </a:solidFill>
+                <a:latin typeface="Consolas" panose="020B0609020204030204" pitchFamily="49" charset="0"/>
+              </a:rPr>
+              <a:t>}</a:t>
+            </a:r>
+          </a:p>
+          <a:p>
+            <a:r>
+              <a:rPr lang="en-SG">
+                <a:solidFill>
+                  <a:srgbClr val="000000"/>
+                </a:solidFill>
+                <a:latin typeface="Consolas" panose="020B0609020204030204" pitchFamily="49" charset="0"/>
+              </a:rPr>
+              <a:t>...</a:t>
+            </a:r>
+          </a:p>
+          <a:p>
+            <a:endParaRPr lang="en-SG">
+              <a:solidFill>
+                <a:srgbClr val="000000"/>
+              </a:solidFill>
+              <a:latin typeface="Consolas" panose="020B0609020204030204" pitchFamily="49" charset="0"/>
+            </a:endParaRPr>
+          </a:p>
+        </p:txBody>
+      </p:sp>
+    </p:spTree>
+    <p:extLst>
+      <p:ext uri="{BB962C8B-B14F-4D97-AF65-F5344CB8AC3E}">
+        <p14:creationId xmlns:p14="http://schemas.microsoft.com/office/powerpoint/2010/main" val="3788975100"/>
+      </p:ext>
+    </p:extLst>
+  </p:cSld>
+  <p:clrMapOvr>
+    <a:masterClrMapping/>
+  </p:clrMapOvr>
+</p:sld>
+</file>
+
+<file path=ppt/slides/slide14.xml><?xml version="1.0" encoding="utf-8"?>
+<p:sld xmlns:a="http://schemas.openxmlformats.org/drawingml/2006/main" xmlns:r="http://schemas.openxmlformats.org/officeDocument/2006/relationships" xmlns:p="http://schemas.openxmlformats.org/presentationml/2006/main" show="0">
+  <p:cSld name="PPTLabsAcknowledgementSlide">
+    <p:spTree>
+      <p:nvGrpSpPr>
+        <p:cNvPr id="1" name=""/>
+        <p:cNvGrpSpPr/>
+        <p:nvPr/>
+      </p:nvGrpSpPr>
+      <p:grpSpPr>
+        <a:xfrm>
+          <a:off x="0" y="0"/>
+          <a:ext cx="0" cy="0"/>
+          <a:chOff x="0" y="0"/>
+          <a:chExt cx="0" cy="0"/>
+        </a:xfrm>
+      </p:grpSpPr>
+      <p:pic>
+        <p:nvPicPr>
+          <p:cNvPr id="3" name="Picture 2">
+            <a:extLst>
+              <a:ext uri="{FF2B5EF4-FFF2-40B4-BE49-F238E27FC236}">
+                <a16:creationId xmlns:a16="http://schemas.microsoft.com/office/drawing/2014/main" id="{77F852B5-E222-4061-8BA6-40DA0E4896A3}"/>
+              </a:ext>
+            </a:extLst>
+          </p:cNvPr>
+          <p:cNvPicPr>
+            <a:picLocks noChangeAspect="1"/>
+          </p:cNvPicPr>
+          <p:nvPr/>
+        </p:nvPicPr>
+        <p:blipFill>
+          <a:blip r:embed="rId2">
+            <a:extLst>
+              <a:ext uri="{28A0092B-C50C-407E-A947-70E740481C1C}">
+                <a14:useLocalDpi xmlns:a14="http://schemas.microsoft.com/office/drawing/2010/main" val="0"/>
+              </a:ext>
+            </a:extLst>
+          </a:blip>
+          <a:stretch>
+            <a:fillRect/>
+          </a:stretch>
+        </p:blipFill>
+        <p:spPr>
+          <a:xfrm>
+            <a:off x="0" y="229269"/>
+            <a:ext cx="12192000" cy="6399462"/>
+          </a:xfrm>
+          <a:prstGeom prst="rect">
+            <a:avLst/>
+          </a:prstGeom>
+        </p:spPr>
+      </p:pic>
+    </p:spTree>
+    <p:extLst>
+      <p:ext uri="{BB962C8B-B14F-4D97-AF65-F5344CB8AC3E}">
+        <p14:creationId xmlns:p14="http://schemas.microsoft.com/office/powerpoint/2010/main" val="3882713646"/>
       </p:ext>
     </p:extLst>
   </p:cSld>
@@ -9959,6 +13851,36 @@
           <a:chExt cx="0" cy="0"/>
         </a:xfrm>
       </p:grpSpPr>
+    </p:spTree>
+    <p:extLst>
+      <p:ext uri="{BB962C8B-B14F-4D97-AF65-F5344CB8AC3E}">
+        <p14:creationId xmlns:p14="http://schemas.microsoft.com/office/powerpoint/2010/main" val="3409736537"/>
+      </p:ext>
+    </p:extLst>
+  </p:cSld>
+  <p:clrMapOvr>
+    <a:masterClrMapping/>
+  </p:clrMapOvr>
+</p:sld>
+</file>
+
+<file path=ppt/slides/slide6.xml><?xml version="1.0" encoding="utf-8"?>
+<p:sld xmlns:a="http://schemas.openxmlformats.org/drawingml/2006/main" xmlns:r="http://schemas.openxmlformats.org/officeDocument/2006/relationships" xmlns:p="http://schemas.openxmlformats.org/presentationml/2006/main">
+  <p:cSld>
+    <p:spTree>
+      <p:nvGrpSpPr>
+        <p:cNvPr id="1" name=""/>
+        <p:cNvGrpSpPr/>
+        <p:nvPr/>
+      </p:nvGrpSpPr>
+      <p:grpSpPr>
+        <a:xfrm>
+          <a:off x="0" y="0"/>
+          <a:ext cx="0" cy="0"/>
+          <a:chOff x="0" y="0"/>
+          <a:chExt cx="0" cy="0"/>
+        </a:xfrm>
+      </p:grpSpPr>
       <p:sp>
         <p:nvSpPr>
           <p:cNvPr id="2" name="InsertDiffCodeBeforeOriginalShape">
@@ -10132,6 +14054,2790 @@
     <p:extLst>
       <p:ext uri="{BB962C8B-B14F-4D97-AF65-F5344CB8AC3E}">
         <p14:creationId xmlns:p14="http://schemas.microsoft.com/office/powerpoint/2010/main" val="2478974627"/>
+      </p:ext>
+    </p:extLst>
+  </p:cSld>
+  <p:clrMapOvr>
+    <a:masterClrMapping/>
+  </p:clrMapOvr>
+</p:sld>
+</file>
+
+<file path=ppt/slides/slide7.xml><?xml version="1.0" encoding="utf-8"?>
+<p:sld xmlns:a="http://schemas.openxmlformats.org/drawingml/2006/main" xmlns:r="http://schemas.openxmlformats.org/officeDocument/2006/relationships" xmlns:p="http://schemas.openxmlformats.org/presentationml/2006/main">
+  <p:cSld>
+    <p:spTree>
+      <p:nvGrpSpPr>
+        <p:cNvPr id="1" name=""/>
+        <p:cNvGrpSpPr/>
+        <p:nvPr/>
+      </p:nvGrpSpPr>
+      <p:grpSpPr>
+        <a:xfrm>
+          <a:off x="0" y="0"/>
+          <a:ext cx="0" cy="0"/>
+          <a:chOff x="0" y="0"/>
+          <a:chExt cx="0" cy="0"/>
+        </a:xfrm>
+      </p:grpSpPr>
+      <p:sp>
+        <p:nvSpPr>
+          <p:cNvPr id="2" name="Title 1"/>
+          <p:cNvSpPr>
+            <a:spLocks noGrp="1"/>
+          </p:cNvSpPr>
+          <p:nvPr>
+            <p:ph type="title"/>
+          </p:nvPr>
+        </p:nvSpPr>
+        <p:spPr/>
+        <p:txBody>
+          <a:bodyPr/>
+          <a:lstStyle/>
+          <a:p>
+            <a:r>
+              <a:rPr lang="en-US" dirty="0"/>
+              <a:t>Animation:: All cases</a:t>
+            </a:r>
+            <a:endParaRPr lang="en-SG" dirty="0"/>
+          </a:p>
+        </p:txBody>
+      </p:sp>
+      <p:sp>
+        <p:nvSpPr>
+          <p:cNvPr id="3" name="Content Placeholder 2"/>
+          <p:cNvSpPr>
+            <a:spLocks noGrp="1"/>
+          </p:cNvSpPr>
+          <p:nvPr>
+            <p:ph idx="1"/>
+          </p:nvPr>
+        </p:nvSpPr>
+        <p:spPr/>
+        <p:txBody>
+          <a:bodyPr/>
+          <a:lstStyle/>
+          <a:p>
+            <a:endParaRPr lang="en-SG" dirty="0"/>
+          </a:p>
+        </p:txBody>
+      </p:sp>
+    </p:spTree>
+    <p:extLst>
+      <p:ext uri="{BB962C8B-B14F-4D97-AF65-F5344CB8AC3E}">
+        <p14:creationId xmlns:p14="http://schemas.microsoft.com/office/powerpoint/2010/main" val="3355333396"/>
+      </p:ext>
+    </p:extLst>
+  </p:cSld>
+  <p:clrMapOvr>
+    <a:masterClrMapping/>
+  </p:clrMapOvr>
+</p:sld>
+</file>
+
+<file path=ppt/slides/slide8.xml><?xml version="1.0" encoding="utf-8"?>
+<p:sld xmlns:a="http://schemas.openxmlformats.org/drawingml/2006/main" xmlns:r="http://schemas.openxmlformats.org/officeDocument/2006/relationships" xmlns:p="http://schemas.openxmlformats.org/presentationml/2006/main">
+  <p:cSld name="PPTL_LiveCodingTransitionSlide202012201433055236">
+    <p:spTree>
+      <p:nvGrpSpPr>
+        <p:cNvPr id="1" name=""/>
+        <p:cNvGrpSpPr/>
+        <p:nvPr/>
+      </p:nvGrpSpPr>
+      <p:grpSpPr>
+        <a:xfrm>
+          <a:off x="0" y="0"/>
+          <a:ext cx="0" cy="0"/>
+          <a:chOff x="0" y="0"/>
+          <a:chExt cx="0" cy="0"/>
+        </a:xfrm>
+      </p:grpSpPr>
+      <p:sp>
+        <p:nvSpPr>
+          <p:cNvPr id="5" name="PPTL_4_CodeBox">
+            <a:extLst>
+              <a:ext uri="{FF2B5EF4-FFF2-40B4-BE49-F238E27FC236}">
+                <a16:creationId xmlns:a16="http://schemas.microsoft.com/office/drawing/2014/main" id="{0EF9A2BD-A08E-43FD-90AB-FFF38C9F5B06}"/>
+              </a:ext>
+            </a:extLst>
+          </p:cNvPr>
+          <p:cNvSpPr txBox="1"/>
+          <p:nvPr/>
+        </p:nvSpPr>
+        <p:spPr>
+          <a:xfrm>
+            <a:off x="2159000" y="1270000"/>
+            <a:ext cx="8890000" cy="3175000"/>
+          </a:xfrm>
+          <a:prstGeom prst="rect">
+            <a:avLst/>
+          </a:prstGeom>
+          <a:noFill/>
+        </p:spPr>
+        <p:txBody>
+          <a:bodyPr vert="horz" wrap="square" rtlCol="0">
+            <a:spAutoFit/>
+          </a:bodyPr>
+          <a:lstStyle/>
+          <a:p>
+            <a:r>
+              <a:rPr lang="en-SG">
+                <a:solidFill>
+                  <a:srgbClr val="000000"/>
+                </a:solidFill>
+                <a:latin typeface="Consolas" panose="020B0609020204030204" pitchFamily="49" charset="0"/>
+              </a:rPr>
+              <a:t>y -= 1;</a:t>
+            </a:r>
+          </a:p>
+          <a:p>
+            <a:r>
+              <a:rPr lang="en-SG">
+                <a:solidFill>
+                  <a:srgbClr val="0000FF"/>
+                </a:solidFill>
+                <a:latin typeface="Consolas" panose="020B0609020204030204" pitchFamily="49" charset="0"/>
+              </a:rPr>
+              <a:t>if</a:t>
+            </a:r>
+            <a:r>
+              <a:rPr lang="en-SG">
+                <a:solidFill>
+                  <a:srgbClr val="000000"/>
+                </a:solidFill>
+                <a:latin typeface="Consolas" panose="020B0609020204030204" pitchFamily="49" charset="0"/>
+              </a:rPr>
+              <a:t> (!animateDiff) {</a:t>
+            </a:r>
+          </a:p>
+          <a:p>
+            <a:r>
+              <a:rPr lang="en-SG">
+                <a:solidFill>
+                  <a:srgbClr val="000000"/>
+                </a:solidFill>
+                <a:latin typeface="Consolas" panose="020B0609020204030204" pitchFamily="49" charset="0"/>
+              </a:rPr>
+              <a:t>    someFunction(someNewParam);</a:t>
+            </a:r>
+          </a:p>
+          <a:p>
+            <a:r>
+              <a:rPr lang="en-SG">
+                <a:solidFill>
+                  <a:srgbClr val="000000"/>
+                </a:solidFill>
+                <a:latin typeface="Consolas" panose="020B0609020204030204" pitchFamily="49" charset="0"/>
+              </a:rPr>
+              <a:t>    anotherFunction(y);</a:t>
+            </a:r>
+          </a:p>
+          <a:p>
+            <a:r>
+              <a:rPr lang="en-SG">
+                <a:solidFill>
+                  <a:srgbClr val="000000"/>
+                </a:solidFill>
+                <a:latin typeface="Consolas" panose="020B0609020204030204" pitchFamily="49" charset="0"/>
+              </a:rPr>
+              <a:t>    x -= 1;</a:t>
+            </a:r>
+          </a:p>
+          <a:p>
+            <a:r>
+              <a:rPr lang="en-SG">
+                <a:solidFill>
+                  <a:srgbClr val="000000"/>
+                </a:solidFill>
+                <a:latin typeface="Consolas" panose="020B0609020204030204" pitchFamily="49" charset="0"/>
+              </a:rPr>
+              <a:t>}</a:t>
+            </a:r>
+          </a:p>
+          <a:p>
+            <a:endParaRPr lang="en-SG">
+              <a:solidFill>
+                <a:srgbClr val="000000"/>
+              </a:solidFill>
+              <a:latin typeface="Consolas" panose="020B0609020204030204" pitchFamily="49" charset="0"/>
+            </a:endParaRPr>
+          </a:p>
+          <a:p>
+            <a:r>
+              <a:rPr lang="en-SG">
+                <a:solidFill>
+                  <a:srgbClr val="0000FF"/>
+                </a:solidFill>
+                <a:latin typeface="Consolas" panose="020B0609020204030204" pitchFamily="49" charset="0"/>
+              </a:rPr>
+              <a:t>while</a:t>
+            </a:r>
+            <a:r>
+              <a:rPr lang="en-SG">
+                <a:solidFill>
+                  <a:srgbClr val="000000"/>
+                </a:solidFill>
+                <a:latin typeface="Consolas" panose="020B0609020204030204" pitchFamily="49" charset="0"/>
+              </a:rPr>
+              <a:t> (someCondition) {</a:t>
+            </a:r>
+          </a:p>
+          <a:p>
+            <a:r>
+              <a:rPr lang="en-SG">
+                <a:solidFill>
+                  <a:srgbClr val="000000"/>
+                </a:solidFill>
+                <a:latin typeface="Consolas" panose="020B0609020204030204" pitchFamily="49" charset="0"/>
+              </a:rPr>
+              <a:t>    someLogic++;</a:t>
+            </a:r>
+          </a:p>
+          <a:p>
+            <a:r>
+              <a:rPr lang="en-SG">
+                <a:solidFill>
+                  <a:srgbClr val="000000"/>
+                </a:solidFill>
+                <a:latin typeface="Consolas" panose="020B0609020204030204" pitchFamily="49" charset="0"/>
+              </a:rPr>
+              <a:t>}</a:t>
+            </a:r>
+          </a:p>
+          <a:p>
+            <a:r>
+              <a:rPr lang="en-SG">
+                <a:solidFill>
+                  <a:srgbClr val="000000"/>
+                </a:solidFill>
+                <a:latin typeface="Consolas" panose="020B0609020204030204" pitchFamily="49" charset="0"/>
+              </a:rPr>
+              <a:t>...</a:t>
+            </a:r>
+          </a:p>
+          <a:p>
+            <a:endParaRPr lang="en-SG">
+              <a:solidFill>
+                <a:srgbClr val="000000"/>
+              </a:solidFill>
+              <a:latin typeface="Consolas" panose="020B0609020204030204" pitchFamily="49" charset="0"/>
+            </a:endParaRPr>
+          </a:p>
+        </p:txBody>
+      </p:sp>
+      <p:sp>
+        <p:nvSpPr>
+          <p:cNvPr id="4" name="PPTL_1_CodeBox">
+            <a:extLst>
+              <a:ext uri="{FF2B5EF4-FFF2-40B4-BE49-F238E27FC236}">
+                <a16:creationId xmlns:a16="http://schemas.microsoft.com/office/drawing/2014/main" id="{40A1E435-946B-422D-A3FB-3BB124B8BB2B}"/>
+              </a:ext>
+            </a:extLst>
+          </p:cNvPr>
+          <p:cNvSpPr txBox="1"/>
+          <p:nvPr/>
+        </p:nvSpPr>
+        <p:spPr>
+          <a:xfrm>
+            <a:off x="2159000" y="1270000"/>
+            <a:ext cx="8890000" cy="3175000"/>
+          </a:xfrm>
+          <a:prstGeom prst="rect">
+            <a:avLst/>
+          </a:prstGeom>
+          <a:noFill/>
+        </p:spPr>
+        <p:txBody>
+          <a:bodyPr vert="horz" wrap="square" rtlCol="0">
+            <a:spAutoFit/>
+          </a:bodyPr>
+          <a:lstStyle/>
+          <a:p>
+            <a:r>
+              <a:rPr lang="en-US">
+                <a:solidFill>
+                  <a:srgbClr val="0000FF"/>
+                </a:solidFill>
+                <a:latin typeface="Consolas" panose="020B0609020204030204" pitchFamily="49" charset="0"/>
+              </a:rPr>
+              <a:t>if</a:t>
+            </a:r>
+            <a:r>
+              <a:rPr lang="en-US">
+                <a:solidFill>
+                  <a:srgbClr val="000000"/>
+                </a:solidFill>
+                <a:latin typeface="Consolas" panose="020B0609020204030204" pitchFamily="49" charset="0"/>
+              </a:rPr>
+              <a:t> (animateDiff) {</a:t>
+            </a:r>
+          </a:p>
+          <a:p>
+            <a:r>
+              <a:rPr lang="en-US">
+                <a:solidFill>
+                  <a:srgbClr val="000000"/>
+                </a:solidFill>
+                <a:latin typeface="Consolas" panose="020B0609020204030204" pitchFamily="49" charset="0"/>
+              </a:rPr>
+              <a:t>    myFunction(x);</a:t>
+            </a:r>
+          </a:p>
+          <a:p>
+            <a:r>
+              <a:rPr lang="en-US">
+                <a:solidFill>
+                  <a:srgbClr val="000000"/>
+                </a:solidFill>
+                <a:latin typeface="Consolas" panose="020B0609020204030204" pitchFamily="49" charset="0"/>
+              </a:rPr>
+              <a:t>    anotherFunction(y);</a:t>
+            </a:r>
+          </a:p>
+          <a:p>
+            <a:r>
+              <a:rPr lang="en-US">
+                <a:solidFill>
+                  <a:srgbClr val="000000"/>
+                </a:solidFill>
+                <a:latin typeface="Consolas" panose="020B0609020204030204" pitchFamily="49" charset="0"/>
+              </a:rPr>
+              <a:t>    x += 1;</a:t>
+            </a:r>
+          </a:p>
+          <a:p>
+            <a:endParaRPr lang="en-US">
+              <a:solidFill>
+                <a:srgbClr val="000000"/>
+              </a:solidFill>
+              <a:latin typeface="Consolas" panose="020B0609020204030204" pitchFamily="49" charset="0"/>
+            </a:endParaRPr>
+          </a:p>
+          <a:p>
+            <a:r>
+              <a:rPr lang="en-US">
+                <a:solidFill>
+                  <a:srgbClr val="0000FF"/>
+                </a:solidFill>
+                <a:latin typeface="Consolas" panose="020B0609020204030204" pitchFamily="49" charset="0"/>
+              </a:rPr>
+              <a:t>while</a:t>
+            </a:r>
+            <a:r>
+              <a:rPr lang="en-US">
+                <a:solidFill>
+                  <a:srgbClr val="000000"/>
+                </a:solidFill>
+                <a:latin typeface="Consolas" panose="020B0609020204030204" pitchFamily="49" charset="0"/>
+              </a:rPr>
+              <a:t> (someCondition) {</a:t>
+            </a:r>
+          </a:p>
+          <a:p>
+            <a:r>
+              <a:rPr lang="en-US">
+                <a:solidFill>
+                  <a:srgbClr val="000000"/>
+                </a:solidFill>
+                <a:latin typeface="Consolas" panose="020B0609020204030204" pitchFamily="49" charset="0"/>
+              </a:rPr>
+              <a:t>    someLogic++;</a:t>
+            </a:r>
+          </a:p>
+          <a:p>
+            <a:r>
+              <a:rPr lang="en-US">
+                <a:solidFill>
+                  <a:srgbClr val="000000"/>
+                </a:solidFill>
+                <a:latin typeface="Consolas" panose="020B0609020204030204" pitchFamily="49" charset="0"/>
+              </a:rPr>
+              <a:t>}</a:t>
+            </a:r>
+          </a:p>
+          <a:p>
+            <a:r>
+              <a:rPr lang="en-US">
+                <a:solidFill>
+                  <a:srgbClr val="000000"/>
+                </a:solidFill>
+                <a:latin typeface="Consolas" panose="020B0609020204030204" pitchFamily="49" charset="0"/>
+              </a:rPr>
+              <a:t>z+=1;</a:t>
+            </a:r>
+          </a:p>
+          <a:p>
+            <a:r>
+              <a:rPr lang="en-US">
+                <a:solidFill>
+                  <a:srgbClr val="000000"/>
+                </a:solidFill>
+                <a:latin typeface="Consolas" panose="020B0609020204030204" pitchFamily="49" charset="0"/>
+              </a:rPr>
+              <a:t>...</a:t>
+            </a:r>
+          </a:p>
+          <a:p>
+            <a:endParaRPr lang="en-SG">
+              <a:solidFill>
+                <a:srgbClr val="000000"/>
+              </a:solidFill>
+              <a:latin typeface="Consolas" panose="020B0609020204030204" pitchFamily="49" charset="0"/>
+            </a:endParaRPr>
+          </a:p>
+        </p:txBody>
+      </p:sp>
+      <p:pic>
+        <p:nvPicPr>
+          <p:cNvPr id="3" name="PPTIndicator202012201433055337">
+            <a:extLst>
+              <a:ext uri="{FF2B5EF4-FFF2-40B4-BE49-F238E27FC236}">
+                <a16:creationId xmlns:a16="http://schemas.microsoft.com/office/drawing/2014/main" id="{E239EAD9-72ED-46B0-AFDD-C5B3C7560089}"/>
+              </a:ext>
+            </a:extLst>
+          </p:cNvPr>
+          <p:cNvPicPr>
+            <a:picLocks/>
+          </p:cNvPicPr>
+          <p:nvPr/>
+        </p:nvPicPr>
+        <p:blipFill>
+          <a:blip r:embed="rId2" cstate="print">
+            <a:extLst>
+              <a:ext uri="{28A0092B-C50C-407E-A947-70E740481C1C}">
+                <a14:useLocalDpi xmlns:a14="http://schemas.microsoft.com/office/drawing/2010/main" val="0"/>
+              </a:ext>
+            </a:extLst>
+          </a:blip>
+          <a:stretch>
+            <a:fillRect/>
+          </a:stretch>
+        </p:blipFill>
+        <p:spPr>
+          <a:xfrm>
+            <a:off x="10668000" y="0"/>
+            <a:ext cx="1524000" cy="1066800"/>
+          </a:xfrm>
+          <a:prstGeom prst="rect">
+            <a:avLst/>
+          </a:prstGeom>
+        </p:spPr>
+      </p:pic>
+    </p:spTree>
+    <p:extLst>
+      <p:ext uri="{BB962C8B-B14F-4D97-AF65-F5344CB8AC3E}">
+        <p14:creationId xmlns:p14="http://schemas.microsoft.com/office/powerpoint/2010/main" val="624949263"/>
+      </p:ext>
+    </p:extLst>
+  </p:cSld>
+  <p:clrMapOvr>
+    <a:masterClrMapping/>
+  </p:clrMapOvr>
+  <p:timing>
+    <p:tnLst>
+      <p:par>
+        <p:cTn id="1" dur="indefinite" restart="never" nodeType="tmRoot">
+          <p:childTnLst>
+            <p:seq concurrent="1" nextAc="seek">
+              <p:cTn id="2" dur="indefinite" nodeType="mainSeq">
+                <p:childTnLst>
+                  <p:par>
+                    <p:cTn id="3" fill="hold">
+                      <p:stCondLst>
+                        <p:cond delay="indefinite"/>
+                        <p:cond evt="onBegin" delay="0">
+                          <p:tn val="2"/>
+                        </p:cond>
+                      </p:stCondLst>
+                      <p:childTnLst>
+                        <p:par>
+                          <p:cTn id="4" fill="hold">
+                            <p:stCondLst>
+                              <p:cond delay="0"/>
+                            </p:stCondLst>
+                            <p:childTnLst>
+                              <p:par>
+                                <p:cTn id="5" presetID="1" presetClass="entr" presetSubtype="0" fill="hold" nodeType="withEffect">
+                                  <p:stCondLst>
+                                    <p:cond delay="0"/>
+                                  </p:stCondLst>
+                                  <p:childTnLst>
+                                    <p:set>
+                                      <p:cBhvr>
+                                        <p:cTn id="6" dur="1" fill="hold">
+                                          <p:stCondLst>
+                                            <p:cond delay="0"/>
+                                          </p:stCondLst>
+                                        </p:cTn>
+                                        <p:tgtEl>
+                                          <p:spTgt spid="3"/>
+                                        </p:tgtEl>
+                                        <p:attrNameLst>
+                                          <p:attrName>style.visibility</p:attrName>
+                                        </p:attrNameLst>
+                                      </p:cBhvr>
+                                      <p:to>
+                                        <p:strVal val="visible"/>
+                                      </p:to>
+                                    </p:set>
+                                  </p:childTnLst>
+                                </p:cTn>
+                              </p:par>
+                              <p:par>
+                                <p:cTn id="7" presetID="1" presetClass="exit" presetSubtype="0" fill="hold" nodeType="withEffect">
+                                  <p:stCondLst>
+                                    <p:cond delay="0"/>
+                                  </p:stCondLst>
+                                  <p:childTnLst>
+                                    <p:set>
+                                      <p:cBhvr>
+                                        <p:cTn id="8" dur="1" fill="hold">
+                                          <p:stCondLst>
+                                            <p:cond delay="0"/>
+                                          </p:stCondLst>
+                                        </p:cTn>
+                                        <p:tgtEl>
+                                          <p:spTgt spid="3"/>
+                                        </p:tgtEl>
+                                        <p:attrNameLst>
+                                          <p:attrName>style.visibility</p:attrName>
+                                        </p:attrNameLst>
+                                      </p:cBhvr>
+                                      <p:to>
+                                        <p:strVal val="hidden"/>
+                                      </p:to>
+                                    </p:set>
+                                  </p:childTnLst>
+                                </p:cTn>
+                              </p:par>
+                              <p:par>
+                                <p:cTn id="9" presetID="10" presetClass="exit" presetSubtype="0" fill="hold" grpId="0" nodeType="withEffect">
+                                  <p:stCondLst>
+                                    <p:cond delay="0"/>
+                                  </p:stCondLst>
+                                  <p:childTnLst>
+                                    <p:animEffect transition="out" filter="fade">
+                                      <p:cBhvr>
+                                        <p:cTn id="10" dur="1"/>
+                                        <p:tgtEl>
+                                          <p:spTgt spid="5">
+                                            <p:txEl>
+                                              <p:pRg st="0" end="0"/>
+                                            </p:txEl>
+                                          </p:spTgt>
+                                        </p:tgtEl>
+                                      </p:cBhvr>
+                                    </p:animEffect>
+                                    <p:set>
+                                      <p:cBhvr>
+                                        <p:cTn id="11" dur="1" fill="hold">
+                                          <p:stCondLst>
+                                            <p:cond delay="0"/>
+                                          </p:stCondLst>
+                                        </p:cTn>
+                                        <p:tgtEl>
+                                          <p:spTgt spid="5">
+                                            <p:txEl>
+                                              <p:pRg st="0" end="0"/>
+                                            </p:txEl>
+                                          </p:spTgt>
+                                        </p:tgtEl>
+                                        <p:attrNameLst>
+                                          <p:attrName>style.visibility</p:attrName>
+                                        </p:attrNameLst>
+                                      </p:cBhvr>
+                                      <p:to>
+                                        <p:strVal val="hidden"/>
+                                      </p:to>
+                                    </p:set>
+                                  </p:childTnLst>
+                                </p:cTn>
+                              </p:par>
+                              <p:par>
+                                <p:cTn id="12" presetID="10" presetClass="exit" presetSubtype="0" fill="hold" grpId="0" nodeType="withEffect">
+                                  <p:stCondLst>
+                                    <p:cond delay="0"/>
+                                  </p:stCondLst>
+                                  <p:childTnLst>
+                                    <p:animEffect transition="out" filter="fade">
+                                      <p:cBhvr>
+                                        <p:cTn id="13" dur="1"/>
+                                        <p:tgtEl>
+                                          <p:spTgt spid="5">
+                                            <p:txEl>
+                                              <p:pRg st="1" end="1"/>
+                                            </p:txEl>
+                                          </p:spTgt>
+                                        </p:tgtEl>
+                                      </p:cBhvr>
+                                    </p:animEffect>
+                                    <p:set>
+                                      <p:cBhvr>
+                                        <p:cTn id="14" dur="1" fill="hold">
+                                          <p:stCondLst>
+                                            <p:cond delay="0"/>
+                                          </p:stCondLst>
+                                        </p:cTn>
+                                        <p:tgtEl>
+                                          <p:spTgt spid="5">
+                                            <p:txEl>
+                                              <p:pRg st="1" end="1"/>
+                                            </p:txEl>
+                                          </p:spTgt>
+                                        </p:tgtEl>
+                                        <p:attrNameLst>
+                                          <p:attrName>style.visibility</p:attrName>
+                                        </p:attrNameLst>
+                                      </p:cBhvr>
+                                      <p:to>
+                                        <p:strVal val="hidden"/>
+                                      </p:to>
+                                    </p:set>
+                                  </p:childTnLst>
+                                </p:cTn>
+                              </p:par>
+                              <p:par>
+                                <p:cTn id="15" presetID="10" presetClass="exit" presetSubtype="0" fill="hold" grpId="0" nodeType="withEffect">
+                                  <p:stCondLst>
+                                    <p:cond delay="0"/>
+                                  </p:stCondLst>
+                                  <p:childTnLst>
+                                    <p:animEffect transition="out" filter="fade">
+                                      <p:cBhvr>
+                                        <p:cTn id="16" dur="1"/>
+                                        <p:tgtEl>
+                                          <p:spTgt spid="5">
+                                            <p:txEl>
+                                              <p:pRg st="2" end="2"/>
+                                            </p:txEl>
+                                          </p:spTgt>
+                                        </p:tgtEl>
+                                      </p:cBhvr>
+                                    </p:animEffect>
+                                    <p:set>
+                                      <p:cBhvr>
+                                        <p:cTn id="17" dur="1" fill="hold">
+                                          <p:stCondLst>
+                                            <p:cond delay="0"/>
+                                          </p:stCondLst>
+                                        </p:cTn>
+                                        <p:tgtEl>
+                                          <p:spTgt spid="5">
+                                            <p:txEl>
+                                              <p:pRg st="2" end="2"/>
+                                            </p:txEl>
+                                          </p:spTgt>
+                                        </p:tgtEl>
+                                        <p:attrNameLst>
+                                          <p:attrName>style.visibility</p:attrName>
+                                        </p:attrNameLst>
+                                      </p:cBhvr>
+                                      <p:to>
+                                        <p:strVal val="hidden"/>
+                                      </p:to>
+                                    </p:set>
+                                  </p:childTnLst>
+                                </p:cTn>
+                              </p:par>
+                              <p:par>
+                                <p:cTn id="18" presetID="10" presetClass="exit" presetSubtype="0" fill="hold" grpId="0" nodeType="withEffect">
+                                  <p:stCondLst>
+                                    <p:cond delay="0"/>
+                                  </p:stCondLst>
+                                  <p:childTnLst>
+                                    <p:animEffect transition="out" filter="fade">
+                                      <p:cBhvr>
+                                        <p:cTn id="19" dur="1"/>
+                                        <p:tgtEl>
+                                          <p:spTgt spid="5">
+                                            <p:txEl>
+                                              <p:pRg st="3" end="3"/>
+                                            </p:txEl>
+                                          </p:spTgt>
+                                        </p:tgtEl>
+                                      </p:cBhvr>
+                                    </p:animEffect>
+                                    <p:set>
+                                      <p:cBhvr>
+                                        <p:cTn id="20" dur="1" fill="hold">
+                                          <p:stCondLst>
+                                            <p:cond delay="0"/>
+                                          </p:stCondLst>
+                                        </p:cTn>
+                                        <p:tgtEl>
+                                          <p:spTgt spid="5">
+                                            <p:txEl>
+                                              <p:pRg st="3" end="3"/>
+                                            </p:txEl>
+                                          </p:spTgt>
+                                        </p:tgtEl>
+                                        <p:attrNameLst>
+                                          <p:attrName>style.visibility</p:attrName>
+                                        </p:attrNameLst>
+                                      </p:cBhvr>
+                                      <p:to>
+                                        <p:strVal val="hidden"/>
+                                      </p:to>
+                                    </p:set>
+                                  </p:childTnLst>
+                                </p:cTn>
+                              </p:par>
+                              <p:par>
+                                <p:cTn id="21" presetID="10" presetClass="exit" presetSubtype="0" fill="hold" grpId="0" nodeType="withEffect">
+                                  <p:stCondLst>
+                                    <p:cond delay="0"/>
+                                  </p:stCondLst>
+                                  <p:childTnLst>
+                                    <p:animEffect transition="out" filter="fade">
+                                      <p:cBhvr>
+                                        <p:cTn id="22" dur="1"/>
+                                        <p:tgtEl>
+                                          <p:spTgt spid="5">
+                                            <p:txEl>
+                                              <p:pRg st="4" end="4"/>
+                                            </p:txEl>
+                                          </p:spTgt>
+                                        </p:tgtEl>
+                                      </p:cBhvr>
+                                    </p:animEffect>
+                                    <p:set>
+                                      <p:cBhvr>
+                                        <p:cTn id="23" dur="1" fill="hold">
+                                          <p:stCondLst>
+                                            <p:cond delay="0"/>
+                                          </p:stCondLst>
+                                        </p:cTn>
+                                        <p:tgtEl>
+                                          <p:spTgt spid="5">
+                                            <p:txEl>
+                                              <p:pRg st="4" end="4"/>
+                                            </p:txEl>
+                                          </p:spTgt>
+                                        </p:tgtEl>
+                                        <p:attrNameLst>
+                                          <p:attrName>style.visibility</p:attrName>
+                                        </p:attrNameLst>
+                                      </p:cBhvr>
+                                      <p:to>
+                                        <p:strVal val="hidden"/>
+                                      </p:to>
+                                    </p:set>
+                                  </p:childTnLst>
+                                </p:cTn>
+                              </p:par>
+                              <p:par>
+                                <p:cTn id="24" presetID="10" presetClass="exit" presetSubtype="0" fill="hold" grpId="0" nodeType="withEffect">
+                                  <p:stCondLst>
+                                    <p:cond delay="0"/>
+                                  </p:stCondLst>
+                                  <p:childTnLst>
+                                    <p:animEffect transition="out" filter="fade">
+                                      <p:cBhvr>
+                                        <p:cTn id="25" dur="1"/>
+                                        <p:tgtEl>
+                                          <p:spTgt spid="5">
+                                            <p:txEl>
+                                              <p:pRg st="5" end="5"/>
+                                            </p:txEl>
+                                          </p:spTgt>
+                                        </p:tgtEl>
+                                      </p:cBhvr>
+                                    </p:animEffect>
+                                    <p:set>
+                                      <p:cBhvr>
+                                        <p:cTn id="26" dur="1" fill="hold">
+                                          <p:stCondLst>
+                                            <p:cond delay="0"/>
+                                          </p:stCondLst>
+                                        </p:cTn>
+                                        <p:tgtEl>
+                                          <p:spTgt spid="5">
+                                            <p:txEl>
+                                              <p:pRg st="5" end="5"/>
+                                            </p:txEl>
+                                          </p:spTgt>
+                                        </p:tgtEl>
+                                        <p:attrNameLst>
+                                          <p:attrName>style.visibility</p:attrName>
+                                        </p:attrNameLst>
+                                      </p:cBhvr>
+                                      <p:to>
+                                        <p:strVal val="hidden"/>
+                                      </p:to>
+                                    </p:set>
+                                  </p:childTnLst>
+                                </p:cTn>
+                              </p:par>
+                              <p:par>
+                                <p:cTn id="27" presetID="10" presetClass="exit" presetSubtype="0" fill="hold" grpId="0" nodeType="withEffect">
+                                  <p:stCondLst>
+                                    <p:cond delay="0"/>
+                                  </p:stCondLst>
+                                  <p:childTnLst>
+                                    <p:animEffect transition="out" filter="fade">
+                                      <p:cBhvr>
+                                        <p:cTn id="28" dur="1"/>
+                                        <p:tgtEl>
+                                          <p:spTgt spid="5">
+                                            <p:txEl>
+                                              <p:pRg st="7" end="7"/>
+                                            </p:txEl>
+                                          </p:spTgt>
+                                        </p:tgtEl>
+                                      </p:cBhvr>
+                                    </p:animEffect>
+                                    <p:set>
+                                      <p:cBhvr>
+                                        <p:cTn id="29" dur="1" fill="hold">
+                                          <p:stCondLst>
+                                            <p:cond delay="0"/>
+                                          </p:stCondLst>
+                                        </p:cTn>
+                                        <p:tgtEl>
+                                          <p:spTgt spid="5">
+                                            <p:txEl>
+                                              <p:pRg st="7" end="7"/>
+                                            </p:txEl>
+                                          </p:spTgt>
+                                        </p:tgtEl>
+                                        <p:attrNameLst>
+                                          <p:attrName>style.visibility</p:attrName>
+                                        </p:attrNameLst>
+                                      </p:cBhvr>
+                                      <p:to>
+                                        <p:strVal val="hidden"/>
+                                      </p:to>
+                                    </p:set>
+                                  </p:childTnLst>
+                                </p:cTn>
+                              </p:par>
+                              <p:par>
+                                <p:cTn id="30" presetID="10" presetClass="exit" presetSubtype="0" fill="hold" grpId="0" nodeType="withEffect">
+                                  <p:stCondLst>
+                                    <p:cond delay="0"/>
+                                  </p:stCondLst>
+                                  <p:childTnLst>
+                                    <p:animEffect transition="out" filter="fade">
+                                      <p:cBhvr>
+                                        <p:cTn id="31" dur="1"/>
+                                        <p:tgtEl>
+                                          <p:spTgt spid="5">
+                                            <p:txEl>
+                                              <p:pRg st="8" end="8"/>
+                                            </p:txEl>
+                                          </p:spTgt>
+                                        </p:tgtEl>
+                                      </p:cBhvr>
+                                    </p:animEffect>
+                                    <p:set>
+                                      <p:cBhvr>
+                                        <p:cTn id="32" dur="1" fill="hold">
+                                          <p:stCondLst>
+                                            <p:cond delay="0"/>
+                                          </p:stCondLst>
+                                        </p:cTn>
+                                        <p:tgtEl>
+                                          <p:spTgt spid="5">
+                                            <p:txEl>
+                                              <p:pRg st="8" end="8"/>
+                                            </p:txEl>
+                                          </p:spTgt>
+                                        </p:tgtEl>
+                                        <p:attrNameLst>
+                                          <p:attrName>style.visibility</p:attrName>
+                                        </p:attrNameLst>
+                                      </p:cBhvr>
+                                      <p:to>
+                                        <p:strVal val="hidden"/>
+                                      </p:to>
+                                    </p:set>
+                                  </p:childTnLst>
+                                </p:cTn>
+                              </p:par>
+                              <p:par>
+                                <p:cTn id="33" presetID="10" presetClass="exit" presetSubtype="0" fill="hold" grpId="0" nodeType="withEffect">
+                                  <p:stCondLst>
+                                    <p:cond delay="0"/>
+                                  </p:stCondLst>
+                                  <p:childTnLst>
+                                    <p:animEffect transition="out" filter="fade">
+                                      <p:cBhvr>
+                                        <p:cTn id="34" dur="1"/>
+                                        <p:tgtEl>
+                                          <p:spTgt spid="5">
+                                            <p:txEl>
+                                              <p:pRg st="9" end="9"/>
+                                            </p:txEl>
+                                          </p:spTgt>
+                                        </p:tgtEl>
+                                      </p:cBhvr>
+                                    </p:animEffect>
+                                    <p:set>
+                                      <p:cBhvr>
+                                        <p:cTn id="35" dur="1" fill="hold">
+                                          <p:stCondLst>
+                                            <p:cond delay="0"/>
+                                          </p:stCondLst>
+                                        </p:cTn>
+                                        <p:tgtEl>
+                                          <p:spTgt spid="5">
+                                            <p:txEl>
+                                              <p:pRg st="9" end="9"/>
+                                            </p:txEl>
+                                          </p:spTgt>
+                                        </p:tgtEl>
+                                        <p:attrNameLst>
+                                          <p:attrName>style.visibility</p:attrName>
+                                        </p:attrNameLst>
+                                      </p:cBhvr>
+                                      <p:to>
+                                        <p:strVal val="hidden"/>
+                                      </p:to>
+                                    </p:set>
+                                  </p:childTnLst>
+                                </p:cTn>
+                              </p:par>
+                              <p:par>
+                                <p:cTn id="36" presetID="10" presetClass="exit" presetSubtype="0" fill="hold" grpId="0" nodeType="withEffect">
+                                  <p:stCondLst>
+                                    <p:cond delay="0"/>
+                                  </p:stCondLst>
+                                  <p:childTnLst>
+                                    <p:animEffect transition="out" filter="fade">
+                                      <p:cBhvr>
+                                        <p:cTn id="37" dur="1"/>
+                                        <p:tgtEl>
+                                          <p:spTgt spid="5">
+                                            <p:txEl>
+                                              <p:pRg st="10" end="10"/>
+                                            </p:txEl>
+                                          </p:spTgt>
+                                        </p:tgtEl>
+                                      </p:cBhvr>
+                                    </p:animEffect>
+                                    <p:set>
+                                      <p:cBhvr>
+                                        <p:cTn id="38" dur="1" fill="hold">
+                                          <p:stCondLst>
+                                            <p:cond delay="0"/>
+                                          </p:stCondLst>
+                                        </p:cTn>
+                                        <p:tgtEl>
+                                          <p:spTgt spid="5">
+                                            <p:txEl>
+                                              <p:pRg st="10" end="10"/>
+                                            </p:txEl>
+                                          </p:spTgt>
+                                        </p:tgtEl>
+                                        <p:attrNameLst>
+                                          <p:attrName>style.visibility</p:attrName>
+                                        </p:attrNameLst>
+                                      </p:cBhvr>
+                                      <p:to>
+                                        <p:strVal val="hidden"/>
+                                      </p:to>
+                                    </p:set>
+                                  </p:childTnLst>
+                                </p:cTn>
+                              </p:par>
+                            </p:childTnLst>
+                          </p:cTn>
+                        </p:par>
+                      </p:childTnLst>
+                    </p:cTn>
+                  </p:par>
+                  <p:par>
+                    <p:cTn id="39" fill="hold">
+                      <p:stCondLst>
+                        <p:cond delay="indefinite"/>
+                      </p:stCondLst>
+                      <p:childTnLst>
+                        <p:par>
+                          <p:cTn id="40" fill="hold">
+                            <p:stCondLst>
+                              <p:cond delay="0"/>
+                            </p:stCondLst>
+                            <p:childTnLst>
+                              <p:par>
+                                <p:cTn id="41" presetID="42" presetClass="path" presetSubtype="0" accel="50000" decel="50000" fill="hold" grpId="0" nodeType="clickEffect">
+                                  <p:stCondLst>
+                                    <p:cond delay="0"/>
+                                  </p:stCondLst>
+                                  <p:childTnLst>
+                                    <p:animMotion origin="layout" path="M 0 0 L 0 0.25 E" pathEditMode="relative" ptsTypes="">
+                                      <p:cBhvr>
+                                        <p:cTn id="42" dur="500" fill="hold"/>
+                                        <p:tgtEl>
+                                          <p:spTgt spid="4">
+                                            <p:txEl>
+                                              <p:pRg st="0" end="0"/>
+                                            </p:txEl>
+                                          </p:spTgt>
+                                        </p:tgtEl>
+                                        <p:attrNameLst>
+                                          <p:attrName>ppt_x</p:attrName>
+                                          <p:attrName>ppt_y</p:attrName>
+                                        </p:attrNameLst>
+                                      </p:cBhvr>
+                                    </p:animMotion>
+                                    <p:animMotion origin="layout" pathEditMode="relative">
+                                      <p:cBhvr from="" to="">
+                                        <p:cTn id="43" dur="500" fill="hold">
+                                          <p:stCondLst>
+                                            <p:cond delay="0"/>
+                                          </p:stCondLst>
+                                        </p:cTn>
+                                        <p:tgtEl>
+                                          <p:spTgt spid="4">
+                                            <p:txEl>
+                                              <p:pRg st="0" end="0"/>
+                                            </p:txEl>
+                                          </p:spTgt>
+                                        </p:tgtEl>
+                                        <p:attrNameLst>
+                                          <p:attrName>ppt_x</p:attrName>
+                                          <p:attrName>ppt_y</p:attrName>
+                                        </p:attrNameLst>
+                                      </p:cBhvr>
+                                      <p:from x="0" y="0"/>
+                                      <p:to x="0" y="4000"/>
+                                    </p:animMotion>
+                                  </p:childTnLst>
+                                </p:cTn>
+                              </p:par>
+                              <p:par>
+                                <p:cTn id="44" presetID="42" presetClass="path" presetSubtype="0" accel="50000" decel="50000" fill="hold" grpId="0" nodeType="withEffect">
+                                  <p:stCondLst>
+                                    <p:cond delay="0"/>
+                                  </p:stCondLst>
+                                  <p:childTnLst>
+                                    <p:animMotion origin="layout" path="M 0 0 L 0 0.25 E" pathEditMode="relative" ptsTypes="">
+                                      <p:cBhvr>
+                                        <p:cTn id="45" dur="500" fill="hold"/>
+                                        <p:tgtEl>
+                                          <p:spTgt spid="4">
+                                            <p:txEl>
+                                              <p:pRg st="1" end="1"/>
+                                            </p:txEl>
+                                          </p:spTgt>
+                                        </p:tgtEl>
+                                        <p:attrNameLst>
+                                          <p:attrName>ppt_x</p:attrName>
+                                          <p:attrName>ppt_y</p:attrName>
+                                        </p:attrNameLst>
+                                      </p:cBhvr>
+                                    </p:animMotion>
+                                    <p:animMotion origin="layout" pathEditMode="relative">
+                                      <p:cBhvr from="" to="">
+                                        <p:cTn id="46" dur="500" fill="hold">
+                                          <p:stCondLst>
+                                            <p:cond delay="0"/>
+                                          </p:stCondLst>
+                                        </p:cTn>
+                                        <p:tgtEl>
+                                          <p:spTgt spid="4">
+                                            <p:txEl>
+                                              <p:pRg st="1" end="1"/>
+                                            </p:txEl>
+                                          </p:spTgt>
+                                        </p:tgtEl>
+                                        <p:attrNameLst>
+                                          <p:attrName>ppt_x</p:attrName>
+                                          <p:attrName>ppt_y</p:attrName>
+                                        </p:attrNameLst>
+                                      </p:cBhvr>
+                                      <p:from x="0" y="0"/>
+                                      <p:to x="0" y="4000"/>
+                                    </p:animMotion>
+                                  </p:childTnLst>
+                                </p:cTn>
+                              </p:par>
+                              <p:par>
+                                <p:cTn id="47" presetID="42" presetClass="path" presetSubtype="0" accel="50000" decel="50000" fill="hold" grpId="0" nodeType="withEffect">
+                                  <p:stCondLst>
+                                    <p:cond delay="0"/>
+                                  </p:stCondLst>
+                                  <p:childTnLst>
+                                    <p:animMotion origin="layout" path="M 0 0 L 0 0.25 E" pathEditMode="relative" ptsTypes="">
+                                      <p:cBhvr>
+                                        <p:cTn id="48" dur="500" fill="hold"/>
+                                        <p:tgtEl>
+                                          <p:spTgt spid="4">
+                                            <p:txEl>
+                                              <p:pRg st="2" end="2"/>
+                                            </p:txEl>
+                                          </p:spTgt>
+                                        </p:tgtEl>
+                                        <p:attrNameLst>
+                                          <p:attrName>ppt_x</p:attrName>
+                                          <p:attrName>ppt_y</p:attrName>
+                                        </p:attrNameLst>
+                                      </p:cBhvr>
+                                    </p:animMotion>
+                                    <p:animMotion origin="layout" pathEditMode="relative">
+                                      <p:cBhvr from="" to="">
+                                        <p:cTn id="49" dur="500" fill="hold">
+                                          <p:stCondLst>
+                                            <p:cond delay="0"/>
+                                          </p:stCondLst>
+                                        </p:cTn>
+                                        <p:tgtEl>
+                                          <p:spTgt spid="4">
+                                            <p:txEl>
+                                              <p:pRg st="2" end="2"/>
+                                            </p:txEl>
+                                          </p:spTgt>
+                                        </p:tgtEl>
+                                        <p:attrNameLst>
+                                          <p:attrName>ppt_x</p:attrName>
+                                          <p:attrName>ppt_y</p:attrName>
+                                        </p:attrNameLst>
+                                      </p:cBhvr>
+                                      <p:from x="0" y="0"/>
+                                      <p:to x="0" y="4000"/>
+                                    </p:animMotion>
+                                  </p:childTnLst>
+                                </p:cTn>
+                              </p:par>
+                              <p:par>
+                                <p:cTn id="50" presetID="42" presetClass="path" presetSubtype="0" accel="50000" decel="50000" fill="hold" grpId="0" nodeType="withEffect">
+                                  <p:stCondLst>
+                                    <p:cond delay="0"/>
+                                  </p:stCondLst>
+                                  <p:childTnLst>
+                                    <p:animMotion origin="layout" path="M 0 0 L 0 0.25 E" pathEditMode="relative" ptsTypes="">
+                                      <p:cBhvr>
+                                        <p:cTn id="51" dur="500" fill="hold"/>
+                                        <p:tgtEl>
+                                          <p:spTgt spid="4">
+                                            <p:txEl>
+                                              <p:pRg st="3" end="3"/>
+                                            </p:txEl>
+                                          </p:spTgt>
+                                        </p:tgtEl>
+                                        <p:attrNameLst>
+                                          <p:attrName>ppt_x</p:attrName>
+                                          <p:attrName>ppt_y</p:attrName>
+                                        </p:attrNameLst>
+                                      </p:cBhvr>
+                                    </p:animMotion>
+                                    <p:animMotion origin="layout" pathEditMode="relative">
+                                      <p:cBhvr from="" to="">
+                                        <p:cTn id="52" dur="500" fill="hold">
+                                          <p:stCondLst>
+                                            <p:cond delay="0"/>
+                                          </p:stCondLst>
+                                        </p:cTn>
+                                        <p:tgtEl>
+                                          <p:spTgt spid="4">
+                                            <p:txEl>
+                                              <p:pRg st="3" end="3"/>
+                                            </p:txEl>
+                                          </p:spTgt>
+                                        </p:tgtEl>
+                                        <p:attrNameLst>
+                                          <p:attrName>ppt_x</p:attrName>
+                                          <p:attrName>ppt_y</p:attrName>
+                                        </p:attrNameLst>
+                                      </p:cBhvr>
+                                      <p:from x="0" y="0"/>
+                                      <p:to x="0" y="4000"/>
+                                    </p:animMotion>
+                                  </p:childTnLst>
+                                </p:cTn>
+                              </p:par>
+                              <p:par>
+                                <p:cTn id="53" presetID="42" presetClass="path" presetSubtype="0" accel="50000" decel="50000" fill="hold" grpId="0" nodeType="withEffect">
+                                  <p:stCondLst>
+                                    <p:cond delay="0"/>
+                                  </p:stCondLst>
+                                  <p:childTnLst>
+                                    <p:animMotion origin="layout" path="M 0 0 L 0 0.25 E" pathEditMode="relative" ptsTypes="">
+                                      <p:cBhvr>
+                                        <p:cTn id="54" dur="500" fill="hold"/>
+                                        <p:tgtEl>
+                                          <p:spTgt spid="4">
+                                            <p:txEl>
+                                              <p:pRg st="5" end="5"/>
+                                            </p:txEl>
+                                          </p:spTgt>
+                                        </p:tgtEl>
+                                        <p:attrNameLst>
+                                          <p:attrName>ppt_x</p:attrName>
+                                          <p:attrName>ppt_y</p:attrName>
+                                        </p:attrNameLst>
+                                      </p:cBhvr>
+                                    </p:animMotion>
+                                    <p:animMotion origin="layout" pathEditMode="relative">
+                                      <p:cBhvr from="" to="">
+                                        <p:cTn id="55" dur="500" fill="hold">
+                                          <p:stCondLst>
+                                            <p:cond delay="0"/>
+                                          </p:stCondLst>
+                                        </p:cTn>
+                                        <p:tgtEl>
+                                          <p:spTgt spid="4">
+                                            <p:txEl>
+                                              <p:pRg st="5" end="5"/>
+                                            </p:txEl>
+                                          </p:spTgt>
+                                        </p:tgtEl>
+                                        <p:attrNameLst>
+                                          <p:attrName>ppt_x</p:attrName>
+                                          <p:attrName>ppt_y</p:attrName>
+                                        </p:attrNameLst>
+                                      </p:cBhvr>
+                                      <p:from x="0" y="0"/>
+                                      <p:to x="0" y="4000"/>
+                                    </p:animMotion>
+                                  </p:childTnLst>
+                                </p:cTn>
+                              </p:par>
+                              <p:par>
+                                <p:cTn id="56" presetID="42" presetClass="path" presetSubtype="0" accel="50000" decel="50000" fill="hold" grpId="0" nodeType="withEffect">
+                                  <p:stCondLst>
+                                    <p:cond delay="0"/>
+                                  </p:stCondLst>
+                                  <p:childTnLst>
+                                    <p:animMotion origin="layout" path="M 0 0 L 0 0.25 E" pathEditMode="relative" ptsTypes="">
+                                      <p:cBhvr>
+                                        <p:cTn id="57" dur="500" fill="hold"/>
+                                        <p:tgtEl>
+                                          <p:spTgt spid="4">
+                                            <p:txEl>
+                                              <p:pRg st="6" end="6"/>
+                                            </p:txEl>
+                                          </p:spTgt>
+                                        </p:tgtEl>
+                                        <p:attrNameLst>
+                                          <p:attrName>ppt_x</p:attrName>
+                                          <p:attrName>ppt_y</p:attrName>
+                                        </p:attrNameLst>
+                                      </p:cBhvr>
+                                    </p:animMotion>
+                                    <p:animMotion origin="layout" pathEditMode="relative">
+                                      <p:cBhvr from="" to="">
+                                        <p:cTn id="58" dur="500" fill="hold">
+                                          <p:stCondLst>
+                                            <p:cond delay="0"/>
+                                          </p:stCondLst>
+                                        </p:cTn>
+                                        <p:tgtEl>
+                                          <p:spTgt spid="4">
+                                            <p:txEl>
+                                              <p:pRg st="6" end="6"/>
+                                            </p:txEl>
+                                          </p:spTgt>
+                                        </p:tgtEl>
+                                        <p:attrNameLst>
+                                          <p:attrName>ppt_x</p:attrName>
+                                          <p:attrName>ppt_y</p:attrName>
+                                        </p:attrNameLst>
+                                      </p:cBhvr>
+                                      <p:from x="0" y="0"/>
+                                      <p:to x="0" y="4000"/>
+                                    </p:animMotion>
+                                  </p:childTnLst>
+                                </p:cTn>
+                              </p:par>
+                              <p:par>
+                                <p:cTn id="59" presetID="42" presetClass="path" presetSubtype="0" accel="50000" decel="50000" fill="hold" grpId="0" nodeType="withEffect">
+                                  <p:stCondLst>
+                                    <p:cond delay="0"/>
+                                  </p:stCondLst>
+                                  <p:childTnLst>
+                                    <p:animMotion origin="layout" path="M 0 0 L 0 0.25 E" pathEditMode="relative" ptsTypes="">
+                                      <p:cBhvr>
+                                        <p:cTn id="60" dur="500" fill="hold"/>
+                                        <p:tgtEl>
+                                          <p:spTgt spid="4">
+                                            <p:txEl>
+                                              <p:pRg st="7" end="7"/>
+                                            </p:txEl>
+                                          </p:spTgt>
+                                        </p:tgtEl>
+                                        <p:attrNameLst>
+                                          <p:attrName>ppt_x</p:attrName>
+                                          <p:attrName>ppt_y</p:attrName>
+                                        </p:attrNameLst>
+                                      </p:cBhvr>
+                                    </p:animMotion>
+                                    <p:animMotion origin="layout" pathEditMode="relative">
+                                      <p:cBhvr from="" to="">
+                                        <p:cTn id="61" dur="500" fill="hold">
+                                          <p:stCondLst>
+                                            <p:cond delay="0"/>
+                                          </p:stCondLst>
+                                        </p:cTn>
+                                        <p:tgtEl>
+                                          <p:spTgt spid="4">
+                                            <p:txEl>
+                                              <p:pRg st="7" end="7"/>
+                                            </p:txEl>
+                                          </p:spTgt>
+                                        </p:tgtEl>
+                                        <p:attrNameLst>
+                                          <p:attrName>ppt_x</p:attrName>
+                                          <p:attrName>ppt_y</p:attrName>
+                                        </p:attrNameLst>
+                                      </p:cBhvr>
+                                      <p:from x="0" y="0"/>
+                                      <p:to x="0" y="4000"/>
+                                    </p:animMotion>
+                                  </p:childTnLst>
+                                </p:cTn>
+                              </p:par>
+                              <p:par>
+                                <p:cTn id="62" presetID="42" presetClass="path" presetSubtype="0" accel="50000" decel="50000" fill="hold" grpId="0" nodeType="withEffect">
+                                  <p:stCondLst>
+                                    <p:cond delay="0"/>
+                                  </p:stCondLst>
+                                  <p:childTnLst>
+                                    <p:animMotion origin="layout" path="M 0 0 L 0 0.25 E" pathEditMode="relative" ptsTypes="">
+                                      <p:cBhvr>
+                                        <p:cTn id="63" dur="500" fill="hold"/>
+                                        <p:tgtEl>
+                                          <p:spTgt spid="4">
+                                            <p:txEl>
+                                              <p:pRg st="8" end="8"/>
+                                            </p:txEl>
+                                          </p:spTgt>
+                                        </p:tgtEl>
+                                        <p:attrNameLst>
+                                          <p:attrName>ppt_x</p:attrName>
+                                          <p:attrName>ppt_y</p:attrName>
+                                        </p:attrNameLst>
+                                      </p:cBhvr>
+                                    </p:animMotion>
+                                    <p:animMotion origin="layout" pathEditMode="relative">
+                                      <p:cBhvr from="" to="">
+                                        <p:cTn id="64" dur="500" fill="hold">
+                                          <p:stCondLst>
+                                            <p:cond delay="0"/>
+                                          </p:stCondLst>
+                                        </p:cTn>
+                                        <p:tgtEl>
+                                          <p:spTgt spid="4">
+                                            <p:txEl>
+                                              <p:pRg st="8" end="8"/>
+                                            </p:txEl>
+                                          </p:spTgt>
+                                        </p:tgtEl>
+                                        <p:attrNameLst>
+                                          <p:attrName>ppt_x</p:attrName>
+                                          <p:attrName>ppt_y</p:attrName>
+                                        </p:attrNameLst>
+                                      </p:cBhvr>
+                                      <p:from x="0" y="0"/>
+                                      <p:to x="0" y="4000"/>
+                                    </p:animMotion>
+                                  </p:childTnLst>
+                                </p:cTn>
+                              </p:par>
+                              <p:par>
+                                <p:cTn id="65" presetID="42" presetClass="path" presetSubtype="0" accel="50000" decel="50000" fill="hold" grpId="0" nodeType="withEffect">
+                                  <p:stCondLst>
+                                    <p:cond delay="0"/>
+                                  </p:stCondLst>
+                                  <p:childTnLst>
+                                    <p:animMotion origin="layout" path="M 0 0 L 0 0.25 E" pathEditMode="relative" ptsTypes="">
+                                      <p:cBhvr>
+                                        <p:cTn id="66" dur="500" fill="hold"/>
+                                        <p:tgtEl>
+                                          <p:spTgt spid="4">
+                                            <p:txEl>
+                                              <p:pRg st="9" end="9"/>
+                                            </p:txEl>
+                                          </p:spTgt>
+                                        </p:tgtEl>
+                                        <p:attrNameLst>
+                                          <p:attrName>ppt_x</p:attrName>
+                                          <p:attrName>ppt_y</p:attrName>
+                                        </p:attrNameLst>
+                                      </p:cBhvr>
+                                    </p:animMotion>
+                                    <p:animMotion origin="layout" pathEditMode="relative">
+                                      <p:cBhvr from="" to="">
+                                        <p:cTn id="67" dur="500" fill="hold">
+                                          <p:stCondLst>
+                                            <p:cond delay="0"/>
+                                          </p:stCondLst>
+                                        </p:cTn>
+                                        <p:tgtEl>
+                                          <p:spTgt spid="4">
+                                            <p:txEl>
+                                              <p:pRg st="9" end="9"/>
+                                            </p:txEl>
+                                          </p:spTgt>
+                                        </p:tgtEl>
+                                        <p:attrNameLst>
+                                          <p:attrName>ppt_x</p:attrName>
+                                          <p:attrName>ppt_y</p:attrName>
+                                        </p:attrNameLst>
+                                      </p:cBhvr>
+                                      <p:from x="0" y="0"/>
+                                      <p:to x="0" y="4000"/>
+                                    </p:animMotion>
+                                  </p:childTnLst>
+                                </p:cTn>
+                              </p:par>
+                            </p:childTnLst>
+                          </p:cTn>
+                        </p:par>
+                        <p:par>
+                          <p:cTn id="68" fill="hold">
+                            <p:stCondLst>
+                              <p:cond delay="500"/>
+                            </p:stCondLst>
+                            <p:childTnLst>
+                              <p:par>
+                                <p:cTn id="69" presetID="22" presetClass="entr" presetSubtype="8" fill="hold" grpId="1" nodeType="afterEffect">
+                                  <p:stCondLst>
+                                    <p:cond delay="0"/>
+                                  </p:stCondLst>
+                                  <p:childTnLst>
+                                    <p:set>
+                                      <p:cBhvr>
+                                        <p:cTn id="70" dur="1" fill="hold">
+                                          <p:stCondLst>
+                                            <p:cond delay="0"/>
+                                          </p:stCondLst>
+                                        </p:cTn>
+                                        <p:tgtEl>
+                                          <p:spTgt spid="5">
+                                            <p:txEl>
+                                              <p:pRg st="0" end="0"/>
+                                            </p:txEl>
+                                          </p:spTgt>
+                                        </p:tgtEl>
+                                        <p:attrNameLst>
+                                          <p:attrName>style.visibility</p:attrName>
+                                        </p:attrNameLst>
+                                      </p:cBhvr>
+                                      <p:to>
+                                        <p:strVal val="visible"/>
+                                      </p:to>
+                                    </p:set>
+                                    <p:animEffect transition="in" filter="wipe(left)">
+                                      <p:cBhvr>
+                                        <p:cTn id="71" dur="700"/>
+                                        <p:tgtEl>
+                                          <p:spTgt spid="5">
+                                            <p:txEl>
+                                              <p:pRg st="0" end="0"/>
+                                            </p:txEl>
+                                          </p:spTgt>
+                                        </p:tgtEl>
+                                      </p:cBhvr>
+                                    </p:animEffect>
+                                  </p:childTnLst>
+                                </p:cTn>
+                              </p:par>
+                              <p:par>
+                                <p:cTn id="72" presetID="3" presetClass="emph" presetSubtype="2" fill="hold" grpId="2" nodeType="withEffect">
+                                  <p:stCondLst>
+                                    <p:cond delay="0"/>
+                                  </p:stCondLst>
+                                  <p:childTnLst>
+                                    <p:animClr clrSpc="rgb" dir="cw">
+                                      <p:cBhvr override="childStyle">
+                                        <p:cTn id="73" dur="100" fill="hold"/>
+                                        <p:tgtEl>
+                                          <p:spTgt spid="5">
+                                            <p:txEl>
+                                              <p:pRg st="0" end="0"/>
+                                            </p:txEl>
+                                          </p:spTgt>
+                                        </p:tgtEl>
+                                        <p:attrNameLst>
+                                          <p:attrName>style.color</p:attrName>
+                                        </p:attrNameLst>
+                                      </p:cBhvr>
+                                      <p:to>
+                                        <a:srgbClr val="F2290A"/>
+                                      </p:to>
+                                    </p:animClr>
+                                  </p:childTnLst>
+                                </p:cTn>
+                              </p:par>
+                            </p:childTnLst>
+                          </p:cTn>
+                        </p:par>
+                      </p:childTnLst>
+                    </p:cTn>
+                  </p:par>
+                  <p:par>
+                    <p:cTn id="74" fill="hold">
+                      <p:stCondLst>
+                        <p:cond delay="indefinite"/>
+                      </p:stCondLst>
+                      <p:childTnLst>
+                        <p:par>
+                          <p:cTn id="75" fill="hold">
+                            <p:stCondLst>
+                              <p:cond delay="0"/>
+                            </p:stCondLst>
+                            <p:childTnLst>
+                              <p:par>
+                                <p:cTn id="76" presetID="3" presetClass="emph" presetSubtype="2" fill="hold" grpId="1" nodeType="clickEffect">
+                                  <p:stCondLst>
+                                    <p:cond delay="0"/>
+                                  </p:stCondLst>
+                                  <p:childTnLst>
+                                    <p:animClr clrSpc="rgb" dir="cw">
+                                      <p:cBhvr override="childStyle">
+                                        <p:cTn id="77" dur="500" fill="hold"/>
+                                        <p:tgtEl>
+                                          <p:spTgt spid="4">
+                                            <p:txEl>
+                                              <p:pRg st="0" end="0"/>
+                                            </p:txEl>
+                                          </p:spTgt>
+                                        </p:tgtEl>
+                                        <p:attrNameLst>
+                                          <p:attrName>style.color</p:attrName>
+                                        </p:attrNameLst>
+                                      </p:cBhvr>
+                                      <p:to>
+                                        <a:srgbClr val="F2290A"/>
+                                      </p:to>
+                                    </p:animClr>
+                                  </p:childTnLst>
+                                </p:cTn>
+                              </p:par>
+                            </p:childTnLst>
+                          </p:cTn>
+                        </p:par>
+                      </p:childTnLst>
+                    </p:cTn>
+                  </p:par>
+                  <p:par>
+                    <p:cTn id="78" fill="hold">
+                      <p:stCondLst>
+                        <p:cond delay="indefinite"/>
+                      </p:stCondLst>
+                      <p:childTnLst>
+                        <p:par>
+                          <p:cTn id="79" fill="hold">
+                            <p:stCondLst>
+                              <p:cond delay="0"/>
+                            </p:stCondLst>
+                            <p:childTnLst>
+                              <p:par>
+                                <p:cTn id="80" presetID="22" presetClass="exit" presetSubtype="2" fill="hold" grpId="2" nodeType="clickEffect">
+                                  <p:stCondLst>
+                                    <p:cond delay="0"/>
+                                  </p:stCondLst>
+                                  <p:childTnLst>
+                                    <p:animEffect transition="out" filter="wipe(right)">
+                                      <p:cBhvr>
+                                        <p:cTn id="81" dur="700"/>
+                                        <p:tgtEl>
+                                          <p:spTgt spid="4">
+                                            <p:txEl>
+                                              <p:pRg st="0" end="0"/>
+                                            </p:txEl>
+                                          </p:spTgt>
+                                        </p:tgtEl>
+                                      </p:cBhvr>
+                                    </p:animEffect>
+                                    <p:set>
+                                      <p:cBhvr>
+                                        <p:cTn id="82" dur="1" fill="hold">
+                                          <p:stCondLst>
+                                            <p:cond delay="699"/>
+                                          </p:stCondLst>
+                                        </p:cTn>
+                                        <p:tgtEl>
+                                          <p:spTgt spid="4">
+                                            <p:txEl>
+                                              <p:pRg st="0" end="0"/>
+                                            </p:txEl>
+                                          </p:spTgt>
+                                        </p:tgtEl>
+                                        <p:attrNameLst>
+                                          <p:attrName>style.visibility</p:attrName>
+                                        </p:attrNameLst>
+                                      </p:cBhvr>
+                                      <p:to>
+                                        <p:strVal val="hidden"/>
+                                      </p:to>
+                                    </p:set>
+                                  </p:childTnLst>
+                                </p:cTn>
+                              </p:par>
+                            </p:childTnLst>
+                          </p:cTn>
+                        </p:par>
+                        <p:par>
+                          <p:cTn id="83" fill="hold">
+                            <p:stCondLst>
+                              <p:cond delay="700"/>
+                            </p:stCondLst>
+                            <p:childTnLst>
+                              <p:par>
+                                <p:cTn id="84" presetID="22" presetClass="entr" presetSubtype="8" fill="hold" grpId="3" nodeType="afterEffect">
+                                  <p:stCondLst>
+                                    <p:cond delay="0"/>
+                                  </p:stCondLst>
+                                  <p:childTnLst>
+                                    <p:set>
+                                      <p:cBhvr>
+                                        <p:cTn id="85" dur="1" fill="hold">
+                                          <p:stCondLst>
+                                            <p:cond delay="0"/>
+                                          </p:stCondLst>
+                                        </p:cTn>
+                                        <p:tgtEl>
+                                          <p:spTgt spid="5">
+                                            <p:txEl>
+                                              <p:pRg st="1" end="1"/>
+                                            </p:txEl>
+                                          </p:spTgt>
+                                        </p:tgtEl>
+                                        <p:attrNameLst>
+                                          <p:attrName>style.visibility</p:attrName>
+                                        </p:attrNameLst>
+                                      </p:cBhvr>
+                                      <p:to>
+                                        <p:strVal val="visible"/>
+                                      </p:to>
+                                    </p:set>
+                                    <p:animEffect transition="in" filter="wipe(left)">
+                                      <p:cBhvr>
+                                        <p:cTn id="86" dur="700"/>
+                                        <p:tgtEl>
+                                          <p:spTgt spid="5">
+                                            <p:txEl>
+                                              <p:pRg st="1" end="1"/>
+                                            </p:txEl>
+                                          </p:spTgt>
+                                        </p:tgtEl>
+                                      </p:cBhvr>
+                                    </p:animEffect>
+                                  </p:childTnLst>
+                                </p:cTn>
+                              </p:par>
+                              <p:par>
+                                <p:cTn id="87" presetID="3" presetClass="emph" presetSubtype="2" fill="hold" grpId="4" nodeType="withEffect">
+                                  <p:stCondLst>
+                                    <p:cond delay="0"/>
+                                  </p:stCondLst>
+                                  <p:childTnLst>
+                                    <p:animClr clrSpc="rgb" dir="cw">
+                                      <p:cBhvr override="childStyle">
+                                        <p:cTn id="88" dur="100" fill="hold"/>
+                                        <p:tgtEl>
+                                          <p:spTgt spid="5">
+                                            <p:txEl>
+                                              <p:pRg st="1" end="1"/>
+                                            </p:txEl>
+                                          </p:spTgt>
+                                        </p:tgtEl>
+                                        <p:attrNameLst>
+                                          <p:attrName>style.color</p:attrName>
+                                        </p:attrNameLst>
+                                      </p:cBhvr>
+                                      <p:to>
+                                        <a:srgbClr val="F2290A"/>
+                                      </p:to>
+                                    </p:animClr>
+                                  </p:childTnLst>
+                                </p:cTn>
+                              </p:par>
+                            </p:childTnLst>
+                          </p:cTn>
+                        </p:par>
+                      </p:childTnLst>
+                    </p:cTn>
+                  </p:par>
+                  <p:par>
+                    <p:cTn id="89" fill="hold">
+                      <p:stCondLst>
+                        <p:cond delay="indefinite"/>
+                      </p:stCondLst>
+                      <p:childTnLst>
+                        <p:par>
+                          <p:cTn id="90" fill="hold">
+                            <p:stCondLst>
+                              <p:cond delay="0"/>
+                            </p:stCondLst>
+                            <p:childTnLst>
+                              <p:par>
+                                <p:cTn id="91" presetID="3" presetClass="emph" presetSubtype="2" fill="hold" grpId="3" nodeType="clickEffect">
+                                  <p:stCondLst>
+                                    <p:cond delay="0"/>
+                                  </p:stCondLst>
+                                  <p:childTnLst>
+                                    <p:animClr clrSpc="rgb" dir="cw">
+                                      <p:cBhvr override="childStyle">
+                                        <p:cTn id="92" dur="500" fill="hold"/>
+                                        <p:tgtEl>
+                                          <p:spTgt spid="4">
+                                            <p:txEl>
+                                              <p:pRg st="1" end="1"/>
+                                            </p:txEl>
+                                          </p:spTgt>
+                                        </p:tgtEl>
+                                        <p:attrNameLst>
+                                          <p:attrName>style.color</p:attrName>
+                                        </p:attrNameLst>
+                                      </p:cBhvr>
+                                      <p:to>
+                                        <a:srgbClr val="F2290A"/>
+                                      </p:to>
+                                    </p:animClr>
+                                  </p:childTnLst>
+                                </p:cTn>
+                              </p:par>
+                            </p:childTnLst>
+                          </p:cTn>
+                        </p:par>
+                      </p:childTnLst>
+                    </p:cTn>
+                  </p:par>
+                  <p:par>
+                    <p:cTn id="93" fill="hold">
+                      <p:stCondLst>
+                        <p:cond delay="indefinite"/>
+                      </p:stCondLst>
+                      <p:childTnLst>
+                        <p:par>
+                          <p:cTn id="94" fill="hold">
+                            <p:stCondLst>
+                              <p:cond delay="0"/>
+                            </p:stCondLst>
+                            <p:childTnLst>
+                              <p:par>
+                                <p:cTn id="95" presetID="22" presetClass="exit" presetSubtype="2" fill="hold" grpId="4" nodeType="clickEffect">
+                                  <p:stCondLst>
+                                    <p:cond delay="0"/>
+                                  </p:stCondLst>
+                                  <p:childTnLst>
+                                    <p:animEffect transition="out" filter="wipe(right)">
+                                      <p:cBhvr>
+                                        <p:cTn id="96" dur="700"/>
+                                        <p:tgtEl>
+                                          <p:spTgt spid="4">
+                                            <p:txEl>
+                                              <p:pRg st="1" end="1"/>
+                                            </p:txEl>
+                                          </p:spTgt>
+                                        </p:tgtEl>
+                                      </p:cBhvr>
+                                    </p:animEffect>
+                                    <p:set>
+                                      <p:cBhvr>
+                                        <p:cTn id="97" dur="1" fill="hold">
+                                          <p:stCondLst>
+                                            <p:cond delay="699"/>
+                                          </p:stCondLst>
+                                        </p:cTn>
+                                        <p:tgtEl>
+                                          <p:spTgt spid="4">
+                                            <p:txEl>
+                                              <p:pRg st="1" end="1"/>
+                                            </p:txEl>
+                                          </p:spTgt>
+                                        </p:tgtEl>
+                                        <p:attrNameLst>
+                                          <p:attrName>style.visibility</p:attrName>
+                                        </p:attrNameLst>
+                                      </p:cBhvr>
+                                      <p:to>
+                                        <p:strVal val="hidden"/>
+                                      </p:to>
+                                    </p:set>
+                                  </p:childTnLst>
+                                </p:cTn>
+                              </p:par>
+                            </p:childTnLst>
+                          </p:cTn>
+                        </p:par>
+                        <p:par>
+                          <p:cTn id="98" fill="hold">
+                            <p:stCondLst>
+                              <p:cond delay="700"/>
+                            </p:stCondLst>
+                            <p:childTnLst>
+                              <p:par>
+                                <p:cTn id="99" presetID="22" presetClass="entr" presetSubtype="8" fill="hold" grpId="5" nodeType="afterEffect">
+                                  <p:stCondLst>
+                                    <p:cond delay="0"/>
+                                  </p:stCondLst>
+                                  <p:childTnLst>
+                                    <p:set>
+                                      <p:cBhvr>
+                                        <p:cTn id="100" dur="1" fill="hold">
+                                          <p:stCondLst>
+                                            <p:cond delay="0"/>
+                                          </p:stCondLst>
+                                        </p:cTn>
+                                        <p:tgtEl>
+                                          <p:spTgt spid="5">
+                                            <p:txEl>
+                                              <p:pRg st="2" end="2"/>
+                                            </p:txEl>
+                                          </p:spTgt>
+                                        </p:tgtEl>
+                                        <p:attrNameLst>
+                                          <p:attrName>style.visibility</p:attrName>
+                                        </p:attrNameLst>
+                                      </p:cBhvr>
+                                      <p:to>
+                                        <p:strVal val="visible"/>
+                                      </p:to>
+                                    </p:set>
+                                    <p:animEffect transition="in" filter="wipe(left)">
+                                      <p:cBhvr>
+                                        <p:cTn id="101" dur="700"/>
+                                        <p:tgtEl>
+                                          <p:spTgt spid="5">
+                                            <p:txEl>
+                                              <p:pRg st="2" end="2"/>
+                                            </p:txEl>
+                                          </p:spTgt>
+                                        </p:tgtEl>
+                                      </p:cBhvr>
+                                    </p:animEffect>
+                                  </p:childTnLst>
+                                </p:cTn>
+                              </p:par>
+                              <p:par>
+                                <p:cTn id="102" presetID="3" presetClass="emph" presetSubtype="2" fill="hold" grpId="6" nodeType="withEffect">
+                                  <p:stCondLst>
+                                    <p:cond delay="0"/>
+                                  </p:stCondLst>
+                                  <p:childTnLst>
+                                    <p:animClr clrSpc="rgb" dir="cw">
+                                      <p:cBhvr override="childStyle">
+                                        <p:cTn id="103" dur="100" fill="hold"/>
+                                        <p:tgtEl>
+                                          <p:spTgt spid="5">
+                                            <p:txEl>
+                                              <p:pRg st="2" end="2"/>
+                                            </p:txEl>
+                                          </p:spTgt>
+                                        </p:tgtEl>
+                                        <p:attrNameLst>
+                                          <p:attrName>style.color</p:attrName>
+                                        </p:attrNameLst>
+                                      </p:cBhvr>
+                                      <p:to>
+                                        <a:srgbClr val="F2290A"/>
+                                      </p:to>
+                                    </p:animClr>
+                                  </p:childTnLst>
+                                </p:cTn>
+                              </p:par>
+                            </p:childTnLst>
+                          </p:cTn>
+                        </p:par>
+                      </p:childTnLst>
+                    </p:cTn>
+                  </p:par>
+                  <p:par>
+                    <p:cTn id="104" fill="hold">
+                      <p:stCondLst>
+                        <p:cond delay="indefinite"/>
+                      </p:stCondLst>
+                      <p:childTnLst>
+                        <p:par>
+                          <p:cTn id="105" fill="hold">
+                            <p:stCondLst>
+                              <p:cond delay="0"/>
+                            </p:stCondLst>
+                            <p:childTnLst>
+                              <p:par>
+                                <p:cTn id="106" presetID="3" presetClass="emph" presetSubtype="2" fill="hold" grpId="5" nodeType="clickEffect">
+                                  <p:stCondLst>
+                                    <p:cond delay="0"/>
+                                  </p:stCondLst>
+                                  <p:childTnLst>
+                                    <p:animClr clrSpc="rgb" dir="cw">
+                                      <p:cBhvr override="childStyle">
+                                        <p:cTn id="107" dur="500" fill="hold"/>
+                                        <p:tgtEl>
+                                          <p:spTgt spid="4">
+                                            <p:txEl>
+                                              <p:pRg st="3" end="3"/>
+                                            </p:txEl>
+                                          </p:spTgt>
+                                        </p:tgtEl>
+                                        <p:attrNameLst>
+                                          <p:attrName>style.color</p:attrName>
+                                        </p:attrNameLst>
+                                      </p:cBhvr>
+                                      <p:to>
+                                        <a:srgbClr val="F2290A"/>
+                                      </p:to>
+                                    </p:animClr>
+                                  </p:childTnLst>
+                                </p:cTn>
+                              </p:par>
+                            </p:childTnLst>
+                          </p:cTn>
+                        </p:par>
+                      </p:childTnLst>
+                    </p:cTn>
+                  </p:par>
+                  <p:par>
+                    <p:cTn id="108" fill="hold">
+                      <p:stCondLst>
+                        <p:cond delay="indefinite"/>
+                      </p:stCondLst>
+                      <p:childTnLst>
+                        <p:par>
+                          <p:cTn id="109" fill="hold">
+                            <p:stCondLst>
+                              <p:cond delay="0"/>
+                            </p:stCondLst>
+                            <p:childTnLst>
+                              <p:par>
+                                <p:cTn id="110" presetID="22" presetClass="exit" presetSubtype="2" fill="hold" grpId="6" nodeType="clickEffect">
+                                  <p:stCondLst>
+                                    <p:cond delay="0"/>
+                                  </p:stCondLst>
+                                  <p:childTnLst>
+                                    <p:animEffect transition="out" filter="wipe(right)">
+                                      <p:cBhvr>
+                                        <p:cTn id="111" dur="700"/>
+                                        <p:tgtEl>
+                                          <p:spTgt spid="4">
+                                            <p:txEl>
+                                              <p:pRg st="3" end="3"/>
+                                            </p:txEl>
+                                          </p:spTgt>
+                                        </p:tgtEl>
+                                      </p:cBhvr>
+                                    </p:animEffect>
+                                    <p:set>
+                                      <p:cBhvr>
+                                        <p:cTn id="112" dur="1" fill="hold">
+                                          <p:stCondLst>
+                                            <p:cond delay="699"/>
+                                          </p:stCondLst>
+                                        </p:cTn>
+                                        <p:tgtEl>
+                                          <p:spTgt spid="4">
+                                            <p:txEl>
+                                              <p:pRg st="3" end="3"/>
+                                            </p:txEl>
+                                          </p:spTgt>
+                                        </p:tgtEl>
+                                        <p:attrNameLst>
+                                          <p:attrName>style.visibility</p:attrName>
+                                        </p:attrNameLst>
+                                      </p:cBhvr>
+                                      <p:to>
+                                        <p:strVal val="hidden"/>
+                                      </p:to>
+                                    </p:set>
+                                  </p:childTnLst>
+                                </p:cTn>
+                              </p:par>
+                            </p:childTnLst>
+                          </p:cTn>
+                        </p:par>
+                        <p:par>
+                          <p:cTn id="113" fill="hold">
+                            <p:stCondLst>
+                              <p:cond delay="700"/>
+                            </p:stCondLst>
+                            <p:childTnLst>
+                              <p:par>
+                                <p:cTn id="114" presetID="22" presetClass="entr" presetSubtype="8" fill="hold" grpId="7" nodeType="afterEffect">
+                                  <p:stCondLst>
+                                    <p:cond delay="0"/>
+                                  </p:stCondLst>
+                                  <p:childTnLst>
+                                    <p:set>
+                                      <p:cBhvr>
+                                        <p:cTn id="115" dur="1" fill="hold">
+                                          <p:stCondLst>
+                                            <p:cond delay="0"/>
+                                          </p:stCondLst>
+                                        </p:cTn>
+                                        <p:tgtEl>
+                                          <p:spTgt spid="5">
+                                            <p:txEl>
+                                              <p:pRg st="4" end="4"/>
+                                            </p:txEl>
+                                          </p:spTgt>
+                                        </p:tgtEl>
+                                        <p:attrNameLst>
+                                          <p:attrName>style.visibility</p:attrName>
+                                        </p:attrNameLst>
+                                      </p:cBhvr>
+                                      <p:to>
+                                        <p:strVal val="visible"/>
+                                      </p:to>
+                                    </p:set>
+                                    <p:animEffect transition="in" filter="wipe(left)">
+                                      <p:cBhvr>
+                                        <p:cTn id="116" dur="700"/>
+                                        <p:tgtEl>
+                                          <p:spTgt spid="5">
+                                            <p:txEl>
+                                              <p:pRg st="4" end="4"/>
+                                            </p:txEl>
+                                          </p:spTgt>
+                                        </p:tgtEl>
+                                      </p:cBhvr>
+                                    </p:animEffect>
+                                  </p:childTnLst>
+                                </p:cTn>
+                              </p:par>
+                              <p:par>
+                                <p:cTn id="117" presetID="3" presetClass="emph" presetSubtype="2" fill="hold" grpId="8" nodeType="withEffect">
+                                  <p:stCondLst>
+                                    <p:cond delay="0"/>
+                                  </p:stCondLst>
+                                  <p:childTnLst>
+                                    <p:animClr clrSpc="rgb" dir="cw">
+                                      <p:cBhvr override="childStyle">
+                                        <p:cTn id="118" dur="100" fill="hold"/>
+                                        <p:tgtEl>
+                                          <p:spTgt spid="5">
+                                            <p:txEl>
+                                              <p:pRg st="4" end="4"/>
+                                            </p:txEl>
+                                          </p:spTgt>
+                                        </p:tgtEl>
+                                        <p:attrNameLst>
+                                          <p:attrName>style.color</p:attrName>
+                                        </p:attrNameLst>
+                                      </p:cBhvr>
+                                      <p:to>
+                                        <a:srgbClr val="F2290A"/>
+                                      </p:to>
+                                    </p:animClr>
+                                  </p:childTnLst>
+                                </p:cTn>
+                              </p:par>
+                            </p:childTnLst>
+                          </p:cTn>
+                        </p:par>
+                        <p:par>
+                          <p:cTn id="119" fill="hold">
+                            <p:stCondLst>
+                              <p:cond delay="1400"/>
+                            </p:stCondLst>
+                            <p:childTnLst>
+                              <p:par>
+                                <p:cTn id="120" presetID="22" presetClass="entr" presetSubtype="8" fill="hold" grpId="9" nodeType="afterEffect">
+                                  <p:stCondLst>
+                                    <p:cond delay="0"/>
+                                  </p:stCondLst>
+                                  <p:childTnLst>
+                                    <p:set>
+                                      <p:cBhvr>
+                                        <p:cTn id="121" dur="1" fill="hold">
+                                          <p:stCondLst>
+                                            <p:cond delay="0"/>
+                                          </p:stCondLst>
+                                        </p:cTn>
+                                        <p:tgtEl>
+                                          <p:spTgt spid="5">
+                                            <p:txEl>
+                                              <p:pRg st="5" end="5"/>
+                                            </p:txEl>
+                                          </p:spTgt>
+                                        </p:tgtEl>
+                                        <p:attrNameLst>
+                                          <p:attrName>style.visibility</p:attrName>
+                                        </p:attrNameLst>
+                                      </p:cBhvr>
+                                      <p:to>
+                                        <p:strVal val="visible"/>
+                                      </p:to>
+                                    </p:set>
+                                    <p:animEffect transition="in" filter="wipe(left)">
+                                      <p:cBhvr>
+                                        <p:cTn id="122" dur="700"/>
+                                        <p:tgtEl>
+                                          <p:spTgt spid="5">
+                                            <p:txEl>
+                                              <p:pRg st="5" end="5"/>
+                                            </p:txEl>
+                                          </p:spTgt>
+                                        </p:tgtEl>
+                                      </p:cBhvr>
+                                    </p:animEffect>
+                                  </p:childTnLst>
+                                </p:cTn>
+                              </p:par>
+                              <p:par>
+                                <p:cTn id="123" presetID="3" presetClass="emph" presetSubtype="2" fill="hold" grpId="10" nodeType="withEffect">
+                                  <p:stCondLst>
+                                    <p:cond delay="0"/>
+                                  </p:stCondLst>
+                                  <p:childTnLst>
+                                    <p:animClr clrSpc="rgb" dir="cw">
+                                      <p:cBhvr override="childStyle">
+                                        <p:cTn id="124" dur="100" fill="hold"/>
+                                        <p:tgtEl>
+                                          <p:spTgt spid="5">
+                                            <p:txEl>
+                                              <p:pRg st="5" end="5"/>
+                                            </p:txEl>
+                                          </p:spTgt>
+                                        </p:tgtEl>
+                                        <p:attrNameLst>
+                                          <p:attrName>style.color</p:attrName>
+                                        </p:attrNameLst>
+                                      </p:cBhvr>
+                                      <p:to>
+                                        <a:srgbClr val="F2290A"/>
+                                      </p:to>
+                                    </p:animClr>
+                                  </p:childTnLst>
+                                </p:cTn>
+                              </p:par>
+                            </p:childTnLst>
+                          </p:cTn>
+                        </p:par>
+                      </p:childTnLst>
+                    </p:cTn>
+                  </p:par>
+                  <p:par>
+                    <p:cTn id="125" fill="hold">
+                      <p:stCondLst>
+                        <p:cond delay="indefinite"/>
+                      </p:stCondLst>
+                      <p:childTnLst>
+                        <p:par>
+                          <p:cTn id="126" fill="hold">
+                            <p:stCondLst>
+                              <p:cond delay="0"/>
+                            </p:stCondLst>
+                            <p:childTnLst>
+                              <p:par>
+                                <p:cTn id="127" presetID="42" presetClass="path" presetSubtype="0" accel="50000" decel="50000" fill="hold" grpId="7" nodeType="clickEffect">
+                                  <p:stCondLst>
+                                    <p:cond delay="0"/>
+                                  </p:stCondLst>
+                                  <p:childTnLst>
+                                    <p:animMotion origin="layout" path="M 0 0 L 0 0.25 E" pathEditMode="relative" ptsTypes="">
+                                      <p:cBhvr>
+                                        <p:cTn id="128" dur="500" fill="hold"/>
+                                        <p:tgtEl>
+                                          <p:spTgt spid="4">
+                                            <p:txEl>
+                                              <p:pRg st="5" end="5"/>
+                                            </p:txEl>
+                                          </p:spTgt>
+                                        </p:tgtEl>
+                                        <p:attrNameLst>
+                                          <p:attrName>ppt_x</p:attrName>
+                                          <p:attrName>ppt_y</p:attrName>
+                                        </p:attrNameLst>
+                                      </p:cBhvr>
+                                    </p:animMotion>
+                                    <p:animMotion origin="layout" pathEditMode="relative">
+                                      <p:cBhvr from="" to="">
+                                        <p:cTn id="129" dur="500" fill="hold">
+                                          <p:stCondLst>
+                                            <p:cond delay="0"/>
+                                          </p:stCondLst>
+                                        </p:cTn>
+                                        <p:tgtEl>
+                                          <p:spTgt spid="4">
+                                            <p:txEl>
+                                              <p:pRg st="5" end="5"/>
+                                            </p:txEl>
+                                          </p:spTgt>
+                                        </p:tgtEl>
+                                        <p:attrNameLst>
+                                          <p:attrName>ppt_x</p:attrName>
+                                          <p:attrName>ppt_y</p:attrName>
+                                        </p:attrNameLst>
+                                      </p:cBhvr>
+                                      <p:from x="0" y="4000"/>
+                                      <p:to x="0" y="8000"/>
+                                    </p:animMotion>
+                                  </p:childTnLst>
+                                </p:cTn>
+                              </p:par>
+                              <p:par>
+                                <p:cTn id="130" presetID="42" presetClass="path" presetSubtype="0" accel="50000" decel="50000" fill="hold" grpId="7" nodeType="withEffect">
+                                  <p:stCondLst>
+                                    <p:cond delay="0"/>
+                                  </p:stCondLst>
+                                  <p:childTnLst>
+                                    <p:animMotion origin="layout" path="M 0 0 L 0 0.25 E" pathEditMode="relative" ptsTypes="">
+                                      <p:cBhvr>
+                                        <p:cTn id="131" dur="500" fill="hold"/>
+                                        <p:tgtEl>
+                                          <p:spTgt spid="4">
+                                            <p:txEl>
+                                              <p:pRg st="6" end="6"/>
+                                            </p:txEl>
+                                          </p:spTgt>
+                                        </p:tgtEl>
+                                        <p:attrNameLst>
+                                          <p:attrName>ppt_x</p:attrName>
+                                          <p:attrName>ppt_y</p:attrName>
+                                        </p:attrNameLst>
+                                      </p:cBhvr>
+                                    </p:animMotion>
+                                    <p:animMotion origin="layout" pathEditMode="relative">
+                                      <p:cBhvr from="" to="">
+                                        <p:cTn id="132" dur="500" fill="hold">
+                                          <p:stCondLst>
+                                            <p:cond delay="0"/>
+                                          </p:stCondLst>
+                                        </p:cTn>
+                                        <p:tgtEl>
+                                          <p:spTgt spid="4">
+                                            <p:txEl>
+                                              <p:pRg st="6" end="6"/>
+                                            </p:txEl>
+                                          </p:spTgt>
+                                        </p:tgtEl>
+                                        <p:attrNameLst>
+                                          <p:attrName>ppt_x</p:attrName>
+                                          <p:attrName>ppt_y</p:attrName>
+                                        </p:attrNameLst>
+                                      </p:cBhvr>
+                                      <p:from x="0" y="4000"/>
+                                      <p:to x="0" y="8000"/>
+                                    </p:animMotion>
+                                  </p:childTnLst>
+                                </p:cTn>
+                              </p:par>
+                              <p:par>
+                                <p:cTn id="133" presetID="42" presetClass="path" presetSubtype="0" accel="50000" decel="50000" fill="hold" grpId="7" nodeType="withEffect">
+                                  <p:stCondLst>
+                                    <p:cond delay="0"/>
+                                  </p:stCondLst>
+                                  <p:childTnLst>
+                                    <p:animMotion origin="layout" path="M 0 0 L 0 0.25 E" pathEditMode="relative" ptsTypes="">
+                                      <p:cBhvr>
+                                        <p:cTn id="134" dur="500" fill="hold"/>
+                                        <p:tgtEl>
+                                          <p:spTgt spid="4">
+                                            <p:txEl>
+                                              <p:pRg st="7" end="7"/>
+                                            </p:txEl>
+                                          </p:spTgt>
+                                        </p:tgtEl>
+                                        <p:attrNameLst>
+                                          <p:attrName>ppt_x</p:attrName>
+                                          <p:attrName>ppt_y</p:attrName>
+                                        </p:attrNameLst>
+                                      </p:cBhvr>
+                                    </p:animMotion>
+                                    <p:animMotion origin="layout" pathEditMode="relative">
+                                      <p:cBhvr from="" to="">
+                                        <p:cTn id="135" dur="500" fill="hold">
+                                          <p:stCondLst>
+                                            <p:cond delay="0"/>
+                                          </p:stCondLst>
+                                        </p:cTn>
+                                        <p:tgtEl>
+                                          <p:spTgt spid="4">
+                                            <p:txEl>
+                                              <p:pRg st="7" end="7"/>
+                                            </p:txEl>
+                                          </p:spTgt>
+                                        </p:tgtEl>
+                                        <p:attrNameLst>
+                                          <p:attrName>ppt_x</p:attrName>
+                                          <p:attrName>ppt_y</p:attrName>
+                                        </p:attrNameLst>
+                                      </p:cBhvr>
+                                      <p:from x="0" y="4000"/>
+                                      <p:to x="0" y="8000"/>
+                                    </p:animMotion>
+                                  </p:childTnLst>
+                                </p:cTn>
+                              </p:par>
+                              <p:par>
+                                <p:cTn id="136" presetID="42" presetClass="path" presetSubtype="0" accel="50000" decel="50000" fill="hold" grpId="7" nodeType="withEffect">
+                                  <p:stCondLst>
+                                    <p:cond delay="0"/>
+                                  </p:stCondLst>
+                                  <p:childTnLst>
+                                    <p:animMotion origin="layout" path="M 0 0 L 0 0.25 E" pathEditMode="relative" ptsTypes="">
+                                      <p:cBhvr>
+                                        <p:cTn id="137" dur="500" fill="hold"/>
+                                        <p:tgtEl>
+                                          <p:spTgt spid="4">
+                                            <p:txEl>
+                                              <p:pRg st="8" end="8"/>
+                                            </p:txEl>
+                                          </p:spTgt>
+                                        </p:tgtEl>
+                                        <p:attrNameLst>
+                                          <p:attrName>ppt_x</p:attrName>
+                                          <p:attrName>ppt_y</p:attrName>
+                                        </p:attrNameLst>
+                                      </p:cBhvr>
+                                    </p:animMotion>
+                                    <p:animMotion origin="layout" pathEditMode="relative">
+                                      <p:cBhvr from="" to="">
+                                        <p:cTn id="138" dur="500" fill="hold">
+                                          <p:stCondLst>
+                                            <p:cond delay="0"/>
+                                          </p:stCondLst>
+                                        </p:cTn>
+                                        <p:tgtEl>
+                                          <p:spTgt spid="4">
+                                            <p:txEl>
+                                              <p:pRg st="8" end="8"/>
+                                            </p:txEl>
+                                          </p:spTgt>
+                                        </p:tgtEl>
+                                        <p:attrNameLst>
+                                          <p:attrName>ppt_x</p:attrName>
+                                          <p:attrName>ppt_y</p:attrName>
+                                        </p:attrNameLst>
+                                      </p:cBhvr>
+                                      <p:from x="0" y="4000"/>
+                                      <p:to x="0" y="8000"/>
+                                    </p:animMotion>
+                                  </p:childTnLst>
+                                </p:cTn>
+                              </p:par>
+                              <p:par>
+                                <p:cTn id="139" presetID="42" presetClass="path" presetSubtype="0" accel="50000" decel="50000" fill="hold" grpId="7" nodeType="withEffect">
+                                  <p:stCondLst>
+                                    <p:cond delay="0"/>
+                                  </p:stCondLst>
+                                  <p:childTnLst>
+                                    <p:animMotion origin="layout" path="M 0 0 L 0 0.25 E" pathEditMode="relative" ptsTypes="">
+                                      <p:cBhvr>
+                                        <p:cTn id="140" dur="500" fill="hold"/>
+                                        <p:tgtEl>
+                                          <p:spTgt spid="4">
+                                            <p:txEl>
+                                              <p:pRg st="9" end="9"/>
+                                            </p:txEl>
+                                          </p:spTgt>
+                                        </p:tgtEl>
+                                        <p:attrNameLst>
+                                          <p:attrName>ppt_x</p:attrName>
+                                          <p:attrName>ppt_y</p:attrName>
+                                        </p:attrNameLst>
+                                      </p:cBhvr>
+                                    </p:animMotion>
+                                    <p:animMotion origin="layout" pathEditMode="relative">
+                                      <p:cBhvr from="" to="">
+                                        <p:cTn id="141" dur="500" fill="hold">
+                                          <p:stCondLst>
+                                            <p:cond delay="0"/>
+                                          </p:stCondLst>
+                                        </p:cTn>
+                                        <p:tgtEl>
+                                          <p:spTgt spid="4">
+                                            <p:txEl>
+                                              <p:pRg st="9" end="9"/>
+                                            </p:txEl>
+                                          </p:spTgt>
+                                        </p:tgtEl>
+                                        <p:attrNameLst>
+                                          <p:attrName>ppt_x</p:attrName>
+                                          <p:attrName>ppt_y</p:attrName>
+                                        </p:attrNameLst>
+                                      </p:cBhvr>
+                                      <p:from x="0" y="4000"/>
+                                      <p:to x="0" y="8000"/>
+                                    </p:animMotion>
+                                  </p:childTnLst>
+                                </p:cTn>
+                              </p:par>
+                            </p:childTnLst>
+                          </p:cTn>
+                        </p:par>
+                      </p:childTnLst>
+                    </p:cTn>
+                  </p:par>
+                  <p:par>
+                    <p:cTn id="142" fill="hold">
+                      <p:stCondLst>
+                        <p:cond delay="indefinite"/>
+                      </p:stCondLst>
+                      <p:childTnLst>
+                        <p:par>
+                          <p:cTn id="143" fill="hold">
+                            <p:stCondLst>
+                              <p:cond delay="0"/>
+                            </p:stCondLst>
+                            <p:childTnLst>
+                              <p:par>
+                                <p:cTn id="144" presetID="3" presetClass="emph" presetSubtype="2" fill="hold" grpId="8" nodeType="clickEffect">
+                                  <p:stCondLst>
+                                    <p:cond delay="0"/>
+                                  </p:stCondLst>
+                                  <p:childTnLst>
+                                    <p:animClr clrSpc="rgb" dir="cw">
+                                      <p:cBhvr override="childStyle">
+                                        <p:cTn id="145" dur="500" fill="hold"/>
+                                        <p:tgtEl>
+                                          <p:spTgt spid="4">
+                                            <p:txEl>
+                                              <p:pRg st="8" end="8"/>
+                                            </p:txEl>
+                                          </p:spTgt>
+                                        </p:tgtEl>
+                                        <p:attrNameLst>
+                                          <p:attrName>style.color</p:attrName>
+                                        </p:attrNameLst>
+                                      </p:cBhvr>
+                                      <p:to>
+                                        <a:srgbClr val="F2290A"/>
+                                      </p:to>
+                                    </p:animClr>
+                                  </p:childTnLst>
+                                </p:cTn>
+                              </p:par>
+                            </p:childTnLst>
+                          </p:cTn>
+                        </p:par>
+                      </p:childTnLst>
+                    </p:cTn>
+                  </p:par>
+                  <p:par>
+                    <p:cTn id="146" fill="hold">
+                      <p:stCondLst>
+                        <p:cond delay="indefinite"/>
+                      </p:stCondLst>
+                      <p:childTnLst>
+                        <p:par>
+                          <p:cTn id="147" fill="hold">
+                            <p:stCondLst>
+                              <p:cond delay="0"/>
+                            </p:stCondLst>
+                            <p:childTnLst>
+                              <p:par>
+                                <p:cTn id="148" presetID="22" presetClass="exit" presetSubtype="2" fill="hold" grpId="9" nodeType="clickEffect">
+                                  <p:stCondLst>
+                                    <p:cond delay="0"/>
+                                  </p:stCondLst>
+                                  <p:childTnLst>
+                                    <p:animEffect transition="out" filter="wipe(right)">
+                                      <p:cBhvr>
+                                        <p:cTn id="149" dur="700"/>
+                                        <p:tgtEl>
+                                          <p:spTgt spid="4">
+                                            <p:txEl>
+                                              <p:pRg st="8" end="8"/>
+                                            </p:txEl>
+                                          </p:spTgt>
+                                        </p:tgtEl>
+                                      </p:cBhvr>
+                                    </p:animEffect>
+                                    <p:set>
+                                      <p:cBhvr>
+                                        <p:cTn id="150" dur="1" fill="hold">
+                                          <p:stCondLst>
+                                            <p:cond delay="699"/>
+                                          </p:stCondLst>
+                                        </p:cTn>
+                                        <p:tgtEl>
+                                          <p:spTgt spid="4">
+                                            <p:txEl>
+                                              <p:pRg st="8" end="8"/>
+                                            </p:txEl>
+                                          </p:spTgt>
+                                        </p:tgtEl>
+                                        <p:attrNameLst>
+                                          <p:attrName>style.visibility</p:attrName>
+                                        </p:attrNameLst>
+                                      </p:cBhvr>
+                                      <p:to>
+                                        <p:strVal val="hidden"/>
+                                      </p:to>
+                                    </p:set>
+                                  </p:childTnLst>
+                                </p:cTn>
+                              </p:par>
+                              <p:par>
+                                <p:cTn id="151" presetID="64" presetClass="path" presetSubtype="0" accel="50000" decel="50000" fill="hold" grpId="10" nodeType="withEffect">
+                                  <p:stCondLst>
+                                    <p:cond delay="0"/>
+                                  </p:stCondLst>
+                                  <p:childTnLst>
+                                    <p:animMotion origin="layout" path="M 0 0 L 0 -0.25 E" pathEditMode="relative" ptsTypes="">
+                                      <p:cBhvr>
+                                        <p:cTn id="152" dur="500" fill="hold"/>
+                                        <p:tgtEl>
+                                          <p:spTgt spid="4">
+                                            <p:txEl>
+                                              <p:pRg st="9" end="9"/>
+                                            </p:txEl>
+                                          </p:spTgt>
+                                        </p:tgtEl>
+                                        <p:attrNameLst>
+                                          <p:attrName>ppt_x</p:attrName>
+                                          <p:attrName>ppt_y</p:attrName>
+                                        </p:attrNameLst>
+                                      </p:cBhvr>
+                                    </p:animMotion>
+                                    <p:animMotion origin="layout" pathEditMode="relative">
+                                      <p:cBhvr from="" to="">
+                                        <p:cTn id="153" dur="500" fill="hold">
+                                          <p:stCondLst>
+                                            <p:cond delay="0"/>
+                                          </p:stCondLst>
+                                        </p:cTn>
+                                        <p:tgtEl>
+                                          <p:spTgt spid="4">
+                                            <p:txEl>
+                                              <p:pRg st="9" end="9"/>
+                                            </p:txEl>
+                                          </p:spTgt>
+                                        </p:tgtEl>
+                                        <p:attrNameLst>
+                                          <p:attrName>ppt_x</p:attrName>
+                                          <p:attrName>ppt_y</p:attrName>
+                                        </p:attrNameLst>
+                                      </p:cBhvr>
+                                      <p:from x="0" y="8000"/>
+                                      <p:to x="0" y="4000"/>
+                                    </p:animMotion>
+                                  </p:childTnLst>
+                                </p:cTn>
+                              </p:par>
+                            </p:childTnLst>
+                          </p:cTn>
+                        </p:par>
+                      </p:childTnLst>
+                    </p:cTn>
+                  </p:par>
+                </p:childTnLst>
+              </p:cTn>
+              <p:prevCondLst>
+                <p:cond evt="onPrev" delay="0">
+                  <p:tgtEl>
+                    <p:sldTgt/>
+                  </p:tgtEl>
+                </p:cond>
+              </p:prevCondLst>
+              <p:nextCondLst>
+                <p:cond evt="onNext" delay="0">
+                  <p:tgtEl>
+                    <p:sldTgt/>
+                  </p:tgtEl>
+                </p:cond>
+              </p:nextCondLst>
+            </p:seq>
+          </p:childTnLst>
+        </p:cTn>
+      </p:par>
+    </p:tnLst>
+    <p:bldLst>
+      <p:bldP spid="5" grpId="0" build="p" bldLvl="5"/>
+      <p:bldP spid="5" grpId="1" build="p" bldLvl="5"/>
+      <p:bldP spid="5" grpId="2" build="p" bldLvl="5"/>
+      <p:bldP spid="5" grpId="3" build="p" bldLvl="5"/>
+      <p:bldP spid="5" grpId="4" build="p" bldLvl="5"/>
+      <p:bldP spid="5" grpId="5" build="p" bldLvl="5"/>
+      <p:bldP spid="5" grpId="6" build="p" bldLvl="5"/>
+      <p:bldP spid="5" grpId="7" build="p" bldLvl="5"/>
+      <p:bldP spid="5" grpId="8" build="p" bldLvl="5"/>
+      <p:bldP spid="5" grpId="9" build="p" bldLvl="5"/>
+      <p:bldP spid="5" grpId="10" build="p" bldLvl="5"/>
+      <p:bldP spid="4" grpId="0" build="p" bldLvl="5"/>
+      <p:bldP spid="4" grpId="1" build="p" bldLvl="5"/>
+      <p:bldP spid="4" grpId="2" build="p" bldLvl="5"/>
+      <p:bldP spid="4" grpId="3" build="p" bldLvl="5"/>
+      <p:bldP spid="4" grpId="4" build="p" bldLvl="5"/>
+      <p:bldP spid="4" grpId="5" build="p" bldLvl="5"/>
+      <p:bldP spid="4" grpId="6" build="p" bldLvl="5"/>
+      <p:bldP spid="4" grpId="7" build="p" bldLvl="5"/>
+      <p:bldP spid="4" grpId="8" build="p" bldLvl="5"/>
+      <p:bldP spid="4" grpId="9" build="p" bldLvl="5"/>
+      <p:bldP spid="4" grpId="10" build="p" bldLvl="5"/>
+    </p:bldLst>
+  </p:timing>
+</p:sld>
+</file>
+
+<file path=ppt/slides/slide9.xml><?xml version="1.0" encoding="utf-8"?>
+<p:sld xmlns:a="http://schemas.openxmlformats.org/drawingml/2006/main" xmlns:r="http://schemas.openxmlformats.org/officeDocument/2006/relationships" xmlns:p="http://schemas.openxmlformats.org/presentationml/2006/main">
+  <p:cSld>
+    <p:spTree>
+      <p:nvGrpSpPr>
+        <p:cNvPr id="1" name=""/>
+        <p:cNvGrpSpPr/>
+        <p:nvPr/>
+      </p:nvGrpSpPr>
+      <p:grpSpPr>
+        <a:xfrm>
+          <a:off x="0" y="0"/>
+          <a:ext cx="0" cy="0"/>
+          <a:chOff x="0" y="0"/>
+          <a:chExt cx="0" cy="0"/>
+        </a:xfrm>
+      </p:grpSpPr>
+      <p:sp>
+        <p:nvSpPr>
+          <p:cNvPr id="2" name="PPTL_1_CodeBox">
+            <a:extLst>
+              <a:ext uri="{FF2B5EF4-FFF2-40B4-BE49-F238E27FC236}">
+                <a16:creationId xmlns:a16="http://schemas.microsoft.com/office/drawing/2014/main" id="{82FBE765-01C0-4EF8-8C6B-8C97813D6D8F}"/>
+              </a:ext>
+            </a:extLst>
+          </p:cNvPr>
+          <p:cNvSpPr txBox="1"/>
+          <p:nvPr/>
+        </p:nvSpPr>
+        <p:spPr>
+          <a:xfrm>
+            <a:off x="2159000" y="1270000"/>
+            <a:ext cx="8890000" cy="3175000"/>
+          </a:xfrm>
+          <a:prstGeom prst="rect">
+            <a:avLst/>
+          </a:prstGeom>
+          <a:noFill/>
+        </p:spPr>
+        <p:txBody>
+          <a:bodyPr vert="horz" wrap="square" rtlCol="0">
+            <a:spAutoFit/>
+          </a:bodyPr>
+          <a:lstStyle/>
+          <a:p>
+            <a:r>
+              <a:rPr lang="en-US">
+                <a:solidFill>
+                  <a:srgbClr val="0000FF"/>
+                </a:solidFill>
+                <a:latin typeface="Consolas" panose="020B0609020204030204" pitchFamily="49" charset="0"/>
+              </a:rPr>
+              <a:t>if</a:t>
+            </a:r>
+            <a:r>
+              <a:rPr lang="en-US">
+                <a:solidFill>
+                  <a:srgbClr val="000000"/>
+                </a:solidFill>
+                <a:latin typeface="Consolas" panose="020B0609020204030204" pitchFamily="49" charset="0"/>
+              </a:rPr>
+              <a:t> (animateDiff) {</a:t>
+            </a:r>
+          </a:p>
+          <a:p>
+            <a:r>
+              <a:rPr lang="en-US">
+                <a:solidFill>
+                  <a:srgbClr val="000000"/>
+                </a:solidFill>
+                <a:latin typeface="Consolas" panose="020B0609020204030204" pitchFamily="49" charset="0"/>
+              </a:rPr>
+              <a:t>    myFunction(x);</a:t>
+            </a:r>
+          </a:p>
+          <a:p>
+            <a:r>
+              <a:rPr lang="en-US">
+                <a:solidFill>
+                  <a:srgbClr val="000000"/>
+                </a:solidFill>
+                <a:latin typeface="Consolas" panose="020B0609020204030204" pitchFamily="49" charset="0"/>
+              </a:rPr>
+              <a:t>    anotherFunction(y);</a:t>
+            </a:r>
+          </a:p>
+          <a:p>
+            <a:r>
+              <a:rPr lang="en-US">
+                <a:solidFill>
+                  <a:srgbClr val="000000"/>
+                </a:solidFill>
+                <a:latin typeface="Consolas" panose="020B0609020204030204" pitchFamily="49" charset="0"/>
+              </a:rPr>
+              <a:t>    x += 1;</a:t>
+            </a:r>
+          </a:p>
+          <a:p>
+            <a:endParaRPr lang="en-US">
+              <a:solidFill>
+                <a:srgbClr val="000000"/>
+              </a:solidFill>
+              <a:latin typeface="Consolas" panose="020B0609020204030204" pitchFamily="49" charset="0"/>
+            </a:endParaRPr>
+          </a:p>
+          <a:p>
+            <a:r>
+              <a:rPr lang="en-US">
+                <a:solidFill>
+                  <a:srgbClr val="0000FF"/>
+                </a:solidFill>
+                <a:latin typeface="Consolas" panose="020B0609020204030204" pitchFamily="49" charset="0"/>
+              </a:rPr>
+              <a:t>while</a:t>
+            </a:r>
+            <a:r>
+              <a:rPr lang="en-US">
+                <a:solidFill>
+                  <a:srgbClr val="000000"/>
+                </a:solidFill>
+                <a:latin typeface="Consolas" panose="020B0609020204030204" pitchFamily="49" charset="0"/>
+              </a:rPr>
+              <a:t> (someCondition) {</a:t>
+            </a:r>
+          </a:p>
+          <a:p>
+            <a:r>
+              <a:rPr lang="en-US">
+                <a:solidFill>
+                  <a:srgbClr val="000000"/>
+                </a:solidFill>
+                <a:latin typeface="Consolas" panose="020B0609020204030204" pitchFamily="49" charset="0"/>
+              </a:rPr>
+              <a:t>    someLogic++;</a:t>
+            </a:r>
+          </a:p>
+          <a:p>
+            <a:r>
+              <a:rPr lang="en-US">
+                <a:solidFill>
+                  <a:srgbClr val="000000"/>
+                </a:solidFill>
+                <a:latin typeface="Consolas" panose="020B0609020204030204" pitchFamily="49" charset="0"/>
+              </a:rPr>
+              <a:t>}</a:t>
+            </a:r>
+          </a:p>
+          <a:p>
+            <a:r>
+              <a:rPr lang="en-US">
+                <a:solidFill>
+                  <a:srgbClr val="000000"/>
+                </a:solidFill>
+                <a:latin typeface="Consolas" panose="020B0609020204030204" pitchFamily="49" charset="0"/>
+              </a:rPr>
+              <a:t>z+=1;</a:t>
+            </a:r>
+          </a:p>
+          <a:p>
+            <a:r>
+              <a:rPr lang="en-US">
+                <a:solidFill>
+                  <a:srgbClr val="000000"/>
+                </a:solidFill>
+                <a:latin typeface="Consolas" panose="020B0609020204030204" pitchFamily="49" charset="0"/>
+              </a:rPr>
+              <a:t>...</a:t>
+            </a:r>
+          </a:p>
+          <a:p>
+            <a:endParaRPr lang="en-SG">
+              <a:solidFill>
+                <a:srgbClr val="000000"/>
+              </a:solidFill>
+              <a:latin typeface="Consolas" panose="020B0609020204030204" pitchFamily="49" charset="0"/>
+            </a:endParaRPr>
+          </a:p>
+        </p:txBody>
+      </p:sp>
+    </p:spTree>
+    <p:extLst>
+      <p:ext uri="{BB962C8B-B14F-4D97-AF65-F5344CB8AC3E}">
+        <p14:creationId xmlns:p14="http://schemas.microsoft.com/office/powerpoint/2010/main" val="1687212712"/>
       </p:ext>
     </p:extLst>
   </p:cSld>
